--- a/UX/Projeto de Interface com o Usuário.pptx
+++ b/UX/Projeto de Interface com o Usuário.pptx
@@ -5,7 +5,7 @@
     <p:sldMasterId id="2147483681" r:id="rId1"/>
   </p:sldMasterIdLst>
   <p:notesMasterIdLst>
-    <p:notesMasterId r:id="rId21"/>
+    <p:notesMasterId r:id="rId15"/>
   </p:notesMasterIdLst>
   <p:sldIdLst>
     <p:sldId id="256" r:id="rId2"/>
@@ -20,35 +20,29 @@
     <p:sldId id="319" r:id="rId11"/>
     <p:sldId id="316" r:id="rId12"/>
     <p:sldId id="317" r:id="rId13"/>
-    <p:sldId id="322" r:id="rId14"/>
-    <p:sldId id="323" r:id="rId15"/>
-    <p:sldId id="324" r:id="rId16"/>
-    <p:sldId id="325" r:id="rId17"/>
-    <p:sldId id="320" r:id="rId18"/>
-    <p:sldId id="308" r:id="rId19"/>
-    <p:sldId id="321" r:id="rId20"/>
+    <p:sldId id="321" r:id="rId14"/>
   </p:sldIdLst>
   <p:sldSz cx="9144000" cy="6858000" type="screen4x3"/>
   <p:notesSz cx="7315200" cy="9601200"/>
   <p:embeddedFontLst>
     <p:embeddedFont>
-      <p:font typeface="Verdana" pitchFamily="34" charset="0"/>
+      <p:font typeface="Tahoma" panose="020B0604030504040204" pitchFamily="34" charset="0"/>
+      <p:regular r:id="rId16"/>
+      <p:bold r:id="rId17"/>
+    </p:embeddedFont>
+    <p:embeddedFont>
+      <p:font typeface="Verdana" panose="020B0604030504040204" pitchFamily="34" charset="0"/>
+      <p:regular r:id="rId18"/>
+      <p:bold r:id="rId19"/>
+      <p:italic r:id="rId20"/>
+      <p:boldItalic r:id="rId21"/>
+    </p:embeddedFont>
+    <p:embeddedFont>
+      <p:font typeface="Calibri" panose="020F0502020204030204" pitchFamily="34" charset="0"/>
       <p:regular r:id="rId22"/>
       <p:bold r:id="rId23"/>
       <p:italic r:id="rId24"/>
       <p:boldItalic r:id="rId25"/>
-    </p:embeddedFont>
-    <p:embeddedFont>
-      <p:font typeface="Calibri" pitchFamily="34" charset="0"/>
-      <p:regular r:id="rId26"/>
-      <p:bold r:id="rId27"/>
-      <p:italic r:id="rId28"/>
-      <p:boldItalic r:id="rId29"/>
-    </p:embeddedFont>
-    <p:embeddedFont>
-      <p:font typeface="Tahoma" pitchFamily="34" charset="0"/>
-      <p:regular r:id="rId30"/>
-      <p:bold r:id="rId31"/>
     </p:embeddedFont>
   </p:embeddedFontLst>
   <p:defaultTextStyle>
@@ -255,7 +249,7 @@
   </p:defaultTextStyle>
   <p:extLst>
     <p:ext uri="{EFAFB233-063F-42B5-8137-9DF3F51BA10A}">
-      <p15:sldGuideLst xmlns="" xmlns:p15="http://schemas.microsoft.com/office/powerpoint/2012/main">
+      <p15:sldGuideLst xmlns:p15="http://schemas.microsoft.com/office/powerpoint/2012/main">
         <p15:guide id="1" orient="horz" pos="2160">
           <p15:clr>
             <a:srgbClr val="A4A3A4"/>
@@ -1172,7 +1166,7 @@
                 <a:sysClr val="windowText" lastClr="000000"/>
               </a:solidFill>
             </a:rPr>
-            <a:t>AGENDA</a:t>
+            <a:t>HOME</a:t>
           </a:r>
         </a:p>
       </dgm:t>
@@ -5605,324 +5599,324 @@
     </dgm:pt>
   </dgm:ptLst>
   <dgm:cxnLst>
-    <dgm:cxn modelId="{0BF1D4A8-0E59-44B4-8692-E4A60CF045AB}" type="presOf" srcId="{21EA9B65-DE6C-4057-8D42-C6363CA975C6}" destId="{7081A0C3-F781-4023-B194-D31AD0BB6E42}" srcOrd="0" destOrd="0" presId="urn:microsoft.com/office/officeart/2005/8/layout/orgChart1"/>
-    <dgm:cxn modelId="{FD085EF4-07A1-4A81-B24E-D97F7155DDFD}" type="presOf" srcId="{B0956803-2D9C-4C2E-BC98-8B176C131839}" destId="{30F2B008-B3FF-44E8-BCCA-DB1AA9B47524}" srcOrd="1" destOrd="0" presId="urn:microsoft.com/office/officeart/2005/8/layout/orgChart1"/>
-    <dgm:cxn modelId="{0292FD76-F3B7-472B-845E-6A724DC3232F}" type="presOf" srcId="{6C538176-8C46-4389-9709-8D4769D61479}" destId="{97105F4F-938F-42D4-8DFC-4A62E0C1C127}" srcOrd="1" destOrd="0" presId="urn:microsoft.com/office/officeart/2005/8/layout/orgChart1"/>
-    <dgm:cxn modelId="{1B3144AE-B62B-4A6F-A53A-F6A429400E10}" type="presOf" srcId="{B0956803-2D9C-4C2E-BC98-8B176C131839}" destId="{035DD26F-AFC0-4DAC-B14D-D93A152B5C88}" srcOrd="0" destOrd="0" presId="urn:microsoft.com/office/officeart/2005/8/layout/orgChart1"/>
     <dgm:cxn modelId="{972A148D-D967-4EDA-89AD-00B2BBA3B4CB}" srcId="{D7231F68-D79B-4129-94E0-6F5A66CE79D8}" destId="{71D8A78A-0F67-4698-AB12-0CE829AA7BC6}" srcOrd="1" destOrd="0" parTransId="{B6B55A6A-D7E7-42EF-898D-41751E226364}" sibTransId="{D8D383E7-F16C-4CE0-AEA4-2B4DA9DF4A13}"/>
-    <dgm:cxn modelId="{BFFCA972-1A54-41AC-87AF-9FCA7C366615}" type="presOf" srcId="{1C66E698-0D86-42FC-8856-6F5D889CC4EE}" destId="{056F1143-BBF7-4A4B-812E-C3DD8D0DDA74}" srcOrd="0" destOrd="0" presId="urn:microsoft.com/office/officeart/2005/8/layout/orgChart1"/>
-    <dgm:cxn modelId="{1836C016-278B-449C-BC0F-1360F9CF55F8}" type="presOf" srcId="{D35EBF02-317F-472E-8BAE-0F33CC86056B}" destId="{DA03FBC2-FC42-4490-A2BE-9AB1E61F3365}" srcOrd="0" destOrd="0" presId="urn:microsoft.com/office/officeart/2005/8/layout/orgChart1"/>
-    <dgm:cxn modelId="{C0E5E051-EC0A-486E-91B2-368CE0EFBC96}" type="presOf" srcId="{37D4D350-2B4C-4F88-BAEA-325B8C8BD999}" destId="{12744B90-6E26-4685-B445-9602C7DA6F21}" srcOrd="0" destOrd="0" presId="urn:microsoft.com/office/officeart/2005/8/layout/orgChart1"/>
-    <dgm:cxn modelId="{8AE95170-3744-4B5A-A8B3-62A7EAA017E0}" type="presOf" srcId="{71D8A78A-0F67-4698-AB12-0CE829AA7BC6}" destId="{8C9A4ED2-5B8C-4D39-BB37-0DCDBF368A5C}" srcOrd="0" destOrd="0" presId="urn:microsoft.com/office/officeart/2005/8/layout/orgChart1"/>
-    <dgm:cxn modelId="{CD2C3984-559D-42C8-A40B-4DF467C7D841}" type="presOf" srcId="{D06C6E60-B6EA-475C-8BB7-B825026007AC}" destId="{EF927979-326D-4393-B654-0DFB28B9ADD4}" srcOrd="0" destOrd="0" presId="urn:microsoft.com/office/officeart/2005/8/layout/orgChart1"/>
-    <dgm:cxn modelId="{A5F715CB-B891-438B-98D8-497C28E3083A}" type="presOf" srcId="{D06C6E60-B6EA-475C-8BB7-B825026007AC}" destId="{99961120-84E3-4FC7-9791-A2FA3F6FA90C}" srcOrd="1" destOrd="0" presId="urn:microsoft.com/office/officeart/2005/8/layout/orgChart1"/>
-    <dgm:cxn modelId="{49A552D3-C3F6-40C3-BE9C-4027DB65A58C}" type="presOf" srcId="{256DBBC8-9B6F-4C3D-A21B-B46EF0F44796}" destId="{4951E13E-9D35-4ADC-B42F-33A611431C42}" srcOrd="1" destOrd="0" presId="urn:microsoft.com/office/officeart/2005/8/layout/orgChart1"/>
-    <dgm:cxn modelId="{26542F1C-6B44-477B-ADC9-B3842D628AB0}" type="presOf" srcId="{794C04AF-AE98-44C5-9073-C6CD7D47AB4B}" destId="{B8CF9A0F-7BA0-4CD0-B393-ADDA59A36C76}" srcOrd="0" destOrd="0" presId="urn:microsoft.com/office/officeart/2005/8/layout/orgChart1"/>
-    <dgm:cxn modelId="{EFAFAE6C-6AF5-41A7-8482-21FB2BEA01A7}" type="presOf" srcId="{EF96C9B4-427A-49FF-B68D-7842B298ACFE}" destId="{970485CB-6ACC-4C6D-8C6C-B1DAD014F8C6}" srcOrd="0" destOrd="0" presId="urn:microsoft.com/office/officeart/2005/8/layout/orgChart1"/>
-    <dgm:cxn modelId="{467AB15B-82D1-43F8-A920-9F257395BC66}" type="presOf" srcId="{92F96BE0-6776-4D86-9629-41D46D9D7A52}" destId="{94AD4ABF-2DC4-4B30-95B1-706824D53CD7}" srcOrd="0" destOrd="0" presId="urn:microsoft.com/office/officeart/2005/8/layout/orgChart1"/>
+    <dgm:cxn modelId="{B5E2631E-1142-4002-97AB-5611A89AF016}" type="presOf" srcId="{17A1A3F5-9AC6-4491-83B9-FA5181BAC589}" destId="{90105FE1-09F3-42F3-A585-FF7680767A56}" srcOrd="1" destOrd="0" presId="urn:microsoft.com/office/officeart/2005/8/layout/orgChart1"/>
+    <dgm:cxn modelId="{07C033AB-E9A0-4B13-B52D-BCDF9F48B2A1}" srcId="{6C538176-8C46-4389-9709-8D4769D61479}" destId="{D85AA4DE-773A-46A6-A184-49F8D31B7471}" srcOrd="3" destOrd="0" parTransId="{C28534C4-F7A0-4BCC-B8C3-4B7E33109B11}" sibTransId="{BD3D0295-5B53-4CAC-A601-9126106C6346}"/>
+    <dgm:cxn modelId="{6A8AB506-E7B6-4C8C-AAD3-3B73B9D45652}" type="presOf" srcId="{6C538176-8C46-4389-9709-8D4769D61479}" destId="{A4C24BCF-CE9E-4D32-818D-9485AAE6798E}" srcOrd="0" destOrd="0" presId="urn:microsoft.com/office/officeart/2005/8/layout/orgChart1"/>
+    <dgm:cxn modelId="{F96ADB49-BEEA-420F-949B-34CFBE9047AD}" srcId="{6C538176-8C46-4389-9709-8D4769D61479}" destId="{683247F9-77F1-43E0-BE9B-1F85323A5019}" srcOrd="4" destOrd="0" parTransId="{346E636D-5AF0-4E55-A18F-5EA0A340A571}" sibTransId="{7A6747AE-64B4-4340-BCFE-6A321C19C819}"/>
+    <dgm:cxn modelId="{9F301609-A244-4640-A414-F12246AB29BA}" type="presOf" srcId="{EF96C9B4-427A-49FF-B68D-7842B298ACFE}" destId="{2C2F8232-23E5-4430-9644-54188413EB0D}" srcOrd="1" destOrd="0" presId="urn:microsoft.com/office/officeart/2005/8/layout/orgChart1"/>
+    <dgm:cxn modelId="{25AF65D1-193F-4D6F-963C-5212C61D4394}" type="presOf" srcId="{71D8A78A-0F67-4698-AB12-0CE829AA7BC6}" destId="{7DC63A10-4951-4821-B724-7DA2A45E3D77}" srcOrd="1" destOrd="0" presId="urn:microsoft.com/office/officeart/2005/8/layout/orgChart1"/>
+    <dgm:cxn modelId="{B29A5D13-F976-458E-965C-C147D7A15EC9}" type="presOf" srcId="{6C538176-8C46-4389-9709-8D4769D61479}" destId="{97105F4F-938F-42D4-8DFC-4A62E0C1C127}" srcOrd="1" destOrd="0" presId="urn:microsoft.com/office/officeart/2005/8/layout/orgChart1"/>
+    <dgm:cxn modelId="{63EEE3AD-E33D-4E64-A46C-718311EB79E0}" type="presOf" srcId="{8C4B30BD-1D99-460E-9736-AAB895A3542C}" destId="{DF696DC8-7E95-4094-82B8-917C9C0B61E8}" srcOrd="0" destOrd="0" presId="urn:microsoft.com/office/officeart/2005/8/layout/orgChart1"/>
+    <dgm:cxn modelId="{FFFEBFC4-E013-4E4A-A330-836DFBB0B4CF}" type="presOf" srcId="{F5E64FE7-0764-46B2-B214-507B41593319}" destId="{1A96198E-A00E-4944-A86D-5DCA1E3402C6}" srcOrd="0" destOrd="0" presId="urn:microsoft.com/office/officeart/2005/8/layout/orgChart1"/>
+    <dgm:cxn modelId="{C1B50764-AFBA-4AD9-9B0D-94AC0CF9D449}" type="presOf" srcId="{EE2D294D-8640-44C2-B3F7-107D3C9804AF}" destId="{2E10168B-A4D6-4631-B691-B8ABCB42FAB7}" srcOrd="0" destOrd="0" presId="urn:microsoft.com/office/officeart/2005/8/layout/orgChart1"/>
+    <dgm:cxn modelId="{4BA6B566-63B8-45BF-964C-1AFE47E8B8B5}" type="presOf" srcId="{2F21E5BB-91C5-481F-8344-290F72C318A6}" destId="{1AE0EF21-06C2-4B27-B5BC-E22AF95EC4A9}" srcOrd="0" destOrd="0" presId="urn:microsoft.com/office/officeart/2005/8/layout/orgChart1"/>
+    <dgm:cxn modelId="{A1195CCC-3B65-420F-8651-0027C187659B}" srcId="{B9AE722C-48C1-474C-9852-1B930B6B109F}" destId="{489EC877-422F-4FC0-BB70-F91809ACE1F2}" srcOrd="4" destOrd="0" parTransId="{407FEEBA-E567-4B55-B043-9C48408E71B5}" sibTransId="{EFFE0EE9-ECF3-4CA9-A158-98B6B93F2BF6}"/>
+    <dgm:cxn modelId="{DA587B77-583E-4ED5-8A76-43DFEBA532DC}" type="presOf" srcId="{BF3E7A89-D3D6-4BEE-82E0-FEF054C41ED4}" destId="{AA4C006E-E1C0-4E2E-8487-F760CBE0755C}" srcOrd="0" destOrd="0" presId="urn:microsoft.com/office/officeart/2005/8/layout/orgChart1"/>
+    <dgm:cxn modelId="{318F46B1-3FA6-415B-8966-ED22F6348600}" type="presOf" srcId="{1C66E698-0D86-42FC-8856-6F5D889CC4EE}" destId="{056F1143-BBF7-4A4B-812E-C3DD8D0DDA74}" srcOrd="0" destOrd="0" presId="urn:microsoft.com/office/officeart/2005/8/layout/orgChart1"/>
+    <dgm:cxn modelId="{6DCBF5DB-0E99-4EED-91E5-80FCE38EFBEF}" srcId="{EF96C9B4-427A-49FF-B68D-7842B298ACFE}" destId="{1C66E698-0D86-42FC-8856-6F5D889CC4EE}" srcOrd="1" destOrd="0" parTransId="{F82397FD-26BE-472E-B075-23F4823DD3A3}" sibTransId="{1C0BBA94-E339-42CB-8467-6FBB2868C704}"/>
+    <dgm:cxn modelId="{62C599CC-3BF0-437D-B702-37B8F86327E0}" type="presOf" srcId="{D7E3A945-7F1A-47F0-83A6-FF7CB4D00137}" destId="{BB258984-BEEA-4B40-98D4-CDF258E4FB03}" srcOrd="0" destOrd="0" presId="urn:microsoft.com/office/officeart/2005/8/layout/orgChart1"/>
+    <dgm:cxn modelId="{FC36BE8F-77CD-474C-BD84-DB8A445701A1}" type="presOf" srcId="{2C25A110-9F0C-45B1-A617-A6CB1E611A33}" destId="{09595F1B-0B3B-483F-A2C1-5B95AEAFCD61}" srcOrd="0" destOrd="0" presId="urn:microsoft.com/office/officeart/2005/8/layout/orgChart1"/>
+    <dgm:cxn modelId="{CCBDEA9A-6C6F-45F1-8208-A5E66CE8789E}" type="presOf" srcId="{5F865AFD-6A17-4817-8288-A9DA0A5CC915}" destId="{FE378B94-6331-4C3A-94DD-E7F673FA68EB}" srcOrd="0" destOrd="0" presId="urn:microsoft.com/office/officeart/2005/8/layout/orgChart1"/>
+    <dgm:cxn modelId="{944DF7BF-487B-4568-B38F-07F9700B629D}" srcId="{6C538176-8C46-4389-9709-8D4769D61479}" destId="{37D4D350-2B4C-4F88-BAEA-325B8C8BD999}" srcOrd="2" destOrd="0" parTransId="{58894D9C-6FD9-4A91-B7A0-9CA0DE1EAC3F}" sibTransId="{0AC3440C-A2A1-4308-AF68-21206F91E3D4}"/>
+    <dgm:cxn modelId="{B54D269C-BEEF-40D7-A259-C3DD4FC388B5}" type="presOf" srcId="{683247F9-77F1-43E0-BE9B-1F85323A5019}" destId="{F530A5B0-37B1-4F4D-8797-2AA1FCC5C920}" srcOrd="0" destOrd="0" presId="urn:microsoft.com/office/officeart/2005/8/layout/orgChart1"/>
+    <dgm:cxn modelId="{1BE8088F-328E-4371-88D1-79D39DA15C82}" srcId="{D06C6E60-B6EA-475C-8BB7-B825026007AC}" destId="{F5E64FE7-0764-46B2-B214-507B41593319}" srcOrd="0" destOrd="0" parTransId="{21EA9B65-DE6C-4057-8D42-C6363CA975C6}" sibTransId="{1AAC3F0F-D084-4357-8C9E-D668FA619528}"/>
+    <dgm:cxn modelId="{3DAEBC83-6509-4E29-ACAB-EC3DDE59834E}" type="presOf" srcId="{9548DBE8-EB09-4E83-8D6C-1553C82B7590}" destId="{B8ED9F53-9F35-4084-A956-6C96E18435C2}" srcOrd="1" destOrd="0" presId="urn:microsoft.com/office/officeart/2005/8/layout/orgChart1"/>
+    <dgm:cxn modelId="{88EDCBDE-2E60-4D07-A235-426EE952EB67}" srcId="{3893B6FC-4922-4F38-BA66-3637D14272BE}" destId="{2581FA11-D1B4-408D-B773-22B21C9B3DCB}" srcOrd="0" destOrd="0" parTransId="{31DE8295-6881-4ED8-9DDB-C95F074780E0}" sibTransId="{4EFD7704-9102-493D-ABDC-83DE3411AF4D}"/>
+    <dgm:cxn modelId="{5B023DDE-F318-4B8B-8D7F-57D17899BD22}" type="presOf" srcId="{08B0D645-C13F-4BC4-A0B2-AC81A2E92545}" destId="{17029296-5C2A-423E-9D77-92A93973D18C}" srcOrd="0" destOrd="0" presId="urn:microsoft.com/office/officeart/2005/8/layout/orgChart1"/>
+    <dgm:cxn modelId="{C1F854B3-8478-4521-8FA3-0723663EC2C0}" type="presOf" srcId="{D35EBF02-317F-472E-8BAE-0F33CC86056B}" destId="{DA03FBC2-FC42-4490-A2BE-9AB1E61F3365}" srcOrd="0" destOrd="0" presId="urn:microsoft.com/office/officeart/2005/8/layout/orgChart1"/>
+    <dgm:cxn modelId="{2FA3546E-0D9A-4D9E-8420-F2A281A93133}" type="presOf" srcId="{34ACBEA5-F94C-4151-8AEB-B9DF614E6215}" destId="{A95E4F7D-8E88-42E0-A055-8A253C7B7B25}" srcOrd="0" destOrd="0" presId="urn:microsoft.com/office/officeart/2005/8/layout/orgChart1"/>
+    <dgm:cxn modelId="{7D7EBBFF-3CD1-4043-990C-B4F41E1F30B9}" type="presOf" srcId="{58894D9C-6FD9-4A91-B7A0-9CA0DE1EAC3F}" destId="{94D00011-2418-4EE8-AA9B-9E0E4E6C05D2}" srcOrd="0" destOrd="0" presId="urn:microsoft.com/office/officeart/2005/8/layout/orgChart1"/>
+    <dgm:cxn modelId="{F39E345E-11B2-4F3C-ADCD-9D5A3DF0BE34}" srcId="{489EC877-422F-4FC0-BB70-F91809ACE1F2}" destId="{E5393998-7B6F-4BC7-8BFE-3986D754EEAD}" srcOrd="1" destOrd="0" parTransId="{92F96BE0-6776-4D86-9629-41D46D9D7A52}" sibTransId="{43E5FA39-2F51-4F42-B176-B699DFADA779}"/>
+    <dgm:cxn modelId="{69AE5B59-CA2A-4A66-8869-FC6D1167BBA4}" type="presOf" srcId="{9548DBE8-EB09-4E83-8D6C-1553C82B7590}" destId="{E1027BA3-6DE8-418B-A515-5BD1C7ED37EA}" srcOrd="0" destOrd="0" presId="urn:microsoft.com/office/officeart/2005/8/layout/orgChart1"/>
+    <dgm:cxn modelId="{2EA938C9-C7A3-4E77-ABD5-A0C4D7769592}" type="presOf" srcId="{2581FA11-D1B4-408D-B773-22B21C9B3DCB}" destId="{FA29ED0B-9C1E-4A6E-9575-26AC9A21EF20}" srcOrd="1" destOrd="0" presId="urn:microsoft.com/office/officeart/2005/8/layout/orgChart1"/>
+    <dgm:cxn modelId="{3C75ABC7-0B01-43D4-B024-9306FC516C32}" srcId="{6C538176-8C46-4389-9709-8D4769D61479}" destId="{527075D4-59D8-4F48-BB1D-7B61C9BF518A}" srcOrd="1" destOrd="0" parTransId="{08B0D645-C13F-4BC4-A0B2-AC81A2E92545}" sibTransId="{F993EDDD-AF56-42DA-B192-C3CF398FF729}"/>
+    <dgm:cxn modelId="{6873EFD9-7DAE-4827-8F86-87EF71AE9E1A}" srcId="{D06C6E60-B6EA-475C-8BB7-B825026007AC}" destId="{FF00B59C-9D61-404F-8853-E99485125489}" srcOrd="2" destOrd="0" parTransId="{2F21E5BB-91C5-481F-8344-290F72C318A6}" sibTransId="{433AFBD4-8DF8-48AC-ADBA-B5C06C959EFD}"/>
+    <dgm:cxn modelId="{CE9E77E9-C0BC-46B9-9F33-AFCAB1D7478F}" type="presOf" srcId="{21EA9B65-DE6C-4057-8D42-C6363CA975C6}" destId="{7081A0C3-F781-4023-B194-D31AD0BB6E42}" srcOrd="0" destOrd="0" presId="urn:microsoft.com/office/officeart/2005/8/layout/orgChart1"/>
+    <dgm:cxn modelId="{3ECB6827-7F2C-4638-8FD8-85417B1EA8B2}" srcId="{489EC877-422F-4FC0-BB70-F91809ACE1F2}" destId="{5F865AFD-6A17-4817-8288-A9DA0A5CC915}" srcOrd="2" destOrd="0" parTransId="{0D7C09BE-F2C8-49AE-B138-03819CACFFE7}" sibTransId="{BB6AC4BB-DF00-4A2D-A5B5-93E5A4F68E1B}"/>
+    <dgm:cxn modelId="{D33D707E-56CE-48DE-8200-E752B8D3F529}" type="presOf" srcId="{D3BA3189-65CC-408B-882C-375F15310CF9}" destId="{E5A92260-CF90-4248-90F6-5533758163B9}" srcOrd="0" destOrd="0" presId="urn:microsoft.com/office/officeart/2005/8/layout/orgChart1"/>
+    <dgm:cxn modelId="{3112079E-5150-416A-B65F-AB6F299459EC}" srcId="{515D9DB4-40E7-4DEB-A5DD-15D4952D6FC2}" destId="{B9AE722C-48C1-474C-9852-1B930B6B109F}" srcOrd="0" destOrd="0" parTransId="{896ECF14-A862-4461-BF63-22444FD1160B}" sibTransId="{B15FA277-2C6D-43EE-A0B2-EF218E4567E1}"/>
+    <dgm:cxn modelId="{F475F83D-3EFD-4EF8-AF36-15BCFD762E2A}" srcId="{EF96C9B4-427A-49FF-B68D-7842B298ACFE}" destId="{9548DBE8-EB09-4E83-8D6C-1553C82B7590}" srcOrd="2" destOrd="0" parTransId="{4936F1BF-A559-48A4-9CC7-6A4173702765}" sibTransId="{33EFEC6A-2D56-4240-B250-A5BCB2AA3888}"/>
+    <dgm:cxn modelId="{9974CF1C-192A-45BE-BAF5-F8B50C27D399}" type="presOf" srcId="{4283667F-FF62-4AF0-8D8D-5CF43637EF67}" destId="{CC637AF8-F27A-417D-B9D2-F055BC172D9F}" srcOrd="0" destOrd="0" presId="urn:microsoft.com/office/officeart/2005/8/layout/orgChart1"/>
+    <dgm:cxn modelId="{F600077F-5B38-4B27-80E3-617DBCFC7784}" type="presOf" srcId="{A18C7E19-4A88-419B-92C6-46F2DFF76B01}" destId="{23FAAA54-0100-48C8-BFFD-6E4671CEB4C3}" srcOrd="0" destOrd="0" presId="urn:microsoft.com/office/officeart/2005/8/layout/orgChart1"/>
+    <dgm:cxn modelId="{42DB368A-9C95-4B48-ADEC-1A2936FCC543}" type="presOf" srcId="{E5393998-7B6F-4BC7-8BFE-3986D754EEAD}" destId="{FCD98E51-7B73-4888-93C0-4FAB860964EB}" srcOrd="0" destOrd="0" presId="urn:microsoft.com/office/officeart/2005/8/layout/orgChart1"/>
+    <dgm:cxn modelId="{0FE8E89F-8E0C-4F6D-A068-965C252B55D9}" type="presOf" srcId="{FFD0F5D7-2FDE-4D0C-B84D-CFA858278A44}" destId="{3E38BFA6-7956-4F34-8EE2-0862AEF4F3BB}" srcOrd="0" destOrd="0" presId="urn:microsoft.com/office/officeart/2005/8/layout/orgChart1"/>
+    <dgm:cxn modelId="{5890CDD4-D590-4306-9A96-B34AA56F628E}" type="presOf" srcId="{0346CA54-77B7-4A97-8DF3-CD8B48259655}" destId="{5711D613-6930-4D20-A3C4-3F51CCEE594A}" srcOrd="0" destOrd="0" presId="urn:microsoft.com/office/officeart/2005/8/layout/orgChart1"/>
+    <dgm:cxn modelId="{3BEEB1DB-E9A0-40FB-8E00-582CDF1FB89C}" type="presOf" srcId="{17A1A3F5-9AC6-4491-83B9-FA5181BAC589}" destId="{D8CAD614-A52C-4A14-8BF2-D7A71D675144}" srcOrd="0" destOrd="0" presId="urn:microsoft.com/office/officeart/2005/8/layout/orgChart1"/>
+    <dgm:cxn modelId="{F10419EE-9AB0-47BE-AC07-D1FC566AD71D}" type="presOf" srcId="{346E636D-5AF0-4E55-A18F-5EA0A340A571}" destId="{D41787A0-F2E0-4CED-9130-427670ECE765}" srcOrd="0" destOrd="0" presId="urn:microsoft.com/office/officeart/2005/8/layout/orgChart1"/>
+    <dgm:cxn modelId="{9006D694-0192-4100-AC09-70580C1BF356}" type="presOf" srcId="{0D7C09BE-F2C8-49AE-B138-03819CACFFE7}" destId="{A8F92E30-154D-4E03-A76A-CD4675B262AC}" srcOrd="0" destOrd="0" presId="urn:microsoft.com/office/officeart/2005/8/layout/orgChart1"/>
+    <dgm:cxn modelId="{35E0A4CD-59E5-46FB-8FB1-1EF7A520A128}" type="presOf" srcId="{B0956803-2D9C-4C2E-BC98-8B176C131839}" destId="{30F2B008-B3FF-44E8-BCCA-DB1AA9B47524}" srcOrd="1" destOrd="0" presId="urn:microsoft.com/office/officeart/2005/8/layout/orgChart1"/>
+    <dgm:cxn modelId="{1ABA00B9-50A9-40B7-AA7F-9E462EE7FF9B}" type="presOf" srcId="{27B19227-746F-40EF-9394-B49F9B37B240}" destId="{F5C397A4-F490-4B8F-97BA-73E9DE1933A9}" srcOrd="1" destOrd="0" presId="urn:microsoft.com/office/officeart/2005/8/layout/orgChart1"/>
+    <dgm:cxn modelId="{D8D5853E-9D62-4F9E-9EC3-37EF2D1C61D3}" type="presOf" srcId="{527075D4-59D8-4F48-BB1D-7B61C9BF518A}" destId="{D422190A-186E-46FA-86B3-E9A331CC9E40}" srcOrd="0" destOrd="0" presId="urn:microsoft.com/office/officeart/2005/8/layout/orgChart1"/>
+    <dgm:cxn modelId="{719BE167-B904-4DBB-B27B-E2FDD06513C8}" type="presOf" srcId="{3893B6FC-4922-4F38-BA66-3637D14272BE}" destId="{438D1070-C0A6-4086-98E9-E16A6C5C0A6A}" srcOrd="0" destOrd="0" presId="urn:microsoft.com/office/officeart/2005/8/layout/orgChart1"/>
+    <dgm:cxn modelId="{8A411334-5FD9-4394-A4DE-E5CCF7B62FFE}" srcId="{6C538176-8C46-4389-9709-8D4769D61479}" destId="{17A1A3F5-9AC6-4491-83B9-FA5181BAC589}" srcOrd="0" destOrd="0" parTransId="{D35EBF02-317F-472E-8BAE-0F33CC86056B}" sibTransId="{5752894A-25D5-438F-A615-A6A1E1859532}"/>
+    <dgm:cxn modelId="{16CCB251-BBE9-4263-A031-EBF546C03788}" type="presOf" srcId="{B0956803-2D9C-4C2E-BC98-8B176C131839}" destId="{035DD26F-AFC0-4DAC-B14D-D93A152B5C88}" srcOrd="0" destOrd="0" presId="urn:microsoft.com/office/officeart/2005/8/layout/orgChart1"/>
+    <dgm:cxn modelId="{06A57CE6-8D54-4A6E-8BEA-1B077EAE2ADA}" type="presOf" srcId="{CFF7A069-14D7-44D8-B9EB-968E78218A37}" destId="{75D0F555-AE18-4523-B90B-1DC91BF5B789}" srcOrd="1" destOrd="0" presId="urn:microsoft.com/office/officeart/2005/8/layout/orgChart1"/>
+    <dgm:cxn modelId="{AD8CB857-F1DC-4904-8A59-1ADF46290124}" type="presOf" srcId="{D85AA4DE-773A-46A6-A184-49F8D31B7471}" destId="{C97941E5-882C-4F0A-991C-AE7130B81FD5}" srcOrd="1" destOrd="0" presId="urn:microsoft.com/office/officeart/2005/8/layout/orgChart1"/>
+    <dgm:cxn modelId="{D64B1007-465E-4B51-8406-3D45DFB51C4D}" type="presOf" srcId="{407FEEBA-E567-4B55-B043-9C48408E71B5}" destId="{5886597F-B46E-40F0-8AE5-3FD4817AC1CF}" srcOrd="0" destOrd="0" presId="urn:microsoft.com/office/officeart/2005/8/layout/orgChart1"/>
+    <dgm:cxn modelId="{8993B135-9149-4B5E-8B54-5DA9222A0138}" srcId="{D7231F68-D79B-4129-94E0-6F5A66CE79D8}" destId="{B0956803-2D9C-4C2E-BC98-8B176C131839}" srcOrd="0" destOrd="0" parTransId="{EB603596-1D39-4375-8EB7-9C71C1550FC4}" sibTransId="{8A836AAE-4F1F-47F3-8946-5323FEF828F9}"/>
+    <dgm:cxn modelId="{045F1157-556D-4641-AC64-9D8C264BA886}" srcId="{B9AE722C-48C1-474C-9852-1B930B6B109F}" destId="{3893B6FC-4922-4F38-BA66-3637D14272BE}" srcOrd="5" destOrd="0" parTransId="{8C4B30BD-1D99-460E-9736-AAB895A3542C}" sibTransId="{480F462B-207C-4947-A5C1-735E9DD81B5B}"/>
     <dgm:cxn modelId="{25CCE83F-69CD-4628-B080-DCEA1CB2523D}" srcId="{B9AE722C-48C1-474C-9852-1B930B6B109F}" destId="{6C538176-8C46-4389-9709-8D4769D61479}" srcOrd="1" destOrd="0" parTransId="{2C25A110-9F0C-45B1-A617-A6CB1E611A33}" sibTransId="{1F1FFAEF-D40A-4D90-BD6D-5025740B28E0}"/>
-    <dgm:cxn modelId="{0AB69EB1-94CC-40E8-ABBC-5222E70730FE}" type="presOf" srcId="{31DE8295-6881-4ED8-9DDB-C95F074780E0}" destId="{1EAC204C-1BE3-44A7-BA19-B48A9F8CDDF7}" srcOrd="0" destOrd="0" presId="urn:microsoft.com/office/officeart/2005/8/layout/orgChart1"/>
-    <dgm:cxn modelId="{D3C47BCA-3BCE-43F9-9283-E7A5E3C4BE0E}" type="presOf" srcId="{527075D4-59D8-4F48-BB1D-7B61C9BF518A}" destId="{6E228F81-D8D9-4E53-8FC8-302705B4AB23}" srcOrd="1" destOrd="0" presId="urn:microsoft.com/office/officeart/2005/8/layout/orgChart1"/>
-    <dgm:cxn modelId="{36120CBB-99BD-407A-BD8C-3FD4BFEAB61F}" type="presOf" srcId="{EB603596-1D39-4375-8EB7-9C71C1550FC4}" destId="{B95F85D9-A2F0-49C9-A642-F8E7D4929844}" srcOrd="0" destOrd="0" presId="urn:microsoft.com/office/officeart/2005/8/layout/orgChart1"/>
-    <dgm:cxn modelId="{77EFA3DB-1943-492B-917F-974D23EE2318}" type="presOf" srcId="{17A1A3F5-9AC6-4491-83B9-FA5181BAC589}" destId="{D8CAD614-A52C-4A14-8BF2-D7A71D675144}" srcOrd="0" destOrd="0" presId="urn:microsoft.com/office/officeart/2005/8/layout/orgChart1"/>
-    <dgm:cxn modelId="{944DF7BF-487B-4568-B38F-07F9700B629D}" srcId="{6C538176-8C46-4389-9709-8D4769D61479}" destId="{37D4D350-2B4C-4F88-BAEA-325B8C8BD999}" srcOrd="2" destOrd="0" parTransId="{58894D9C-6FD9-4A91-B7A0-9CA0DE1EAC3F}" sibTransId="{0AC3440C-A2A1-4308-AF68-21206F91E3D4}"/>
-    <dgm:cxn modelId="{3206561C-EAC9-4A3D-88F6-31778245D7DF}" type="presOf" srcId="{D7E3A945-7F1A-47F0-83A6-FF7CB4D00137}" destId="{1808DEEA-AAD8-43FD-84EC-ECB63076129A}" srcOrd="1" destOrd="0" presId="urn:microsoft.com/office/officeart/2005/8/layout/orgChart1"/>
-    <dgm:cxn modelId="{51283DC7-B9F5-4078-B199-F06378F4E450}" type="presOf" srcId="{0D7C09BE-F2C8-49AE-B138-03819CACFFE7}" destId="{A8F92E30-154D-4E03-A76A-CD4675B262AC}" srcOrd="0" destOrd="0" presId="urn:microsoft.com/office/officeart/2005/8/layout/orgChart1"/>
-    <dgm:cxn modelId="{8993B135-9149-4B5E-8B54-5DA9222A0138}" srcId="{D7231F68-D79B-4129-94E0-6F5A66CE79D8}" destId="{B0956803-2D9C-4C2E-BC98-8B176C131839}" srcOrd="0" destOrd="0" parTransId="{EB603596-1D39-4375-8EB7-9C71C1550FC4}" sibTransId="{8A836AAE-4F1F-47F3-8946-5323FEF828F9}"/>
-    <dgm:cxn modelId="{C8CD621F-8CC5-4E3B-BF45-47E2F7DC4051}" type="presOf" srcId="{3893B6FC-4922-4F38-BA66-3637D14272BE}" destId="{438D1070-C0A6-4086-98E9-E16A6C5C0A6A}" srcOrd="0" destOrd="0" presId="urn:microsoft.com/office/officeart/2005/8/layout/orgChart1"/>
-    <dgm:cxn modelId="{CD346ED0-64F2-44B9-A642-4229DD81FC81}" type="presOf" srcId="{2C25A110-9F0C-45B1-A617-A6CB1E611A33}" destId="{09595F1B-0B3B-483F-A2C1-5B95AEAFCD61}" srcOrd="0" destOrd="0" presId="urn:microsoft.com/office/officeart/2005/8/layout/orgChart1"/>
-    <dgm:cxn modelId="{9DF36FFE-7D84-44B2-98AF-FAEF12871B7A}" type="presOf" srcId="{08B0D645-C13F-4BC4-A0B2-AC81A2E92545}" destId="{17029296-5C2A-423E-9D77-92A93973D18C}" srcOrd="0" destOrd="0" presId="urn:microsoft.com/office/officeart/2005/8/layout/orgChart1"/>
-    <dgm:cxn modelId="{6DCBF5DB-0E99-4EED-91E5-80FCE38EFBEF}" srcId="{EF96C9B4-427A-49FF-B68D-7842B298ACFE}" destId="{1C66E698-0D86-42FC-8856-6F5D889CC4EE}" srcOrd="1" destOrd="0" parTransId="{F82397FD-26BE-472E-B075-23F4823DD3A3}" sibTransId="{1C0BBA94-E339-42CB-8467-6FBB2868C704}"/>
-    <dgm:cxn modelId="{91AEE08A-8023-407E-AB25-0723BCA7D92F}" type="presOf" srcId="{A18C7E19-4A88-419B-92C6-46F2DFF76B01}" destId="{23FAAA54-0100-48C8-BFFD-6E4671CEB4C3}" srcOrd="0" destOrd="0" presId="urn:microsoft.com/office/officeart/2005/8/layout/orgChart1"/>
-    <dgm:cxn modelId="{0B8A1CAD-BA8F-4D2C-9B7A-0708D765E4A7}" type="presOf" srcId="{BF3E7A89-D3D6-4BEE-82E0-FEF054C41ED4}" destId="{4E23FE0C-DB42-4982-BEB6-0D1FF126CD52}" srcOrd="1" destOrd="0" presId="urn:microsoft.com/office/officeart/2005/8/layout/orgChart1"/>
+    <dgm:cxn modelId="{2D1DE8DB-2E62-486A-AF5F-8E00625D62E7}" type="presOf" srcId="{9B5CD5AE-2600-4617-9DC2-060920BC15C6}" destId="{504E40EB-3896-45B8-93F9-5247EFAA6EFF}" srcOrd="0" destOrd="0" presId="urn:microsoft.com/office/officeart/2005/8/layout/orgChart1"/>
+    <dgm:cxn modelId="{7905ED90-60D0-4413-BCB9-7D5C4A0DBADC}" srcId="{D7231F68-D79B-4129-94E0-6F5A66CE79D8}" destId="{D7E3A945-7F1A-47F0-83A6-FF7CB4D00137}" srcOrd="3" destOrd="0" parTransId="{D3BA3189-65CC-408B-882C-375F15310CF9}" sibTransId="{F9927253-7A10-4200-BCF2-B9E109E58955}"/>
+    <dgm:cxn modelId="{52CAD451-29E1-4CEB-B479-FB9F9717920C}" type="presOf" srcId="{2581FA11-D1B4-408D-B773-22B21C9B3DCB}" destId="{5AAEF3F7-8FEB-477F-A38B-3B55816DB0A1}" srcOrd="0" destOrd="0" presId="urn:microsoft.com/office/officeart/2005/8/layout/orgChart1"/>
+    <dgm:cxn modelId="{8D1A5183-EE28-41F2-85F3-4C8E38251EA3}" type="presOf" srcId="{794C04AF-AE98-44C5-9073-C6CD7D47AB4B}" destId="{B8CF9A0F-7BA0-4CD0-B393-ADDA59A36C76}" srcOrd="0" destOrd="0" presId="urn:microsoft.com/office/officeart/2005/8/layout/orgChart1"/>
+    <dgm:cxn modelId="{C3275840-22BC-4930-B0CF-A1172AD691C7}" type="presOf" srcId="{D7231F68-D79B-4129-94E0-6F5A66CE79D8}" destId="{D29A2811-3445-4FD9-B94E-CD2C6AEC05B8}" srcOrd="0" destOrd="0" presId="urn:microsoft.com/office/officeart/2005/8/layout/orgChart1"/>
+    <dgm:cxn modelId="{990C8EA6-092E-47A3-A06A-29231E1819CF}" type="presOf" srcId="{EA9181A1-EEDD-4986-BFD8-FB7E80AAE505}" destId="{239DC3CD-320F-4528-964B-A55C0FEA7F0F}" srcOrd="0" destOrd="0" presId="urn:microsoft.com/office/officeart/2005/8/layout/orgChart1"/>
+    <dgm:cxn modelId="{9B95F92D-0463-4872-82EC-1B8D28A2A4EA}" type="presOf" srcId="{FF00B59C-9D61-404F-8853-E99485125489}" destId="{D4328132-9542-4C0A-A308-AEB494E8EE03}" srcOrd="1" destOrd="0" presId="urn:microsoft.com/office/officeart/2005/8/layout/orgChart1"/>
+    <dgm:cxn modelId="{E7C6FC13-0062-4A01-9FCC-DCE3ABA2BF38}" type="presOf" srcId="{4936F1BF-A559-48A4-9CC7-6A4173702765}" destId="{E1D219B3-869F-43F9-A6AA-77F54BB208D0}" srcOrd="0" destOrd="0" presId="urn:microsoft.com/office/officeart/2005/8/layout/orgChart1"/>
+    <dgm:cxn modelId="{B30D4DF5-6157-4D7D-B5C0-9F89CFB3AF8C}" srcId="{489EC877-422F-4FC0-BB70-F91809ACE1F2}" destId="{BF3E7A89-D3D6-4BEE-82E0-FEF054C41ED4}" srcOrd="0" destOrd="0" parTransId="{4283667F-FF62-4AF0-8D8D-5CF43637EF67}" sibTransId="{9EAA9647-89A2-45B0-8DEB-215E9B193D42}"/>
+    <dgm:cxn modelId="{A87B330E-0ACF-48CB-91AD-6D3FB7350CE8}" srcId="{D7231F68-D79B-4129-94E0-6F5A66CE79D8}" destId="{256DBBC8-9B6F-4C3D-A21B-B46EF0F44796}" srcOrd="2" destOrd="0" parTransId="{EA9181A1-EEDD-4986-BFD8-FB7E80AAE505}" sibTransId="{579F7F26-5DB1-4F99-B14C-CDC807C88E84}"/>
+    <dgm:cxn modelId="{71800F64-0E0F-4195-AC19-F5F1985616FB}" type="presOf" srcId="{31A0FC9D-0FBA-4C14-8977-4EF50E24295C}" destId="{5B4A557D-DD40-4BBE-9F9A-42B507EBEB1E}" srcOrd="0" destOrd="0" presId="urn:microsoft.com/office/officeart/2005/8/layout/orgChart1"/>
+    <dgm:cxn modelId="{887F12ED-9F02-42EF-9D2F-6EE8CF46DFA8}" type="presOf" srcId="{CFF7A069-14D7-44D8-B9EB-968E78218A37}" destId="{46024B26-04FE-4C65-8797-4E756F44950F}" srcOrd="0" destOrd="0" presId="urn:microsoft.com/office/officeart/2005/8/layout/orgChart1"/>
+    <dgm:cxn modelId="{46158A42-7FBF-4CB8-B5C3-1B54ED0D7361}" type="presOf" srcId="{C28534C4-F7A0-4BCC-B8C3-4B7E33109B11}" destId="{E230D485-B111-4A88-A96C-DD0742BED87E}" srcOrd="0" destOrd="0" presId="urn:microsoft.com/office/officeart/2005/8/layout/orgChart1"/>
+    <dgm:cxn modelId="{90749DBB-CC51-44DA-8175-301F2D30FC58}" type="presOf" srcId="{256DBBC8-9B6F-4C3D-A21B-B46EF0F44796}" destId="{1E42B8D4-E8B2-4294-B101-56747C791EB9}" srcOrd="0" destOrd="0" presId="urn:microsoft.com/office/officeart/2005/8/layout/orgChart1"/>
+    <dgm:cxn modelId="{1E408E25-3593-4D54-A3C6-9C0356183B89}" type="presOf" srcId="{1C66E698-0D86-42FC-8856-6F5D889CC4EE}" destId="{FF133AFF-538B-4873-9015-D3AC04DFC09B}" srcOrd="1" destOrd="0" presId="urn:microsoft.com/office/officeart/2005/8/layout/orgChart1"/>
+    <dgm:cxn modelId="{6B22F9A0-46B5-4949-AEF7-3F1A021A52DB}" type="presOf" srcId="{B6B55A6A-D7E7-42EF-898D-41751E226364}" destId="{D76DDAD2-839A-4655-9F03-B953223CED8A}" srcOrd="0" destOrd="0" presId="urn:microsoft.com/office/officeart/2005/8/layout/orgChart1"/>
+    <dgm:cxn modelId="{1667D3BF-5153-444B-9311-2697BD81073D}" type="presOf" srcId="{37D4D350-2B4C-4F88-BAEA-325B8C8BD999}" destId="{0F9DE019-F216-4A6C-B57F-448A2F88B6EA}" srcOrd="1" destOrd="0" presId="urn:microsoft.com/office/officeart/2005/8/layout/orgChart1"/>
+    <dgm:cxn modelId="{FB7D29E3-7AA3-4021-B3C8-228DDEBDFBA5}" type="presOf" srcId="{B9AE722C-48C1-474C-9852-1B930B6B109F}" destId="{614CD33A-AC70-47DF-B9F6-816F13CCDBA9}" srcOrd="1" destOrd="0" presId="urn:microsoft.com/office/officeart/2005/8/layout/orgChart1"/>
+    <dgm:cxn modelId="{386816DE-2A3C-4B50-8CE6-6C25CAEF0C22}" type="presOf" srcId="{27B19227-746F-40EF-9394-B49F9B37B240}" destId="{B1747FAB-9757-4403-88D3-B628A2EA49C4}" srcOrd="0" destOrd="0" presId="urn:microsoft.com/office/officeart/2005/8/layout/orgChart1"/>
+    <dgm:cxn modelId="{E2280BC8-570C-4E49-ADA1-15E3812ACBA0}" type="presOf" srcId="{92F96BE0-6776-4D86-9629-41D46D9D7A52}" destId="{94AD4ABF-2DC4-4B30-95B1-706824D53CD7}" srcOrd="0" destOrd="0" presId="urn:microsoft.com/office/officeart/2005/8/layout/orgChart1"/>
+    <dgm:cxn modelId="{C464F5F2-3DEC-4AAF-B30E-E260CA308D51}" type="presOf" srcId="{D06C6E60-B6EA-475C-8BB7-B825026007AC}" destId="{EF927979-326D-4393-B654-0DFB28B9ADD4}" srcOrd="0" destOrd="0" presId="urn:microsoft.com/office/officeart/2005/8/layout/orgChart1"/>
+    <dgm:cxn modelId="{8B3F4F52-9285-4D63-9D37-C4E0DC1E755E}" type="presOf" srcId="{DBCB6070-4665-4843-A9B4-0BFC04A29E4E}" destId="{895BFF7C-11FF-458B-AAF1-C352BE60F9EF}" srcOrd="0" destOrd="0" presId="urn:microsoft.com/office/officeart/2005/8/layout/orgChart1"/>
+    <dgm:cxn modelId="{6B36BBDA-13C7-4E32-85B2-4D0DC86770E1}" type="presOf" srcId="{3893B6FC-4922-4F38-BA66-3637D14272BE}" destId="{568F313F-BFFD-4409-A0F7-C318A2E10922}" srcOrd="1" destOrd="0" presId="urn:microsoft.com/office/officeart/2005/8/layout/orgChart1"/>
+    <dgm:cxn modelId="{E1C0A10D-9C79-456A-B853-202C0E44D771}" type="presOf" srcId="{FF00B59C-9D61-404F-8853-E99485125489}" destId="{C7C20F54-4574-4A2B-9831-5DE68481AF4F}" srcOrd="0" destOrd="0" presId="urn:microsoft.com/office/officeart/2005/8/layout/orgChart1"/>
+    <dgm:cxn modelId="{6A7CAB57-23E8-4F1C-8AE2-640DE702FB5D}" type="presOf" srcId="{489EC877-422F-4FC0-BB70-F91809ACE1F2}" destId="{B60853AC-28B6-4365-97E9-89DDBE56859C}" srcOrd="0" destOrd="0" presId="urn:microsoft.com/office/officeart/2005/8/layout/orgChart1"/>
+    <dgm:cxn modelId="{704022D9-5362-4859-8869-D7967477F8C0}" type="presOf" srcId="{F4BE1965-C09D-4869-990A-2E99BD582647}" destId="{89016122-5A0C-4699-8160-C50C3D834896}" srcOrd="0" destOrd="0" presId="urn:microsoft.com/office/officeart/2005/8/layout/orgChart1"/>
+    <dgm:cxn modelId="{16B2749A-2AB7-4927-909C-4523845932DD}" type="presOf" srcId="{489EC877-422F-4FC0-BB70-F91809ACE1F2}" destId="{5BA6B852-4FA0-4DD4-922B-D18E3C425A6B}" srcOrd="1" destOrd="0" presId="urn:microsoft.com/office/officeart/2005/8/layout/orgChart1"/>
     <dgm:cxn modelId="{ACE71086-E91F-4E22-A628-B378F6BB7653}" srcId="{EF96C9B4-427A-49FF-B68D-7842B298ACFE}" destId="{34ACBEA5-F94C-4151-8AEB-B9DF614E6215}" srcOrd="3" destOrd="0" parTransId="{C21A9D5A-36DF-41FC-9F4F-C9EFE78F1CBE}" sibTransId="{E677BB67-A40B-4D61-9C91-4C50A87A4108}"/>
-    <dgm:cxn modelId="{B30D4DF5-6157-4D7D-B5C0-9F89CFB3AF8C}" srcId="{489EC877-422F-4FC0-BB70-F91809ACE1F2}" destId="{BF3E7A89-D3D6-4BEE-82E0-FEF054C41ED4}" srcOrd="0" destOrd="0" parTransId="{4283667F-FF62-4AF0-8D8D-5CF43637EF67}" sibTransId="{9EAA9647-89A2-45B0-8DEB-215E9B193D42}"/>
+    <dgm:cxn modelId="{2E5952B3-A676-4CC4-8669-9011E70B3783}" type="presOf" srcId="{71D8A78A-0F67-4698-AB12-0CE829AA7BC6}" destId="{8C9A4ED2-5B8C-4D39-BB37-0DCDBF368A5C}" srcOrd="0" destOrd="0" presId="urn:microsoft.com/office/officeart/2005/8/layout/orgChart1"/>
+    <dgm:cxn modelId="{2E6EE29B-937A-48F9-8F36-1D4C38D7DACB}" type="presOf" srcId="{E5393998-7B6F-4BC7-8BFE-3986D754EEAD}" destId="{5F1C8E07-5DF2-49AC-AC34-531B16AE5204}" srcOrd="1" destOrd="0" presId="urn:microsoft.com/office/officeart/2005/8/layout/orgChart1"/>
+    <dgm:cxn modelId="{B79AA6E3-9414-4760-9A17-6C3B55B85DC2}" type="presOf" srcId="{C21A9D5A-36DF-41FC-9F4F-C9EFE78F1CBE}" destId="{46562903-2430-452E-932C-32DE2B8A3841}" srcOrd="0" destOrd="0" presId="urn:microsoft.com/office/officeart/2005/8/layout/orgChart1"/>
+    <dgm:cxn modelId="{3943098A-C3EE-40D4-9BAB-4B847BB053B1}" srcId="{B9AE722C-48C1-474C-9852-1B930B6B109F}" destId="{EF96C9B4-427A-49FF-B68D-7842B298ACFE}" srcOrd="2" destOrd="0" parTransId="{31A0FC9D-0FBA-4C14-8977-4EF50E24295C}" sibTransId="{90E6F489-D372-4116-ACC9-B4F0998C5471}"/>
+    <dgm:cxn modelId="{DB7CDE9F-A9AF-48A2-8658-0EF7BDC40DFA}" type="presOf" srcId="{F4BE1965-C09D-4869-990A-2E99BD582647}" destId="{21DC81A4-7741-4867-8475-B8F493C1233C}" srcOrd="1" destOrd="0" presId="urn:microsoft.com/office/officeart/2005/8/layout/orgChart1"/>
+    <dgm:cxn modelId="{306BAB92-563D-4F2D-84DE-2542582F16ED}" type="presOf" srcId="{B9AE722C-48C1-474C-9852-1B930B6B109F}" destId="{12EDE91F-D2D1-4FCC-AC9A-7DDD64918CB3}" srcOrd="0" destOrd="0" presId="urn:microsoft.com/office/officeart/2005/8/layout/orgChart1"/>
+    <dgm:cxn modelId="{2AF10A55-615D-401B-A696-92D546726240}" type="presOf" srcId="{EB603596-1D39-4375-8EB7-9C71C1550FC4}" destId="{B95F85D9-A2F0-49C9-A642-F8E7D4929844}" srcOrd="0" destOrd="0" presId="urn:microsoft.com/office/officeart/2005/8/layout/orgChart1"/>
+    <dgm:cxn modelId="{7B487B07-C41B-4CE2-9429-DB0F66B9FCBD}" type="presOf" srcId="{F5E64FE7-0764-46B2-B214-507B41593319}" destId="{EB9D133D-845D-427A-A285-DAE0C55A6276}" srcOrd="1" destOrd="0" presId="urn:microsoft.com/office/officeart/2005/8/layout/orgChart1"/>
+    <dgm:cxn modelId="{59088178-5556-4493-BCDA-0F6063A6F813}" type="presOf" srcId="{527075D4-59D8-4F48-BB1D-7B61C9BF518A}" destId="{6E228F81-D8D9-4E53-8FC8-302705B4AB23}" srcOrd="1" destOrd="0" presId="urn:microsoft.com/office/officeart/2005/8/layout/orgChart1"/>
+    <dgm:cxn modelId="{7C8F1A02-A6C7-4FF4-940C-CDF4B90A9CB3}" srcId="{489EC877-422F-4FC0-BB70-F91809ACE1F2}" destId="{27B19227-746F-40EF-9394-B49F9B37B240}" srcOrd="3" destOrd="0" parTransId="{FFD0F5D7-2FDE-4D0C-B84D-CFA858278A44}" sibTransId="{42B210A0-7685-4D88-9AEE-04AFEBCEAC73}"/>
+    <dgm:cxn modelId="{0027B3EB-65E8-4854-ADE1-4DB07A26621D}" type="presOf" srcId="{515D9DB4-40E7-4DEB-A5DD-15D4952D6FC2}" destId="{E7415A98-C86F-4E4A-856C-2DEBCC2AA73D}" srcOrd="0" destOrd="0" presId="urn:microsoft.com/office/officeart/2005/8/layout/orgChart1"/>
+    <dgm:cxn modelId="{A1C546E0-287E-4448-A2B2-4649C5DE4EA0}" type="presOf" srcId="{D7E3A945-7F1A-47F0-83A6-FF7CB4D00137}" destId="{1808DEEA-AAD8-43FD-84EC-ECB63076129A}" srcOrd="1" destOrd="0" presId="urn:microsoft.com/office/officeart/2005/8/layout/orgChart1"/>
+    <dgm:cxn modelId="{03F720CF-501A-4256-A24E-36426D97C47C}" type="presOf" srcId="{5F865AFD-6A17-4817-8288-A9DA0A5CC915}" destId="{1196F333-92BD-43D2-8F49-DC8656CA9FCF}" srcOrd="1" destOrd="0" presId="urn:microsoft.com/office/officeart/2005/8/layout/orgChart1"/>
+    <dgm:cxn modelId="{E46B9589-BB10-4B3D-AF70-2D174AF1D8E2}" type="presOf" srcId="{D7231F68-D79B-4129-94E0-6F5A66CE79D8}" destId="{00B679BF-EBB1-47D2-BB6F-3082F8026CF0}" srcOrd="1" destOrd="0" presId="urn:microsoft.com/office/officeart/2005/8/layout/orgChart1"/>
+    <dgm:cxn modelId="{3FCD3CEC-136D-4309-9F14-1C2F478434AA}" srcId="{B9AE722C-48C1-474C-9852-1B930B6B109F}" destId="{D7231F68-D79B-4129-94E0-6F5A66CE79D8}" srcOrd="6" destOrd="0" parTransId="{EE2D294D-8640-44C2-B3F7-107D3C9804AF}" sibTransId="{58BF8741-7BB3-41F5-ABD7-7D74FC0ED805}"/>
+    <dgm:cxn modelId="{99DBAC6D-EDB3-4640-B287-65CD5B4D2E3A}" type="presOf" srcId="{D06C6E60-B6EA-475C-8BB7-B825026007AC}" destId="{99961120-84E3-4FC7-9791-A2FA3F6FA90C}" srcOrd="1" destOrd="0" presId="urn:microsoft.com/office/officeart/2005/8/layout/orgChart1"/>
+    <dgm:cxn modelId="{5141CB91-0795-4BC3-A63A-CDCCA19FB9C6}" type="presOf" srcId="{F82397FD-26BE-472E-B075-23F4823DD3A3}" destId="{7C274F9A-EC11-4B30-B246-B4ECFF4241DC}" srcOrd="0" destOrd="0" presId="urn:microsoft.com/office/officeart/2005/8/layout/orgChart1"/>
+    <dgm:cxn modelId="{5CE879DD-B717-4C43-8576-D2C8784B3061}" type="presOf" srcId="{D85AA4DE-773A-46A6-A184-49F8D31B7471}" destId="{4AA82A2E-4AB3-48FF-AB65-C37006C2F2F7}" srcOrd="0" destOrd="0" presId="urn:microsoft.com/office/officeart/2005/8/layout/orgChart1"/>
+    <dgm:cxn modelId="{E9507D80-D489-4C34-8BCC-39AB924BEFFF}" type="presOf" srcId="{EF96C9B4-427A-49FF-B68D-7842B298ACFE}" destId="{970485CB-6ACC-4C6D-8C6C-B1DAD014F8C6}" srcOrd="0" destOrd="0" presId="urn:microsoft.com/office/officeart/2005/8/layout/orgChart1"/>
+    <dgm:cxn modelId="{49521B70-9B08-4BA5-BC18-57BE96A7F42D}" type="presOf" srcId="{34ACBEA5-F94C-4151-8AEB-B9DF614E6215}" destId="{180D74C6-A483-4249-9293-6A5DABF0AC13}" srcOrd="1" destOrd="0" presId="urn:microsoft.com/office/officeart/2005/8/layout/orgChart1"/>
     <dgm:cxn modelId="{7467DEE5-AAF5-4F16-A69B-C50C2D69EE04}" srcId="{B9AE722C-48C1-474C-9852-1B930B6B109F}" destId="{F4BE1965-C09D-4869-990A-2E99BD582647}" srcOrd="0" destOrd="0" parTransId="{0346CA54-77B7-4A97-8DF3-CD8B48259655}" sibTransId="{2BDB0954-A7BE-4426-BC8A-EFF940F3299E}"/>
-    <dgm:cxn modelId="{3C75ABC7-0B01-43D4-B024-9306FC516C32}" srcId="{6C538176-8C46-4389-9709-8D4769D61479}" destId="{527075D4-59D8-4F48-BB1D-7B61C9BF518A}" srcOrd="1" destOrd="0" parTransId="{08B0D645-C13F-4BC4-A0B2-AC81A2E92545}" sibTransId="{F993EDDD-AF56-42DA-B192-C3CF398FF729}"/>
-    <dgm:cxn modelId="{D9BA6F63-FEB4-47A7-B3AD-18F87E9C0605}" type="presOf" srcId="{F5E64FE7-0764-46B2-B214-507B41593319}" destId="{1A96198E-A00E-4944-A86D-5DCA1E3402C6}" srcOrd="0" destOrd="0" presId="urn:microsoft.com/office/officeart/2005/8/layout/orgChart1"/>
-    <dgm:cxn modelId="{E0F1AC63-08A9-4722-A94A-0163466450D2}" type="presOf" srcId="{9548DBE8-EB09-4E83-8D6C-1553C82B7590}" destId="{E1027BA3-6DE8-418B-A515-5BD1C7ED37EA}" srcOrd="0" destOrd="0" presId="urn:microsoft.com/office/officeart/2005/8/layout/orgChart1"/>
+    <dgm:cxn modelId="{C0A33787-0F07-4803-94A0-0C6533035ECB}" srcId="{D06C6E60-B6EA-475C-8BB7-B825026007AC}" destId="{CFF7A069-14D7-44D8-B9EB-968E78218A37}" srcOrd="1" destOrd="0" parTransId="{DBCB6070-4665-4843-A9B4-0BFC04A29E4E}" sibTransId="{97E8CEA4-2B93-40A6-9B79-F68188330CB8}"/>
     <dgm:cxn modelId="{0D75A1E2-A164-4054-992D-21D9D2273C0D}" srcId="{B9AE722C-48C1-474C-9852-1B930B6B109F}" destId="{D06C6E60-B6EA-475C-8BB7-B825026007AC}" srcOrd="3" destOrd="0" parTransId="{9B5CD5AE-2600-4617-9DC2-060920BC15C6}" sibTransId="{F5B15E60-5063-4C51-939C-B86523AD1BD9}"/>
-    <dgm:cxn modelId="{CC984ADA-F928-447E-B2D2-67A33D2DA16B}" type="presOf" srcId="{C21A9D5A-36DF-41FC-9F4F-C9EFE78F1CBE}" destId="{46562903-2430-452E-932C-32DE2B8A3841}" srcOrd="0" destOrd="0" presId="urn:microsoft.com/office/officeart/2005/8/layout/orgChart1"/>
-    <dgm:cxn modelId="{3ECB6827-7F2C-4638-8FD8-85417B1EA8B2}" srcId="{489EC877-422F-4FC0-BB70-F91809ACE1F2}" destId="{5F865AFD-6A17-4817-8288-A9DA0A5CC915}" srcOrd="2" destOrd="0" parTransId="{0D7C09BE-F2C8-49AE-B138-03819CACFFE7}" sibTransId="{BB6AC4BB-DF00-4A2D-A5B5-93E5A4F68E1B}"/>
-    <dgm:cxn modelId="{3FCD3CEC-136D-4309-9F14-1C2F478434AA}" srcId="{B9AE722C-48C1-474C-9852-1B930B6B109F}" destId="{D7231F68-D79B-4129-94E0-6F5A66CE79D8}" srcOrd="6" destOrd="0" parTransId="{EE2D294D-8640-44C2-B3F7-107D3C9804AF}" sibTransId="{58BF8741-7BB3-41F5-ABD7-7D74FC0ED805}"/>
-    <dgm:cxn modelId="{A3DE7FE5-A169-4F90-B438-66F020191730}" type="presOf" srcId="{BF3E7A89-D3D6-4BEE-82E0-FEF054C41ED4}" destId="{AA4C006E-E1C0-4E2E-8487-F760CBE0755C}" srcOrd="0" destOrd="0" presId="urn:microsoft.com/office/officeart/2005/8/layout/orgChart1"/>
-    <dgm:cxn modelId="{C17FFE63-1288-44B3-8DE0-CCE04611E3A1}" type="presOf" srcId="{27B19227-746F-40EF-9394-B49F9B37B240}" destId="{B1747FAB-9757-4403-88D3-B628A2EA49C4}" srcOrd="0" destOrd="0" presId="urn:microsoft.com/office/officeart/2005/8/layout/orgChart1"/>
-    <dgm:cxn modelId="{7C8F1A02-A6C7-4FF4-940C-CDF4B90A9CB3}" srcId="{489EC877-422F-4FC0-BB70-F91809ACE1F2}" destId="{27B19227-746F-40EF-9394-B49F9B37B240}" srcOrd="3" destOrd="0" parTransId="{FFD0F5D7-2FDE-4D0C-B84D-CFA858278A44}" sibTransId="{42B210A0-7685-4D88-9AEE-04AFEBCEAC73}"/>
-    <dgm:cxn modelId="{49E3A52A-CB67-49BB-BA4F-B3DD3891FE0C}" type="presOf" srcId="{B9AE722C-48C1-474C-9852-1B930B6B109F}" destId="{12EDE91F-D2D1-4FCC-AC9A-7DDD64918CB3}" srcOrd="0" destOrd="0" presId="urn:microsoft.com/office/officeart/2005/8/layout/orgChart1"/>
-    <dgm:cxn modelId="{1BE8088F-328E-4371-88D1-79D39DA15C82}" srcId="{D06C6E60-B6EA-475C-8BB7-B825026007AC}" destId="{F5E64FE7-0764-46B2-B214-507B41593319}" srcOrd="0" destOrd="0" parTransId="{21EA9B65-DE6C-4057-8D42-C6363CA975C6}" sibTransId="{1AAC3F0F-D084-4357-8C9E-D668FA619528}"/>
-    <dgm:cxn modelId="{ECA75C78-B104-49C2-B295-7305DF41298A}" type="presOf" srcId="{5F865AFD-6A17-4817-8288-A9DA0A5CC915}" destId="{FE378B94-6331-4C3A-94DD-E7F673FA68EB}" srcOrd="0" destOrd="0" presId="urn:microsoft.com/office/officeart/2005/8/layout/orgChart1"/>
-    <dgm:cxn modelId="{0D811CE7-4278-4FF6-9F9A-F8385E6F95D7}" type="presOf" srcId="{1C66E698-0D86-42FC-8856-6F5D889CC4EE}" destId="{FF133AFF-538B-4873-9015-D3AC04DFC09B}" srcOrd="1" destOrd="0" presId="urn:microsoft.com/office/officeart/2005/8/layout/orgChart1"/>
-    <dgm:cxn modelId="{51470426-DD62-4346-8326-2E42AF63A943}" type="presOf" srcId="{F4BE1965-C09D-4869-990A-2E99BD582647}" destId="{89016122-5A0C-4699-8160-C50C3D834896}" srcOrd="0" destOrd="0" presId="urn:microsoft.com/office/officeart/2005/8/layout/orgChart1"/>
-    <dgm:cxn modelId="{DBC478CD-77C6-4FFC-911B-FCDF34DAA8ED}" type="presOf" srcId="{B9AE722C-48C1-474C-9852-1B930B6B109F}" destId="{614CD33A-AC70-47DF-B9F6-816F13CCDBA9}" srcOrd="1" destOrd="0" presId="urn:microsoft.com/office/officeart/2005/8/layout/orgChart1"/>
-    <dgm:cxn modelId="{49AFBACB-D50D-434E-9E52-BD64A49F1C36}" type="presOf" srcId="{F5E64FE7-0764-46B2-B214-507B41593319}" destId="{EB9D133D-845D-427A-A285-DAE0C55A6276}" srcOrd="1" destOrd="0" presId="urn:microsoft.com/office/officeart/2005/8/layout/orgChart1"/>
-    <dgm:cxn modelId="{A2E0A231-0967-40F9-A7F8-11E06D0E27E2}" type="presOf" srcId="{2581FA11-D1B4-408D-B773-22B21C9B3DCB}" destId="{5AAEF3F7-8FEB-477F-A38B-3B55816DB0A1}" srcOrd="0" destOrd="0" presId="urn:microsoft.com/office/officeart/2005/8/layout/orgChart1"/>
-    <dgm:cxn modelId="{53CD02C3-A01A-48FD-A8E3-D1A7D88ABA8B}" type="presOf" srcId="{515D9DB4-40E7-4DEB-A5DD-15D4952D6FC2}" destId="{E7415A98-C86F-4E4A-856C-2DEBCC2AA73D}" srcOrd="0" destOrd="0" presId="urn:microsoft.com/office/officeart/2005/8/layout/orgChart1"/>
-    <dgm:cxn modelId="{F986BD66-C9DC-461E-B4DD-9BCBC2A3F5F8}" type="presOf" srcId="{FF00B59C-9D61-404F-8853-E99485125489}" destId="{C7C20F54-4574-4A2B-9831-5DE68481AF4F}" srcOrd="0" destOrd="0" presId="urn:microsoft.com/office/officeart/2005/8/layout/orgChart1"/>
-    <dgm:cxn modelId="{A1217BCF-9270-4F35-8664-260486863CD4}" type="presOf" srcId="{4936F1BF-A559-48A4-9CC7-6A4173702765}" destId="{E1D219B3-869F-43F9-A6AA-77F54BB208D0}" srcOrd="0" destOrd="0" presId="urn:microsoft.com/office/officeart/2005/8/layout/orgChart1"/>
-    <dgm:cxn modelId="{CCD4EFA8-E32B-41C5-8F63-43519B4F81C0}" type="presOf" srcId="{9B5CD5AE-2600-4617-9DC2-060920BC15C6}" destId="{504E40EB-3896-45B8-93F9-5247EFAA6EFF}" srcOrd="0" destOrd="0" presId="urn:microsoft.com/office/officeart/2005/8/layout/orgChart1"/>
-    <dgm:cxn modelId="{381517A1-F9FD-4692-929E-6C911DBC26C0}" type="presOf" srcId="{FFD0F5D7-2FDE-4D0C-B84D-CFA858278A44}" destId="{3E38BFA6-7956-4F34-8EE2-0862AEF4F3BB}" srcOrd="0" destOrd="0" presId="urn:microsoft.com/office/officeart/2005/8/layout/orgChart1"/>
-    <dgm:cxn modelId="{7905ED90-60D0-4413-BCB9-7D5C4A0DBADC}" srcId="{D7231F68-D79B-4129-94E0-6F5A66CE79D8}" destId="{D7E3A945-7F1A-47F0-83A6-FF7CB4D00137}" srcOrd="3" destOrd="0" parTransId="{D3BA3189-65CC-408B-882C-375F15310CF9}" sibTransId="{F9927253-7A10-4200-BCF2-B9E109E58955}"/>
-    <dgm:cxn modelId="{F6EA8716-8CB7-4392-A2C7-A8ED640AE3A9}" type="presOf" srcId="{FF00B59C-9D61-404F-8853-E99485125489}" destId="{D4328132-9542-4C0A-A308-AEB494E8EE03}" srcOrd="1" destOrd="0" presId="urn:microsoft.com/office/officeart/2005/8/layout/orgChart1"/>
-    <dgm:cxn modelId="{088DBF11-DFCD-41E4-A1C0-4D75EC28C4F4}" type="presOf" srcId="{9548DBE8-EB09-4E83-8D6C-1553C82B7590}" destId="{B8ED9F53-9F35-4084-A956-6C96E18435C2}" srcOrd="1" destOrd="0" presId="urn:microsoft.com/office/officeart/2005/8/layout/orgChart1"/>
-    <dgm:cxn modelId="{9BCBD60B-77A8-4465-854E-248A4EEF8F64}" type="presOf" srcId="{F82397FD-26BE-472E-B075-23F4823DD3A3}" destId="{7C274F9A-EC11-4B30-B246-B4ECFF4241DC}" srcOrd="0" destOrd="0" presId="urn:microsoft.com/office/officeart/2005/8/layout/orgChart1"/>
-    <dgm:cxn modelId="{6660EB37-D018-4168-9C9C-E30464D43B0E}" type="presOf" srcId="{DBCB6070-4665-4843-A9B4-0BFC04A29E4E}" destId="{895BFF7C-11FF-458B-AAF1-C352BE60F9EF}" srcOrd="0" destOrd="0" presId="urn:microsoft.com/office/officeart/2005/8/layout/orgChart1"/>
-    <dgm:cxn modelId="{D4FF6250-D29A-4B90-B7EB-F19C53680C0E}" type="presOf" srcId="{EE2D294D-8640-44C2-B3F7-107D3C9804AF}" destId="{2E10168B-A4D6-4631-B691-B8ABCB42FAB7}" srcOrd="0" destOrd="0" presId="urn:microsoft.com/office/officeart/2005/8/layout/orgChart1"/>
-    <dgm:cxn modelId="{F9E2A836-12CB-410A-B5E9-A35097800E3B}" type="presOf" srcId="{B6B55A6A-D7E7-42EF-898D-41751E226364}" destId="{D76DDAD2-839A-4655-9F03-B953223CED8A}" srcOrd="0" destOrd="0" presId="urn:microsoft.com/office/officeart/2005/8/layout/orgChart1"/>
-    <dgm:cxn modelId="{EBA98BC5-B5F0-4F02-B475-C027AFBCF313}" type="presOf" srcId="{527075D4-59D8-4F48-BB1D-7B61C9BF518A}" destId="{D422190A-186E-46FA-86B3-E9A331CC9E40}" srcOrd="0" destOrd="0" presId="urn:microsoft.com/office/officeart/2005/8/layout/orgChart1"/>
-    <dgm:cxn modelId="{7842AF52-F865-4AC7-95EF-F55B114D6553}" type="presOf" srcId="{2F21E5BB-91C5-481F-8344-290F72C318A6}" destId="{1AE0EF21-06C2-4B27-B5BC-E22AF95EC4A9}" srcOrd="0" destOrd="0" presId="urn:microsoft.com/office/officeart/2005/8/layout/orgChart1"/>
-    <dgm:cxn modelId="{A1195CCC-3B65-420F-8651-0027C187659B}" srcId="{B9AE722C-48C1-474C-9852-1B930B6B109F}" destId="{489EC877-422F-4FC0-BB70-F91809ACE1F2}" srcOrd="4" destOrd="0" parTransId="{407FEEBA-E567-4B55-B043-9C48408E71B5}" sibTransId="{EFFE0EE9-ECF3-4CA9-A158-98B6B93F2BF6}"/>
-    <dgm:cxn modelId="{0BAC58C3-F3F8-425A-9EB7-7C557AC65564}" type="presOf" srcId="{CFF7A069-14D7-44D8-B9EB-968E78218A37}" destId="{46024B26-04FE-4C65-8797-4E756F44950F}" srcOrd="0" destOrd="0" presId="urn:microsoft.com/office/officeart/2005/8/layout/orgChart1"/>
-    <dgm:cxn modelId="{2FE728FB-6863-4462-BE9F-F307DA31F8D2}" type="presOf" srcId="{E5393998-7B6F-4BC7-8BFE-3986D754EEAD}" destId="{5F1C8E07-5DF2-49AC-AC34-531B16AE5204}" srcOrd="1" destOrd="0" presId="urn:microsoft.com/office/officeart/2005/8/layout/orgChart1"/>
-    <dgm:cxn modelId="{24732E8A-B391-49B6-97ED-51D428A79781}" type="presOf" srcId="{6C538176-8C46-4389-9709-8D4769D61479}" destId="{A4C24BCF-CE9E-4D32-818D-9485AAE6798E}" srcOrd="0" destOrd="0" presId="urn:microsoft.com/office/officeart/2005/8/layout/orgChart1"/>
-    <dgm:cxn modelId="{0B487ECC-8556-4258-8ABD-4BE1A3F9935D}" type="presOf" srcId="{D7E3A945-7F1A-47F0-83A6-FF7CB4D00137}" destId="{BB258984-BEEA-4B40-98D4-CDF258E4FB03}" srcOrd="0" destOrd="0" presId="urn:microsoft.com/office/officeart/2005/8/layout/orgChart1"/>
-    <dgm:cxn modelId="{0895E226-ABD4-40BA-B5D6-3E02083282F0}" type="presOf" srcId="{256DBBC8-9B6F-4C3D-A21B-B46EF0F44796}" destId="{1E42B8D4-E8B2-4294-B101-56747C791EB9}" srcOrd="0" destOrd="0" presId="urn:microsoft.com/office/officeart/2005/8/layout/orgChart1"/>
-    <dgm:cxn modelId="{045F1157-556D-4641-AC64-9D8C264BA886}" srcId="{B9AE722C-48C1-474C-9852-1B930B6B109F}" destId="{3893B6FC-4922-4F38-BA66-3637D14272BE}" srcOrd="5" destOrd="0" parTransId="{8C4B30BD-1D99-460E-9736-AAB895A3542C}" sibTransId="{480F462B-207C-4947-A5C1-735E9DD81B5B}"/>
-    <dgm:cxn modelId="{0B52CF17-C2CD-4944-9321-76D0001AD093}" type="presOf" srcId="{5F865AFD-6A17-4817-8288-A9DA0A5CC915}" destId="{1196F333-92BD-43D2-8F49-DC8656CA9FCF}" srcOrd="1" destOrd="0" presId="urn:microsoft.com/office/officeart/2005/8/layout/orgChart1"/>
-    <dgm:cxn modelId="{C4006B1D-3948-4963-9970-630452AC77CA}" type="presOf" srcId="{37D4D350-2B4C-4F88-BAEA-325B8C8BD999}" destId="{0F9DE019-F216-4A6C-B57F-448A2F88B6EA}" srcOrd="1" destOrd="0" presId="urn:microsoft.com/office/officeart/2005/8/layout/orgChart1"/>
-    <dgm:cxn modelId="{F39E345E-11B2-4F3C-ADCD-9D5A3DF0BE34}" srcId="{489EC877-422F-4FC0-BB70-F91809ACE1F2}" destId="{E5393998-7B6F-4BC7-8BFE-3986D754EEAD}" srcOrd="1" destOrd="0" parTransId="{92F96BE0-6776-4D86-9629-41D46D9D7A52}" sibTransId="{43E5FA39-2F51-4F42-B176-B699DFADA779}"/>
-    <dgm:cxn modelId="{83529C32-283D-4878-8D79-CD66DB80B274}" type="presOf" srcId="{27B19227-746F-40EF-9394-B49F9B37B240}" destId="{F5C397A4-F490-4B8F-97BA-73E9DE1933A9}" srcOrd="1" destOrd="0" presId="urn:microsoft.com/office/officeart/2005/8/layout/orgChart1"/>
-    <dgm:cxn modelId="{4DC7219A-3F9B-417C-BB42-E5F79285B1E5}" type="presOf" srcId="{D7231F68-D79B-4129-94E0-6F5A66CE79D8}" destId="{D29A2811-3445-4FD9-B94E-CD2C6AEC05B8}" srcOrd="0" destOrd="0" presId="urn:microsoft.com/office/officeart/2005/8/layout/orgChart1"/>
-    <dgm:cxn modelId="{9ECB9A43-1856-4742-ADBE-4694FF68FA2D}" type="presOf" srcId="{17A1A3F5-9AC6-4491-83B9-FA5181BAC589}" destId="{90105FE1-09F3-42F3-A585-FF7680767A56}" srcOrd="1" destOrd="0" presId="urn:microsoft.com/office/officeart/2005/8/layout/orgChart1"/>
-    <dgm:cxn modelId="{FA8FB55A-6969-43BB-A6F5-884BB612CCC0}" type="presOf" srcId="{683247F9-77F1-43E0-BE9B-1F85323A5019}" destId="{EDB318A8-D946-4F37-B890-D5B258FDE471}" srcOrd="1" destOrd="0" presId="urn:microsoft.com/office/officeart/2005/8/layout/orgChart1"/>
-    <dgm:cxn modelId="{C8D9B2E7-35DF-4F10-83AE-D3F0BA8D3082}" type="presOf" srcId="{2581FA11-D1B4-408D-B773-22B21C9B3DCB}" destId="{FA29ED0B-9C1E-4A6E-9575-26AC9A21EF20}" srcOrd="1" destOrd="0" presId="urn:microsoft.com/office/officeart/2005/8/layout/orgChart1"/>
-    <dgm:cxn modelId="{16E96A31-0B98-4428-A39C-830FE81D4A3A}" type="presOf" srcId="{D3BA3189-65CC-408B-882C-375F15310CF9}" destId="{E5A92260-CF90-4248-90F6-5533758163B9}" srcOrd="0" destOrd="0" presId="urn:microsoft.com/office/officeart/2005/8/layout/orgChart1"/>
-    <dgm:cxn modelId="{16886970-BEFE-48D7-85AA-EBC4F3DB8370}" type="presOf" srcId="{489EC877-422F-4FC0-BB70-F91809ACE1F2}" destId="{B60853AC-28B6-4365-97E9-89DDBE56859C}" srcOrd="0" destOrd="0" presId="urn:microsoft.com/office/officeart/2005/8/layout/orgChart1"/>
-    <dgm:cxn modelId="{101EBC4B-C197-4293-9D1E-9DDE283786A7}" type="presOf" srcId="{EF96C9B4-427A-49FF-B68D-7842B298ACFE}" destId="{2C2F8232-23E5-4430-9644-54188413EB0D}" srcOrd="1" destOrd="0" presId="urn:microsoft.com/office/officeart/2005/8/layout/orgChart1"/>
+    <dgm:cxn modelId="{F433EA0A-4964-4BB3-9415-1C073D09CA3E}" type="presOf" srcId="{BF3E7A89-D3D6-4BEE-82E0-FEF054C41ED4}" destId="{4E23FE0C-DB42-4982-BEB6-0D1FF126CD52}" srcOrd="1" destOrd="0" presId="urn:microsoft.com/office/officeart/2005/8/layout/orgChart1"/>
+    <dgm:cxn modelId="{96D04AF4-A664-4AD0-92D7-DF9BB3AF1FC6}" type="presOf" srcId="{37D4D350-2B4C-4F88-BAEA-325B8C8BD999}" destId="{12744B90-6E26-4685-B445-9602C7DA6F21}" srcOrd="0" destOrd="0" presId="urn:microsoft.com/office/officeart/2005/8/layout/orgChart1"/>
+    <dgm:cxn modelId="{7768EAF4-1831-4F7D-A434-984DA26ABA3C}" type="presOf" srcId="{256DBBC8-9B6F-4C3D-A21B-B46EF0F44796}" destId="{4951E13E-9D35-4ADC-B42F-33A611431C42}" srcOrd="1" destOrd="0" presId="urn:microsoft.com/office/officeart/2005/8/layout/orgChart1"/>
     <dgm:cxn modelId="{C6B3770A-BC60-4EDE-A1FA-EECC0516D87A}" srcId="{EF96C9B4-427A-49FF-B68D-7842B298ACFE}" destId="{794C04AF-AE98-44C5-9073-C6CD7D47AB4B}" srcOrd="0" destOrd="0" parTransId="{A18C7E19-4A88-419B-92C6-46F2DFF76B01}" sibTransId="{659A4EF4-1077-4511-BBBD-61E8EE12C6BC}"/>
-    <dgm:cxn modelId="{2013BBEA-FBD5-4A27-8F68-9C499A2CF263}" type="presOf" srcId="{E5393998-7B6F-4BC7-8BFE-3986D754EEAD}" destId="{FCD98E51-7B73-4888-93C0-4FAB860964EB}" srcOrd="0" destOrd="0" presId="urn:microsoft.com/office/officeart/2005/8/layout/orgChart1"/>
-    <dgm:cxn modelId="{EE16FEB8-A588-49A6-99AA-AA5C0589A6C9}" type="presOf" srcId="{794C04AF-AE98-44C5-9073-C6CD7D47AB4B}" destId="{EFA0C1BE-D31B-46F7-AA95-A0A3E6CD83CE}" srcOrd="1" destOrd="0" presId="urn:microsoft.com/office/officeart/2005/8/layout/orgChart1"/>
-    <dgm:cxn modelId="{E8926198-B836-4B5A-9A2F-07ADD5DAE4CF}" type="presOf" srcId="{34ACBEA5-F94C-4151-8AEB-B9DF614E6215}" destId="{180D74C6-A483-4249-9293-6A5DABF0AC13}" srcOrd="1" destOrd="0" presId="urn:microsoft.com/office/officeart/2005/8/layout/orgChart1"/>
-    <dgm:cxn modelId="{AED4BD05-6579-49C3-80D8-D1736C3A525D}" type="presOf" srcId="{D7231F68-D79B-4129-94E0-6F5A66CE79D8}" destId="{00B679BF-EBB1-47D2-BB6F-3082F8026CF0}" srcOrd="1" destOrd="0" presId="urn:microsoft.com/office/officeart/2005/8/layout/orgChart1"/>
-    <dgm:cxn modelId="{791249C5-35EC-4DC9-B3CC-4AAB44CC3023}" type="presOf" srcId="{31A0FC9D-0FBA-4C14-8977-4EF50E24295C}" destId="{5B4A557D-DD40-4BBE-9F9A-42B507EBEB1E}" srcOrd="0" destOrd="0" presId="urn:microsoft.com/office/officeart/2005/8/layout/orgChart1"/>
-    <dgm:cxn modelId="{C7F7709C-4F06-4F89-A2D0-9B6AC030FD9F}" type="presOf" srcId="{EA9181A1-EEDD-4986-BFD8-FB7E80AAE505}" destId="{239DC3CD-320F-4528-964B-A55C0FEA7F0F}" srcOrd="0" destOrd="0" presId="urn:microsoft.com/office/officeart/2005/8/layout/orgChart1"/>
-    <dgm:cxn modelId="{B58242A6-26E6-4C32-93D6-B590D20A5AA6}" type="presOf" srcId="{489EC877-422F-4FC0-BB70-F91809ACE1F2}" destId="{5BA6B852-4FA0-4DD4-922B-D18E3C425A6B}" srcOrd="1" destOrd="0" presId="urn:microsoft.com/office/officeart/2005/8/layout/orgChart1"/>
-    <dgm:cxn modelId="{F96ADB49-BEEA-420F-949B-34CFBE9047AD}" srcId="{6C538176-8C46-4389-9709-8D4769D61479}" destId="{683247F9-77F1-43E0-BE9B-1F85323A5019}" srcOrd="4" destOrd="0" parTransId="{346E636D-5AF0-4E55-A18F-5EA0A340A571}" sibTransId="{7A6747AE-64B4-4340-BCFE-6A321C19C819}"/>
-    <dgm:cxn modelId="{3943098A-C3EE-40D4-9BAB-4B847BB053B1}" srcId="{B9AE722C-48C1-474C-9852-1B930B6B109F}" destId="{EF96C9B4-427A-49FF-B68D-7842B298ACFE}" srcOrd="2" destOrd="0" parTransId="{31A0FC9D-0FBA-4C14-8977-4EF50E24295C}" sibTransId="{90E6F489-D372-4116-ACC9-B4F0998C5471}"/>
-    <dgm:cxn modelId="{FDC92C70-EE62-4F59-81EE-8E9BD445F4A1}" type="presOf" srcId="{58894D9C-6FD9-4A91-B7A0-9CA0DE1EAC3F}" destId="{94D00011-2418-4EE8-AA9B-9E0E4E6C05D2}" srcOrd="0" destOrd="0" presId="urn:microsoft.com/office/officeart/2005/8/layout/orgChart1"/>
-    <dgm:cxn modelId="{D756850B-9128-4250-ABA2-43B45ED31E28}" type="presOf" srcId="{D85AA4DE-773A-46A6-A184-49F8D31B7471}" destId="{4AA82A2E-4AB3-48FF-AB65-C37006C2F2F7}" srcOrd="0" destOrd="0" presId="urn:microsoft.com/office/officeart/2005/8/layout/orgChart1"/>
-    <dgm:cxn modelId="{F475F83D-3EFD-4EF8-AF36-15BCFD762E2A}" srcId="{EF96C9B4-427A-49FF-B68D-7842B298ACFE}" destId="{9548DBE8-EB09-4E83-8D6C-1553C82B7590}" srcOrd="2" destOrd="0" parTransId="{4936F1BF-A559-48A4-9CC7-6A4173702765}" sibTransId="{33EFEC6A-2D56-4240-B250-A5BCB2AA3888}"/>
-    <dgm:cxn modelId="{E2818D39-ABB0-4098-8065-CDB2512B39B4}" type="presOf" srcId="{346E636D-5AF0-4E55-A18F-5EA0A340A571}" destId="{D41787A0-F2E0-4CED-9130-427670ECE765}" srcOrd="0" destOrd="0" presId="urn:microsoft.com/office/officeart/2005/8/layout/orgChart1"/>
-    <dgm:cxn modelId="{88EDCBDE-2E60-4D07-A235-426EE952EB67}" srcId="{3893B6FC-4922-4F38-BA66-3637D14272BE}" destId="{2581FA11-D1B4-408D-B773-22B21C9B3DCB}" srcOrd="0" destOrd="0" parTransId="{31DE8295-6881-4ED8-9DDB-C95F074780E0}" sibTransId="{4EFD7704-9102-493D-ABDC-83DE3411AF4D}"/>
-    <dgm:cxn modelId="{24194046-177B-4BF7-AC0F-7A8ED87ABEDE}" type="presOf" srcId="{3893B6FC-4922-4F38-BA66-3637D14272BE}" destId="{568F313F-BFFD-4409-A0F7-C318A2E10922}" srcOrd="1" destOrd="0" presId="urn:microsoft.com/office/officeart/2005/8/layout/orgChart1"/>
-    <dgm:cxn modelId="{A87B330E-0ACF-48CB-91AD-6D3FB7350CE8}" srcId="{D7231F68-D79B-4129-94E0-6F5A66CE79D8}" destId="{256DBBC8-9B6F-4C3D-A21B-B46EF0F44796}" srcOrd="2" destOrd="0" parTransId="{EA9181A1-EEDD-4986-BFD8-FB7E80AAE505}" sibTransId="{579F7F26-5DB1-4F99-B14C-CDC807C88E84}"/>
-    <dgm:cxn modelId="{62FF71CC-CE2F-4F35-86C7-D3EC16D72492}" type="presOf" srcId="{C28534C4-F7A0-4BCC-B8C3-4B7E33109B11}" destId="{E230D485-B111-4A88-A96C-DD0742BED87E}" srcOrd="0" destOrd="0" presId="urn:microsoft.com/office/officeart/2005/8/layout/orgChart1"/>
-    <dgm:cxn modelId="{B8F3409B-A179-486A-A157-0F242E84B50B}" type="presOf" srcId="{F4BE1965-C09D-4869-990A-2E99BD582647}" destId="{21DC81A4-7741-4867-8475-B8F493C1233C}" srcOrd="1" destOrd="0" presId="urn:microsoft.com/office/officeart/2005/8/layout/orgChart1"/>
-    <dgm:cxn modelId="{2126FDA1-0284-4317-BFE0-E870192203C3}" type="presOf" srcId="{8C4B30BD-1D99-460E-9736-AAB895A3542C}" destId="{DF696DC8-7E95-4094-82B8-917C9C0B61E8}" srcOrd="0" destOrd="0" presId="urn:microsoft.com/office/officeart/2005/8/layout/orgChart1"/>
-    <dgm:cxn modelId="{1B32E8AF-362D-4A17-99B9-CFFA45392AA8}" type="presOf" srcId="{0346CA54-77B7-4A97-8DF3-CD8B48259655}" destId="{5711D613-6930-4D20-A3C4-3F51CCEE594A}" srcOrd="0" destOrd="0" presId="urn:microsoft.com/office/officeart/2005/8/layout/orgChart1"/>
-    <dgm:cxn modelId="{2D572E95-00AB-4A69-9500-720FF41086A9}" type="presOf" srcId="{34ACBEA5-F94C-4151-8AEB-B9DF614E6215}" destId="{A95E4F7D-8E88-42E0-A055-8A253C7B7B25}" srcOrd="0" destOrd="0" presId="urn:microsoft.com/office/officeart/2005/8/layout/orgChart1"/>
-    <dgm:cxn modelId="{DB193DD1-5EDB-4C25-82CF-B61DB2B52F7D}" type="presOf" srcId="{D85AA4DE-773A-46A6-A184-49F8D31B7471}" destId="{C97941E5-882C-4F0A-991C-AE7130B81FD5}" srcOrd="1" destOrd="0" presId="urn:microsoft.com/office/officeart/2005/8/layout/orgChart1"/>
-    <dgm:cxn modelId="{4837A799-18C1-45AB-A3BD-E9DF87D1234B}" type="presOf" srcId="{4283667F-FF62-4AF0-8D8D-5CF43637EF67}" destId="{CC637AF8-F27A-417D-B9D2-F055BC172D9F}" srcOrd="0" destOrd="0" presId="urn:microsoft.com/office/officeart/2005/8/layout/orgChart1"/>
-    <dgm:cxn modelId="{6873EFD9-7DAE-4827-8F86-87EF71AE9E1A}" srcId="{D06C6E60-B6EA-475C-8BB7-B825026007AC}" destId="{FF00B59C-9D61-404F-8853-E99485125489}" srcOrd="2" destOrd="0" parTransId="{2F21E5BB-91C5-481F-8344-290F72C318A6}" sibTransId="{433AFBD4-8DF8-48AC-ADBA-B5C06C959EFD}"/>
-    <dgm:cxn modelId="{042D0321-B570-4FA5-96B9-EDF4FDEB0DFD}" type="presOf" srcId="{71D8A78A-0F67-4698-AB12-0CE829AA7BC6}" destId="{7DC63A10-4951-4821-B724-7DA2A45E3D77}" srcOrd="1" destOrd="0" presId="urn:microsoft.com/office/officeart/2005/8/layout/orgChart1"/>
-    <dgm:cxn modelId="{95E688D7-C3B5-4BCC-AF8C-06C438DB91F1}" type="presOf" srcId="{CFF7A069-14D7-44D8-B9EB-968E78218A37}" destId="{75D0F555-AE18-4523-B90B-1DC91BF5B789}" srcOrd="1" destOrd="0" presId="urn:microsoft.com/office/officeart/2005/8/layout/orgChart1"/>
-    <dgm:cxn modelId="{C0A33787-0F07-4803-94A0-0C6533035ECB}" srcId="{D06C6E60-B6EA-475C-8BB7-B825026007AC}" destId="{CFF7A069-14D7-44D8-B9EB-968E78218A37}" srcOrd="1" destOrd="0" parTransId="{DBCB6070-4665-4843-A9B4-0BFC04A29E4E}" sibTransId="{97E8CEA4-2B93-40A6-9B79-F68188330CB8}"/>
-    <dgm:cxn modelId="{07C033AB-E9A0-4B13-B52D-BCDF9F48B2A1}" srcId="{6C538176-8C46-4389-9709-8D4769D61479}" destId="{D85AA4DE-773A-46A6-A184-49F8D31B7471}" srcOrd="3" destOrd="0" parTransId="{C28534C4-F7A0-4BCC-B8C3-4B7E33109B11}" sibTransId="{BD3D0295-5B53-4CAC-A601-9126106C6346}"/>
-    <dgm:cxn modelId="{744EFD46-1B2B-47CA-8787-7276E256C295}" type="presOf" srcId="{407FEEBA-E567-4B55-B043-9C48408E71B5}" destId="{5886597F-B46E-40F0-8AE5-3FD4817AC1CF}" srcOrd="0" destOrd="0" presId="urn:microsoft.com/office/officeart/2005/8/layout/orgChart1"/>
-    <dgm:cxn modelId="{3112079E-5150-416A-B65F-AB6F299459EC}" srcId="{515D9DB4-40E7-4DEB-A5DD-15D4952D6FC2}" destId="{B9AE722C-48C1-474C-9852-1B930B6B109F}" srcOrd="0" destOrd="0" parTransId="{896ECF14-A862-4461-BF63-22444FD1160B}" sibTransId="{B15FA277-2C6D-43EE-A0B2-EF218E4567E1}"/>
-    <dgm:cxn modelId="{299636B8-69AA-4F57-B2F5-9631CF3809DE}" type="presOf" srcId="{683247F9-77F1-43E0-BE9B-1F85323A5019}" destId="{F530A5B0-37B1-4F4D-8797-2AA1FCC5C920}" srcOrd="0" destOrd="0" presId="urn:microsoft.com/office/officeart/2005/8/layout/orgChart1"/>
-    <dgm:cxn modelId="{8A411334-5FD9-4394-A4DE-E5CCF7B62FFE}" srcId="{6C538176-8C46-4389-9709-8D4769D61479}" destId="{17A1A3F5-9AC6-4491-83B9-FA5181BAC589}" srcOrd="0" destOrd="0" parTransId="{D35EBF02-317F-472E-8BAE-0F33CC86056B}" sibTransId="{5752894A-25D5-438F-A615-A6A1E1859532}"/>
-    <dgm:cxn modelId="{9BA9C6E6-C56E-40A3-8D89-CB6E3D4C415F}" type="presParOf" srcId="{E7415A98-C86F-4E4A-856C-2DEBCC2AA73D}" destId="{A682415C-7DD9-49E6-BF04-72D535CFF0C0}" srcOrd="0" destOrd="0" presId="urn:microsoft.com/office/officeart/2005/8/layout/orgChart1"/>
-    <dgm:cxn modelId="{4ECE0ADF-F33F-48A7-817E-458ACAEA31C6}" type="presParOf" srcId="{A682415C-7DD9-49E6-BF04-72D535CFF0C0}" destId="{4FA1076E-F74D-4250-8A6D-DA0B87741F06}" srcOrd="0" destOrd="0" presId="urn:microsoft.com/office/officeart/2005/8/layout/orgChart1"/>
-    <dgm:cxn modelId="{E9BCF830-06DC-4D47-AFE1-895B9C223AB7}" type="presParOf" srcId="{4FA1076E-F74D-4250-8A6D-DA0B87741F06}" destId="{12EDE91F-D2D1-4FCC-AC9A-7DDD64918CB3}" srcOrd="0" destOrd="0" presId="urn:microsoft.com/office/officeart/2005/8/layout/orgChart1"/>
-    <dgm:cxn modelId="{0336EB84-E8B5-4EA1-BA87-DA58575F0BE6}" type="presParOf" srcId="{4FA1076E-F74D-4250-8A6D-DA0B87741F06}" destId="{614CD33A-AC70-47DF-B9F6-816F13CCDBA9}" srcOrd="1" destOrd="0" presId="urn:microsoft.com/office/officeart/2005/8/layout/orgChart1"/>
-    <dgm:cxn modelId="{F82952A1-8A7D-4457-A437-026DBA5E9944}" type="presParOf" srcId="{A682415C-7DD9-49E6-BF04-72D535CFF0C0}" destId="{26EC8AEF-52B3-4980-81A8-EAAFCAEF0865}" srcOrd="1" destOrd="0" presId="urn:microsoft.com/office/officeart/2005/8/layout/orgChart1"/>
-    <dgm:cxn modelId="{4F3CC4B8-76C1-4F0C-A91B-CB235597A7EA}" type="presParOf" srcId="{26EC8AEF-52B3-4980-81A8-EAAFCAEF0865}" destId="{5711D613-6930-4D20-A3C4-3F51CCEE594A}" srcOrd="0" destOrd="0" presId="urn:microsoft.com/office/officeart/2005/8/layout/orgChart1"/>
-    <dgm:cxn modelId="{1CAE9BCF-6DC9-43E2-9EA4-CCEDAEDDFA23}" type="presParOf" srcId="{26EC8AEF-52B3-4980-81A8-EAAFCAEF0865}" destId="{BBC19001-393C-4EBA-B7C3-7EC645B7B949}" srcOrd="1" destOrd="0" presId="urn:microsoft.com/office/officeart/2005/8/layout/orgChart1"/>
-    <dgm:cxn modelId="{35537764-84F1-46AA-96DD-CBE5E840CFF1}" type="presParOf" srcId="{BBC19001-393C-4EBA-B7C3-7EC645B7B949}" destId="{3CFC3731-A6A0-49BC-A247-EF53395D0603}" srcOrd="0" destOrd="0" presId="urn:microsoft.com/office/officeart/2005/8/layout/orgChart1"/>
-    <dgm:cxn modelId="{53F5CF84-DFC3-4CDD-B3C8-DF574D5F214A}" type="presParOf" srcId="{3CFC3731-A6A0-49BC-A247-EF53395D0603}" destId="{89016122-5A0C-4699-8160-C50C3D834896}" srcOrd="0" destOrd="0" presId="urn:microsoft.com/office/officeart/2005/8/layout/orgChart1"/>
-    <dgm:cxn modelId="{AE0216FB-EE75-4BCE-A4FE-BC5B95B1BC47}" type="presParOf" srcId="{3CFC3731-A6A0-49BC-A247-EF53395D0603}" destId="{21DC81A4-7741-4867-8475-B8F493C1233C}" srcOrd="1" destOrd="0" presId="urn:microsoft.com/office/officeart/2005/8/layout/orgChart1"/>
-    <dgm:cxn modelId="{A1DBAC4F-3030-4BBA-AE2F-7F4322B03269}" type="presParOf" srcId="{BBC19001-393C-4EBA-B7C3-7EC645B7B949}" destId="{CD3CC676-49A9-4D85-B16F-961E700A6B1C}" srcOrd="1" destOrd="0" presId="urn:microsoft.com/office/officeart/2005/8/layout/orgChart1"/>
-    <dgm:cxn modelId="{B4311A7D-3F5F-4972-ABF7-B2802FB7BA3F}" type="presParOf" srcId="{BBC19001-393C-4EBA-B7C3-7EC645B7B949}" destId="{493A39AF-1765-4BA6-BF9B-1C504E3D6CD3}" srcOrd="2" destOrd="0" presId="urn:microsoft.com/office/officeart/2005/8/layout/orgChart1"/>
-    <dgm:cxn modelId="{8F0D081E-5884-4522-8F02-3691E9CE00AC}" type="presParOf" srcId="{26EC8AEF-52B3-4980-81A8-EAAFCAEF0865}" destId="{09595F1B-0B3B-483F-A2C1-5B95AEAFCD61}" srcOrd="2" destOrd="0" presId="urn:microsoft.com/office/officeart/2005/8/layout/orgChart1"/>
-    <dgm:cxn modelId="{62AE5D93-07D9-4F83-8579-81B0B3C2C644}" type="presParOf" srcId="{26EC8AEF-52B3-4980-81A8-EAAFCAEF0865}" destId="{94079DD1-50CF-4693-8CD0-54868F9B2FEC}" srcOrd="3" destOrd="0" presId="urn:microsoft.com/office/officeart/2005/8/layout/orgChart1"/>
-    <dgm:cxn modelId="{C3857847-A672-4221-9942-D66ADD741D3B}" type="presParOf" srcId="{94079DD1-50CF-4693-8CD0-54868F9B2FEC}" destId="{07984D14-0BBC-4A90-87B9-3E8F13A07545}" srcOrd="0" destOrd="0" presId="urn:microsoft.com/office/officeart/2005/8/layout/orgChart1"/>
-    <dgm:cxn modelId="{A89936EA-8E97-41B3-8A8D-5DD01F8C5938}" type="presParOf" srcId="{07984D14-0BBC-4A90-87B9-3E8F13A07545}" destId="{A4C24BCF-CE9E-4D32-818D-9485AAE6798E}" srcOrd="0" destOrd="0" presId="urn:microsoft.com/office/officeart/2005/8/layout/orgChart1"/>
-    <dgm:cxn modelId="{AB865123-31AA-44C7-9A35-A9674D047652}" type="presParOf" srcId="{07984D14-0BBC-4A90-87B9-3E8F13A07545}" destId="{97105F4F-938F-42D4-8DFC-4A62E0C1C127}" srcOrd="1" destOrd="0" presId="urn:microsoft.com/office/officeart/2005/8/layout/orgChart1"/>
-    <dgm:cxn modelId="{E096F500-FE25-44D4-AEF7-9D1E5794016F}" type="presParOf" srcId="{94079DD1-50CF-4693-8CD0-54868F9B2FEC}" destId="{D0FAEE59-EF9F-4915-B6C6-0B3FF615F63D}" srcOrd="1" destOrd="0" presId="urn:microsoft.com/office/officeart/2005/8/layout/orgChart1"/>
-    <dgm:cxn modelId="{334F8EB2-A16A-415A-952D-E4971BC5B730}" type="presParOf" srcId="{D0FAEE59-EF9F-4915-B6C6-0B3FF615F63D}" destId="{DA03FBC2-FC42-4490-A2BE-9AB1E61F3365}" srcOrd="0" destOrd="0" presId="urn:microsoft.com/office/officeart/2005/8/layout/orgChart1"/>
-    <dgm:cxn modelId="{4928AE2C-4BDB-4E34-977A-D0DABCD5EBFC}" type="presParOf" srcId="{D0FAEE59-EF9F-4915-B6C6-0B3FF615F63D}" destId="{F3451C00-5706-4B8F-8232-E1FD9B9EDD41}" srcOrd="1" destOrd="0" presId="urn:microsoft.com/office/officeart/2005/8/layout/orgChart1"/>
-    <dgm:cxn modelId="{33D4AAE4-051F-4FC6-9580-79118B444364}" type="presParOf" srcId="{F3451C00-5706-4B8F-8232-E1FD9B9EDD41}" destId="{2CA6695A-968A-4954-AE0D-3DFDD49BE831}" srcOrd="0" destOrd="0" presId="urn:microsoft.com/office/officeart/2005/8/layout/orgChart1"/>
-    <dgm:cxn modelId="{470FDF98-F7CC-4CCB-9A6D-8A1B33C7EDB5}" type="presParOf" srcId="{2CA6695A-968A-4954-AE0D-3DFDD49BE831}" destId="{D8CAD614-A52C-4A14-8BF2-D7A71D675144}" srcOrd="0" destOrd="0" presId="urn:microsoft.com/office/officeart/2005/8/layout/orgChart1"/>
-    <dgm:cxn modelId="{2FCBF9DC-54C5-4068-927F-1AEDF2EA3CC3}" type="presParOf" srcId="{2CA6695A-968A-4954-AE0D-3DFDD49BE831}" destId="{90105FE1-09F3-42F3-A585-FF7680767A56}" srcOrd="1" destOrd="0" presId="urn:microsoft.com/office/officeart/2005/8/layout/orgChart1"/>
-    <dgm:cxn modelId="{ADC764D2-DF30-4DE0-97B2-46134344F590}" type="presParOf" srcId="{F3451C00-5706-4B8F-8232-E1FD9B9EDD41}" destId="{3D2B38A2-F1E7-4734-B3B6-4A83ED5F7258}" srcOrd="1" destOrd="0" presId="urn:microsoft.com/office/officeart/2005/8/layout/orgChart1"/>
-    <dgm:cxn modelId="{813BEEFF-4151-4037-A04F-AF3AE9895D78}" type="presParOf" srcId="{F3451C00-5706-4B8F-8232-E1FD9B9EDD41}" destId="{BDDC739C-2A62-4B26-B94E-9C8369EA1998}" srcOrd="2" destOrd="0" presId="urn:microsoft.com/office/officeart/2005/8/layout/orgChart1"/>
-    <dgm:cxn modelId="{819F1653-3A04-44DB-8059-518F7264441D}" type="presParOf" srcId="{D0FAEE59-EF9F-4915-B6C6-0B3FF615F63D}" destId="{17029296-5C2A-423E-9D77-92A93973D18C}" srcOrd="2" destOrd="0" presId="urn:microsoft.com/office/officeart/2005/8/layout/orgChart1"/>
-    <dgm:cxn modelId="{10E79A23-D304-4473-A0B4-50E8C72C771B}" type="presParOf" srcId="{D0FAEE59-EF9F-4915-B6C6-0B3FF615F63D}" destId="{E52D46DD-3ED4-4667-AFA3-7C43734CB8B5}" srcOrd="3" destOrd="0" presId="urn:microsoft.com/office/officeart/2005/8/layout/orgChart1"/>
-    <dgm:cxn modelId="{7124B10A-C8A1-46FB-BFBE-5912782689AA}" type="presParOf" srcId="{E52D46DD-3ED4-4667-AFA3-7C43734CB8B5}" destId="{B37FF254-3900-4098-AD1B-68AD148B9A7C}" srcOrd="0" destOrd="0" presId="urn:microsoft.com/office/officeart/2005/8/layout/orgChart1"/>
-    <dgm:cxn modelId="{B61A27FA-E84F-43CD-9AD1-2EA23CE7DE28}" type="presParOf" srcId="{B37FF254-3900-4098-AD1B-68AD148B9A7C}" destId="{D422190A-186E-46FA-86B3-E9A331CC9E40}" srcOrd="0" destOrd="0" presId="urn:microsoft.com/office/officeart/2005/8/layout/orgChart1"/>
-    <dgm:cxn modelId="{5DFB249E-7C36-414B-B4E0-C53F8C7476E3}" type="presParOf" srcId="{B37FF254-3900-4098-AD1B-68AD148B9A7C}" destId="{6E228F81-D8D9-4E53-8FC8-302705B4AB23}" srcOrd="1" destOrd="0" presId="urn:microsoft.com/office/officeart/2005/8/layout/orgChart1"/>
-    <dgm:cxn modelId="{B8B0EA8D-00F6-45F4-95A0-554BED9BC5FD}" type="presParOf" srcId="{E52D46DD-3ED4-4667-AFA3-7C43734CB8B5}" destId="{D1583238-F0FA-4142-B75D-5138365757B0}" srcOrd="1" destOrd="0" presId="urn:microsoft.com/office/officeart/2005/8/layout/orgChart1"/>
-    <dgm:cxn modelId="{359E65AC-2F48-4537-BDED-37D743147079}" type="presParOf" srcId="{E52D46DD-3ED4-4667-AFA3-7C43734CB8B5}" destId="{93BE96C1-7BD0-4DB2-825B-B450C3601684}" srcOrd="2" destOrd="0" presId="urn:microsoft.com/office/officeart/2005/8/layout/orgChart1"/>
-    <dgm:cxn modelId="{7C2071BE-7A8F-4D4A-AE15-15BE7DC6714C}" type="presParOf" srcId="{D0FAEE59-EF9F-4915-B6C6-0B3FF615F63D}" destId="{94D00011-2418-4EE8-AA9B-9E0E4E6C05D2}" srcOrd="4" destOrd="0" presId="urn:microsoft.com/office/officeart/2005/8/layout/orgChart1"/>
-    <dgm:cxn modelId="{C1AD4760-E773-4DA2-A389-11733D8B76FF}" type="presParOf" srcId="{D0FAEE59-EF9F-4915-B6C6-0B3FF615F63D}" destId="{C8472684-65EF-44B3-A76C-AB00E49BA74D}" srcOrd="5" destOrd="0" presId="urn:microsoft.com/office/officeart/2005/8/layout/orgChart1"/>
-    <dgm:cxn modelId="{3F0E02C8-7619-4E2A-951F-FF20C8D6F3E2}" type="presParOf" srcId="{C8472684-65EF-44B3-A76C-AB00E49BA74D}" destId="{C43AB0FB-16DB-4722-9B90-D36D8F010AA8}" srcOrd="0" destOrd="0" presId="urn:microsoft.com/office/officeart/2005/8/layout/orgChart1"/>
-    <dgm:cxn modelId="{A95DDCD2-BC41-4B35-87C3-6012D3F5FB02}" type="presParOf" srcId="{C43AB0FB-16DB-4722-9B90-D36D8F010AA8}" destId="{12744B90-6E26-4685-B445-9602C7DA6F21}" srcOrd="0" destOrd="0" presId="urn:microsoft.com/office/officeart/2005/8/layout/orgChart1"/>
-    <dgm:cxn modelId="{8317517F-4D64-4CD8-85E8-DB13ADF6F566}" type="presParOf" srcId="{C43AB0FB-16DB-4722-9B90-D36D8F010AA8}" destId="{0F9DE019-F216-4A6C-B57F-448A2F88B6EA}" srcOrd="1" destOrd="0" presId="urn:microsoft.com/office/officeart/2005/8/layout/orgChart1"/>
-    <dgm:cxn modelId="{D21CD2A5-4B14-4CA0-AA5F-5D8D4A7698EB}" type="presParOf" srcId="{C8472684-65EF-44B3-A76C-AB00E49BA74D}" destId="{8332DA7A-E4F2-4052-9942-D3AF3F42B008}" srcOrd="1" destOrd="0" presId="urn:microsoft.com/office/officeart/2005/8/layout/orgChart1"/>
-    <dgm:cxn modelId="{F37FAE48-7517-48B9-B2F4-B08FA00B1744}" type="presParOf" srcId="{C8472684-65EF-44B3-A76C-AB00E49BA74D}" destId="{E341946E-D299-428E-80BA-EBDF332F07CC}" srcOrd="2" destOrd="0" presId="urn:microsoft.com/office/officeart/2005/8/layout/orgChart1"/>
-    <dgm:cxn modelId="{B0DE6728-55F1-4406-96CF-862FBE407A8E}" type="presParOf" srcId="{D0FAEE59-EF9F-4915-B6C6-0B3FF615F63D}" destId="{E230D485-B111-4A88-A96C-DD0742BED87E}" srcOrd="6" destOrd="0" presId="urn:microsoft.com/office/officeart/2005/8/layout/orgChart1"/>
-    <dgm:cxn modelId="{313F53BC-0F8A-4CA8-94E4-675DD0306D98}" type="presParOf" srcId="{D0FAEE59-EF9F-4915-B6C6-0B3FF615F63D}" destId="{C80FDE09-57B8-434B-A479-36B4FDB1017A}" srcOrd="7" destOrd="0" presId="urn:microsoft.com/office/officeart/2005/8/layout/orgChart1"/>
-    <dgm:cxn modelId="{A7E40E62-AE26-4E5F-92CC-B3CB8BA46110}" type="presParOf" srcId="{C80FDE09-57B8-434B-A479-36B4FDB1017A}" destId="{2AC8559E-3D8A-40EB-BF57-A242E790B695}" srcOrd="0" destOrd="0" presId="urn:microsoft.com/office/officeart/2005/8/layout/orgChart1"/>
-    <dgm:cxn modelId="{D4C01A76-9CAD-4F5A-9AE1-A77768D4D8AF}" type="presParOf" srcId="{2AC8559E-3D8A-40EB-BF57-A242E790B695}" destId="{4AA82A2E-4AB3-48FF-AB65-C37006C2F2F7}" srcOrd="0" destOrd="0" presId="urn:microsoft.com/office/officeart/2005/8/layout/orgChart1"/>
-    <dgm:cxn modelId="{9000F6B0-1C42-435E-9219-C5C75B67E1C8}" type="presParOf" srcId="{2AC8559E-3D8A-40EB-BF57-A242E790B695}" destId="{C97941E5-882C-4F0A-991C-AE7130B81FD5}" srcOrd="1" destOrd="0" presId="urn:microsoft.com/office/officeart/2005/8/layout/orgChart1"/>
-    <dgm:cxn modelId="{CA0AFC35-E074-4E15-B49E-8CF8C63DEE4A}" type="presParOf" srcId="{C80FDE09-57B8-434B-A479-36B4FDB1017A}" destId="{2344B705-3232-4758-A9B9-AE044D6F9877}" srcOrd="1" destOrd="0" presId="urn:microsoft.com/office/officeart/2005/8/layout/orgChart1"/>
-    <dgm:cxn modelId="{D5E8C12C-4B3C-4886-BA12-066D83979300}" type="presParOf" srcId="{C80FDE09-57B8-434B-A479-36B4FDB1017A}" destId="{BDBE8402-59DD-445E-BB4E-3AE3110DC734}" srcOrd="2" destOrd="0" presId="urn:microsoft.com/office/officeart/2005/8/layout/orgChart1"/>
-    <dgm:cxn modelId="{9BBDF87F-48B0-49DE-8C9B-3CEE7811E884}" type="presParOf" srcId="{D0FAEE59-EF9F-4915-B6C6-0B3FF615F63D}" destId="{D41787A0-F2E0-4CED-9130-427670ECE765}" srcOrd="8" destOrd="0" presId="urn:microsoft.com/office/officeart/2005/8/layout/orgChart1"/>
-    <dgm:cxn modelId="{B03CF649-9ADD-4C8C-8E6F-055E6AC73D7B}" type="presParOf" srcId="{D0FAEE59-EF9F-4915-B6C6-0B3FF615F63D}" destId="{00FEF955-374E-495E-960D-B95C384B9246}" srcOrd="9" destOrd="0" presId="urn:microsoft.com/office/officeart/2005/8/layout/orgChart1"/>
-    <dgm:cxn modelId="{DA736FB5-425F-462D-A407-991571795B6D}" type="presParOf" srcId="{00FEF955-374E-495E-960D-B95C384B9246}" destId="{247F96A0-9190-4762-B16E-CE82A55F6E3A}" srcOrd="0" destOrd="0" presId="urn:microsoft.com/office/officeart/2005/8/layout/orgChart1"/>
-    <dgm:cxn modelId="{6CB0B47A-BD6B-4CAD-ADB7-0CB2E14F3B55}" type="presParOf" srcId="{247F96A0-9190-4762-B16E-CE82A55F6E3A}" destId="{F530A5B0-37B1-4F4D-8797-2AA1FCC5C920}" srcOrd="0" destOrd="0" presId="urn:microsoft.com/office/officeart/2005/8/layout/orgChart1"/>
-    <dgm:cxn modelId="{51CB719A-F34B-4D24-94F9-C2EDD3B76847}" type="presParOf" srcId="{247F96A0-9190-4762-B16E-CE82A55F6E3A}" destId="{EDB318A8-D946-4F37-B890-D5B258FDE471}" srcOrd="1" destOrd="0" presId="urn:microsoft.com/office/officeart/2005/8/layout/orgChart1"/>
-    <dgm:cxn modelId="{64DCCAB2-08BC-40AF-BFC4-3DA3509DA77E}" type="presParOf" srcId="{00FEF955-374E-495E-960D-B95C384B9246}" destId="{C1D5CE69-C0D0-4C4E-B637-16DBBDC41D84}" srcOrd="1" destOrd="0" presId="urn:microsoft.com/office/officeart/2005/8/layout/orgChart1"/>
-    <dgm:cxn modelId="{6B7AC9F8-245E-4B41-B4AC-4FE1D91E46A0}" type="presParOf" srcId="{00FEF955-374E-495E-960D-B95C384B9246}" destId="{998891EE-73CF-460F-B0B0-C5B29193B223}" srcOrd="2" destOrd="0" presId="urn:microsoft.com/office/officeart/2005/8/layout/orgChart1"/>
-    <dgm:cxn modelId="{32649D4A-D740-4AA8-8C3F-659B33F22DE8}" type="presParOf" srcId="{94079DD1-50CF-4693-8CD0-54868F9B2FEC}" destId="{5C4CC7FA-852F-43E9-952F-0CD013B21C9D}" srcOrd="2" destOrd="0" presId="urn:microsoft.com/office/officeart/2005/8/layout/orgChart1"/>
-    <dgm:cxn modelId="{E3F184CE-2389-45C3-B445-3078E7C68352}" type="presParOf" srcId="{26EC8AEF-52B3-4980-81A8-EAAFCAEF0865}" destId="{5B4A557D-DD40-4BBE-9F9A-42B507EBEB1E}" srcOrd="4" destOrd="0" presId="urn:microsoft.com/office/officeart/2005/8/layout/orgChart1"/>
-    <dgm:cxn modelId="{2D9B688F-AFBB-4FBA-BCF5-01FC39D22ABA}" type="presParOf" srcId="{26EC8AEF-52B3-4980-81A8-EAAFCAEF0865}" destId="{7CC3DFE6-41C3-4C77-9713-4DC549792064}" srcOrd="5" destOrd="0" presId="urn:microsoft.com/office/officeart/2005/8/layout/orgChart1"/>
-    <dgm:cxn modelId="{C78ACA1E-D276-41D8-B0D7-A332E9546295}" type="presParOf" srcId="{7CC3DFE6-41C3-4C77-9713-4DC549792064}" destId="{A5201426-47F9-4D79-863D-FD845B859025}" srcOrd="0" destOrd="0" presId="urn:microsoft.com/office/officeart/2005/8/layout/orgChart1"/>
-    <dgm:cxn modelId="{D532CB4B-3EE3-4897-B0E0-3E35AF528F5B}" type="presParOf" srcId="{A5201426-47F9-4D79-863D-FD845B859025}" destId="{970485CB-6ACC-4C6D-8C6C-B1DAD014F8C6}" srcOrd="0" destOrd="0" presId="urn:microsoft.com/office/officeart/2005/8/layout/orgChart1"/>
-    <dgm:cxn modelId="{3119E72E-BDBA-4192-8865-305E8FA2D48B}" type="presParOf" srcId="{A5201426-47F9-4D79-863D-FD845B859025}" destId="{2C2F8232-23E5-4430-9644-54188413EB0D}" srcOrd="1" destOrd="0" presId="urn:microsoft.com/office/officeart/2005/8/layout/orgChart1"/>
-    <dgm:cxn modelId="{82A4048E-E7C3-448E-964A-A4438EC5494F}" type="presParOf" srcId="{7CC3DFE6-41C3-4C77-9713-4DC549792064}" destId="{E2BD4A40-9973-4A23-B31E-855B44C08988}" srcOrd="1" destOrd="0" presId="urn:microsoft.com/office/officeart/2005/8/layout/orgChart1"/>
-    <dgm:cxn modelId="{DD0F6B7E-C496-47EE-AB21-D2AECCCB5537}" type="presParOf" srcId="{E2BD4A40-9973-4A23-B31E-855B44C08988}" destId="{23FAAA54-0100-48C8-BFFD-6E4671CEB4C3}" srcOrd="0" destOrd="0" presId="urn:microsoft.com/office/officeart/2005/8/layout/orgChart1"/>
-    <dgm:cxn modelId="{68267988-5496-45C7-89FD-80AD60C67E9A}" type="presParOf" srcId="{E2BD4A40-9973-4A23-B31E-855B44C08988}" destId="{2AC31327-BAD7-40D3-8D49-9E1D2A9719D6}" srcOrd="1" destOrd="0" presId="urn:microsoft.com/office/officeart/2005/8/layout/orgChart1"/>
-    <dgm:cxn modelId="{16AC8FBF-4887-438A-850E-0EE5F911B666}" type="presParOf" srcId="{2AC31327-BAD7-40D3-8D49-9E1D2A9719D6}" destId="{385F05D4-26D4-4C2F-9932-9D9F9764A8C6}" srcOrd="0" destOrd="0" presId="urn:microsoft.com/office/officeart/2005/8/layout/orgChart1"/>
-    <dgm:cxn modelId="{6C9C9830-AE5D-4F46-B461-583FFAF20D4B}" type="presParOf" srcId="{385F05D4-26D4-4C2F-9932-9D9F9764A8C6}" destId="{B8CF9A0F-7BA0-4CD0-B393-ADDA59A36C76}" srcOrd="0" destOrd="0" presId="urn:microsoft.com/office/officeart/2005/8/layout/orgChart1"/>
-    <dgm:cxn modelId="{D6DC7BB9-1D0F-4745-B75D-113040419382}" type="presParOf" srcId="{385F05D4-26D4-4C2F-9932-9D9F9764A8C6}" destId="{EFA0C1BE-D31B-46F7-AA95-A0A3E6CD83CE}" srcOrd="1" destOrd="0" presId="urn:microsoft.com/office/officeart/2005/8/layout/orgChart1"/>
-    <dgm:cxn modelId="{2A8916AF-23F8-4624-BEEB-E055496DEC1A}" type="presParOf" srcId="{2AC31327-BAD7-40D3-8D49-9E1D2A9719D6}" destId="{0A1E143D-E9D3-426D-BAE4-E8C79A0822C6}" srcOrd="1" destOrd="0" presId="urn:microsoft.com/office/officeart/2005/8/layout/orgChart1"/>
-    <dgm:cxn modelId="{D23A5F0F-5C79-4507-902E-AADF46B15A6D}" type="presParOf" srcId="{2AC31327-BAD7-40D3-8D49-9E1D2A9719D6}" destId="{06A51A16-7D39-4C8E-BA42-D8309A086219}" srcOrd="2" destOrd="0" presId="urn:microsoft.com/office/officeart/2005/8/layout/orgChart1"/>
-    <dgm:cxn modelId="{0420E2D4-0830-4EAF-8E58-2788D511F7FA}" type="presParOf" srcId="{E2BD4A40-9973-4A23-B31E-855B44C08988}" destId="{7C274F9A-EC11-4B30-B246-B4ECFF4241DC}" srcOrd="2" destOrd="0" presId="urn:microsoft.com/office/officeart/2005/8/layout/orgChart1"/>
-    <dgm:cxn modelId="{BAD275B4-96D8-4D8A-8BA5-A075A98F9188}" type="presParOf" srcId="{E2BD4A40-9973-4A23-B31E-855B44C08988}" destId="{43415332-0928-439A-966B-0F6EF9C92523}" srcOrd="3" destOrd="0" presId="urn:microsoft.com/office/officeart/2005/8/layout/orgChart1"/>
-    <dgm:cxn modelId="{1E3FBA8F-C7ED-4F02-A92E-93C6DA0963B9}" type="presParOf" srcId="{43415332-0928-439A-966B-0F6EF9C92523}" destId="{A726A6FB-3BEF-46A7-A04F-E077691FBE22}" srcOrd="0" destOrd="0" presId="urn:microsoft.com/office/officeart/2005/8/layout/orgChart1"/>
-    <dgm:cxn modelId="{B11FA3CF-CB72-4C77-A302-8A80A497CF99}" type="presParOf" srcId="{A726A6FB-3BEF-46A7-A04F-E077691FBE22}" destId="{056F1143-BBF7-4A4B-812E-C3DD8D0DDA74}" srcOrd="0" destOrd="0" presId="urn:microsoft.com/office/officeart/2005/8/layout/orgChart1"/>
-    <dgm:cxn modelId="{19457D13-6A71-4DEF-9629-EE9ED062BEBC}" type="presParOf" srcId="{A726A6FB-3BEF-46A7-A04F-E077691FBE22}" destId="{FF133AFF-538B-4873-9015-D3AC04DFC09B}" srcOrd="1" destOrd="0" presId="urn:microsoft.com/office/officeart/2005/8/layout/orgChart1"/>
-    <dgm:cxn modelId="{814C6B85-6E97-452B-A01E-E8B9E3A59142}" type="presParOf" srcId="{43415332-0928-439A-966B-0F6EF9C92523}" destId="{92B4F2E3-E4C5-4E27-BC86-9BD753D8E0E0}" srcOrd="1" destOrd="0" presId="urn:microsoft.com/office/officeart/2005/8/layout/orgChart1"/>
-    <dgm:cxn modelId="{E599A338-B9BC-46C5-AEEB-A2CD5FE2B59B}" type="presParOf" srcId="{43415332-0928-439A-966B-0F6EF9C92523}" destId="{1A47D441-1F16-4080-BC44-580D2B5F44B0}" srcOrd="2" destOrd="0" presId="urn:microsoft.com/office/officeart/2005/8/layout/orgChart1"/>
-    <dgm:cxn modelId="{24BFABEE-52EC-4B84-9B72-89D52B0D51C5}" type="presParOf" srcId="{E2BD4A40-9973-4A23-B31E-855B44C08988}" destId="{E1D219B3-869F-43F9-A6AA-77F54BB208D0}" srcOrd="4" destOrd="0" presId="urn:microsoft.com/office/officeart/2005/8/layout/orgChart1"/>
-    <dgm:cxn modelId="{5BE3F2C9-48DD-4CB9-A59F-498DDB813B78}" type="presParOf" srcId="{E2BD4A40-9973-4A23-B31E-855B44C08988}" destId="{AB3A3D0A-3F31-430C-9D94-3ACDAC6E8D13}" srcOrd="5" destOrd="0" presId="urn:microsoft.com/office/officeart/2005/8/layout/orgChart1"/>
-    <dgm:cxn modelId="{9717B43C-A98A-42AC-9504-B60C3FB84C52}" type="presParOf" srcId="{AB3A3D0A-3F31-430C-9D94-3ACDAC6E8D13}" destId="{204515EC-9947-4E18-A843-1F50D6122CF5}" srcOrd="0" destOrd="0" presId="urn:microsoft.com/office/officeart/2005/8/layout/orgChart1"/>
-    <dgm:cxn modelId="{1A34A2D5-DEC6-4F00-B882-D0103EC68D1C}" type="presParOf" srcId="{204515EC-9947-4E18-A843-1F50D6122CF5}" destId="{E1027BA3-6DE8-418B-A515-5BD1C7ED37EA}" srcOrd="0" destOrd="0" presId="urn:microsoft.com/office/officeart/2005/8/layout/orgChart1"/>
-    <dgm:cxn modelId="{D846C428-B388-42CC-8C20-544A1BC0F657}" type="presParOf" srcId="{204515EC-9947-4E18-A843-1F50D6122CF5}" destId="{B8ED9F53-9F35-4084-A956-6C96E18435C2}" srcOrd="1" destOrd="0" presId="urn:microsoft.com/office/officeart/2005/8/layout/orgChart1"/>
-    <dgm:cxn modelId="{142FF4BB-A37C-40B3-804C-89EE104C3005}" type="presParOf" srcId="{AB3A3D0A-3F31-430C-9D94-3ACDAC6E8D13}" destId="{63FFC293-0970-496E-8403-E0ABA41AC63B}" srcOrd="1" destOrd="0" presId="urn:microsoft.com/office/officeart/2005/8/layout/orgChart1"/>
-    <dgm:cxn modelId="{ED84E601-06B6-420E-AB2E-49871FD68F52}" type="presParOf" srcId="{AB3A3D0A-3F31-430C-9D94-3ACDAC6E8D13}" destId="{5A39A333-835B-445C-A538-CB55EE6AD37D}" srcOrd="2" destOrd="0" presId="urn:microsoft.com/office/officeart/2005/8/layout/orgChart1"/>
-    <dgm:cxn modelId="{E2C4C40D-78A5-4470-9692-6E41099BBC9B}" type="presParOf" srcId="{E2BD4A40-9973-4A23-B31E-855B44C08988}" destId="{46562903-2430-452E-932C-32DE2B8A3841}" srcOrd="6" destOrd="0" presId="urn:microsoft.com/office/officeart/2005/8/layout/orgChart1"/>
-    <dgm:cxn modelId="{7B8D62EA-8115-4675-A450-990360B1E36E}" type="presParOf" srcId="{E2BD4A40-9973-4A23-B31E-855B44C08988}" destId="{5D8BC556-E541-4483-AA59-3C255C30514A}" srcOrd="7" destOrd="0" presId="urn:microsoft.com/office/officeart/2005/8/layout/orgChart1"/>
-    <dgm:cxn modelId="{41DE815C-1BC8-4E68-B51E-E206F876B1CE}" type="presParOf" srcId="{5D8BC556-E541-4483-AA59-3C255C30514A}" destId="{72AECB15-4029-47D0-806C-941643A4AD8C}" srcOrd="0" destOrd="0" presId="urn:microsoft.com/office/officeart/2005/8/layout/orgChart1"/>
-    <dgm:cxn modelId="{98C077ED-7A6E-4911-8C6C-10B26CF9154E}" type="presParOf" srcId="{72AECB15-4029-47D0-806C-941643A4AD8C}" destId="{A95E4F7D-8E88-42E0-A055-8A253C7B7B25}" srcOrd="0" destOrd="0" presId="urn:microsoft.com/office/officeart/2005/8/layout/orgChart1"/>
-    <dgm:cxn modelId="{3DCEAFED-4D70-4435-A480-1AB6B7991C6A}" type="presParOf" srcId="{72AECB15-4029-47D0-806C-941643A4AD8C}" destId="{180D74C6-A483-4249-9293-6A5DABF0AC13}" srcOrd="1" destOrd="0" presId="urn:microsoft.com/office/officeart/2005/8/layout/orgChart1"/>
-    <dgm:cxn modelId="{0D69FC13-C9B8-4ACD-A17E-48C62AF0F22F}" type="presParOf" srcId="{5D8BC556-E541-4483-AA59-3C255C30514A}" destId="{420600E4-9CF9-4A71-A131-2F36F0C72C68}" srcOrd="1" destOrd="0" presId="urn:microsoft.com/office/officeart/2005/8/layout/orgChart1"/>
-    <dgm:cxn modelId="{5C4C12EE-A15D-4BFA-9B2B-393112C6669F}" type="presParOf" srcId="{5D8BC556-E541-4483-AA59-3C255C30514A}" destId="{3646BE53-F829-4AAC-8F81-3E558B1D6AAF}" srcOrd="2" destOrd="0" presId="urn:microsoft.com/office/officeart/2005/8/layout/orgChart1"/>
-    <dgm:cxn modelId="{7D0DC1F9-0539-463A-B47C-AD38D160BE93}" type="presParOf" srcId="{7CC3DFE6-41C3-4C77-9713-4DC549792064}" destId="{1C50BA8C-831B-4749-A6D6-E1E7D6B3DE44}" srcOrd="2" destOrd="0" presId="urn:microsoft.com/office/officeart/2005/8/layout/orgChart1"/>
-    <dgm:cxn modelId="{47B209F3-FFF9-4532-9EC8-2303B2AEA81B}" type="presParOf" srcId="{26EC8AEF-52B3-4980-81A8-EAAFCAEF0865}" destId="{504E40EB-3896-45B8-93F9-5247EFAA6EFF}" srcOrd="6" destOrd="0" presId="urn:microsoft.com/office/officeart/2005/8/layout/orgChart1"/>
-    <dgm:cxn modelId="{119BD7A6-E7C9-4C77-8BE2-957038956639}" type="presParOf" srcId="{26EC8AEF-52B3-4980-81A8-EAAFCAEF0865}" destId="{53904112-2948-4575-878C-967327B6E8C3}" srcOrd="7" destOrd="0" presId="urn:microsoft.com/office/officeart/2005/8/layout/orgChart1"/>
-    <dgm:cxn modelId="{0E25620A-3663-461F-A95E-2125C446500A}" type="presParOf" srcId="{53904112-2948-4575-878C-967327B6E8C3}" destId="{B8311A83-44B2-4AE7-9407-709820BA105C}" srcOrd="0" destOrd="0" presId="urn:microsoft.com/office/officeart/2005/8/layout/orgChart1"/>
-    <dgm:cxn modelId="{C3799BA2-F0AA-4A55-9F66-1685AC553506}" type="presParOf" srcId="{B8311A83-44B2-4AE7-9407-709820BA105C}" destId="{EF927979-326D-4393-B654-0DFB28B9ADD4}" srcOrd="0" destOrd="0" presId="urn:microsoft.com/office/officeart/2005/8/layout/orgChart1"/>
-    <dgm:cxn modelId="{DF97E173-2272-42C8-BB8B-8201DACFBD9A}" type="presParOf" srcId="{B8311A83-44B2-4AE7-9407-709820BA105C}" destId="{99961120-84E3-4FC7-9791-A2FA3F6FA90C}" srcOrd="1" destOrd="0" presId="urn:microsoft.com/office/officeart/2005/8/layout/orgChart1"/>
-    <dgm:cxn modelId="{F0ADE705-97B0-4BE3-84E4-F237328C0632}" type="presParOf" srcId="{53904112-2948-4575-878C-967327B6E8C3}" destId="{E130A7D6-87F7-4C1F-B0C1-F266D08007F9}" srcOrd="1" destOrd="0" presId="urn:microsoft.com/office/officeart/2005/8/layout/orgChart1"/>
-    <dgm:cxn modelId="{C0967E6C-F589-4182-9B68-21D138E59368}" type="presParOf" srcId="{E130A7D6-87F7-4C1F-B0C1-F266D08007F9}" destId="{7081A0C3-F781-4023-B194-D31AD0BB6E42}" srcOrd="0" destOrd="0" presId="urn:microsoft.com/office/officeart/2005/8/layout/orgChart1"/>
-    <dgm:cxn modelId="{45D5F5A5-EDE4-43A4-8E66-C413C2357CE2}" type="presParOf" srcId="{E130A7D6-87F7-4C1F-B0C1-F266D08007F9}" destId="{EAFB4B3E-A01C-45A0-A7FC-717589BE9123}" srcOrd="1" destOrd="0" presId="urn:microsoft.com/office/officeart/2005/8/layout/orgChart1"/>
-    <dgm:cxn modelId="{4DE613CF-128A-4900-9D44-8CC472FBBAD1}" type="presParOf" srcId="{EAFB4B3E-A01C-45A0-A7FC-717589BE9123}" destId="{ED52D115-BCCD-4230-8243-32C8BD94C811}" srcOrd="0" destOrd="0" presId="urn:microsoft.com/office/officeart/2005/8/layout/orgChart1"/>
-    <dgm:cxn modelId="{08CACCB8-E444-49D3-8316-20986AAF0D6C}" type="presParOf" srcId="{ED52D115-BCCD-4230-8243-32C8BD94C811}" destId="{1A96198E-A00E-4944-A86D-5DCA1E3402C6}" srcOrd="0" destOrd="0" presId="urn:microsoft.com/office/officeart/2005/8/layout/orgChart1"/>
-    <dgm:cxn modelId="{97579F50-9E11-43A8-B5B3-C4F427AD74F7}" type="presParOf" srcId="{ED52D115-BCCD-4230-8243-32C8BD94C811}" destId="{EB9D133D-845D-427A-A285-DAE0C55A6276}" srcOrd="1" destOrd="0" presId="urn:microsoft.com/office/officeart/2005/8/layout/orgChart1"/>
-    <dgm:cxn modelId="{D71F0477-5161-410D-84A0-838FF48B75E0}" type="presParOf" srcId="{EAFB4B3E-A01C-45A0-A7FC-717589BE9123}" destId="{F85D4F07-C87D-43E6-9801-E69D49C7D559}" srcOrd="1" destOrd="0" presId="urn:microsoft.com/office/officeart/2005/8/layout/orgChart1"/>
-    <dgm:cxn modelId="{467C7295-E755-438A-8404-815571B298C7}" type="presParOf" srcId="{EAFB4B3E-A01C-45A0-A7FC-717589BE9123}" destId="{BA76711F-EC70-4F02-898B-EB8793FA3AAC}" srcOrd="2" destOrd="0" presId="urn:microsoft.com/office/officeart/2005/8/layout/orgChart1"/>
-    <dgm:cxn modelId="{B837BDA0-642B-4357-BBA5-C42DF2845A69}" type="presParOf" srcId="{E130A7D6-87F7-4C1F-B0C1-F266D08007F9}" destId="{895BFF7C-11FF-458B-AAF1-C352BE60F9EF}" srcOrd="2" destOrd="0" presId="urn:microsoft.com/office/officeart/2005/8/layout/orgChart1"/>
-    <dgm:cxn modelId="{D4968816-2410-4A3D-9125-FA39A2B57AEF}" type="presParOf" srcId="{E130A7D6-87F7-4C1F-B0C1-F266D08007F9}" destId="{78B258FC-7DA9-4819-9FC1-EA2556179ACA}" srcOrd="3" destOrd="0" presId="urn:microsoft.com/office/officeart/2005/8/layout/orgChart1"/>
-    <dgm:cxn modelId="{47CA916B-F04B-4723-B896-C6CD83E8DECE}" type="presParOf" srcId="{78B258FC-7DA9-4819-9FC1-EA2556179ACA}" destId="{0C36E805-20E7-4F5A-9A8C-3ACB6E98F6DB}" srcOrd="0" destOrd="0" presId="urn:microsoft.com/office/officeart/2005/8/layout/orgChart1"/>
-    <dgm:cxn modelId="{F91674E7-AFD0-455E-9DC7-3C8345F75845}" type="presParOf" srcId="{0C36E805-20E7-4F5A-9A8C-3ACB6E98F6DB}" destId="{46024B26-04FE-4C65-8797-4E756F44950F}" srcOrd="0" destOrd="0" presId="urn:microsoft.com/office/officeart/2005/8/layout/orgChart1"/>
-    <dgm:cxn modelId="{419667DE-A5AC-405E-A57C-F44F2734FBDE}" type="presParOf" srcId="{0C36E805-20E7-4F5A-9A8C-3ACB6E98F6DB}" destId="{75D0F555-AE18-4523-B90B-1DC91BF5B789}" srcOrd="1" destOrd="0" presId="urn:microsoft.com/office/officeart/2005/8/layout/orgChart1"/>
-    <dgm:cxn modelId="{C76B7AAA-0BD8-4904-8303-FFA18F10FBDE}" type="presParOf" srcId="{78B258FC-7DA9-4819-9FC1-EA2556179ACA}" destId="{B348C4B2-A121-49F3-8874-D0D16411BBFB}" srcOrd="1" destOrd="0" presId="urn:microsoft.com/office/officeart/2005/8/layout/orgChart1"/>
-    <dgm:cxn modelId="{C9A7E633-15D4-4C07-B194-0BB59C31B2D5}" type="presParOf" srcId="{78B258FC-7DA9-4819-9FC1-EA2556179ACA}" destId="{76B66268-4E6B-4385-B0A5-6891B1916478}" srcOrd="2" destOrd="0" presId="urn:microsoft.com/office/officeart/2005/8/layout/orgChart1"/>
-    <dgm:cxn modelId="{D95EE785-4C64-4B7A-9956-5740A3BB225F}" type="presParOf" srcId="{E130A7D6-87F7-4C1F-B0C1-F266D08007F9}" destId="{1AE0EF21-06C2-4B27-B5BC-E22AF95EC4A9}" srcOrd="4" destOrd="0" presId="urn:microsoft.com/office/officeart/2005/8/layout/orgChart1"/>
-    <dgm:cxn modelId="{BBCAE750-FB60-4145-8464-F939D6099A22}" type="presParOf" srcId="{E130A7D6-87F7-4C1F-B0C1-F266D08007F9}" destId="{DFDDF0EE-9572-4AC1-BB91-45DC9F8A0757}" srcOrd="5" destOrd="0" presId="urn:microsoft.com/office/officeart/2005/8/layout/orgChart1"/>
-    <dgm:cxn modelId="{59180500-1B42-4528-B871-224B28618041}" type="presParOf" srcId="{DFDDF0EE-9572-4AC1-BB91-45DC9F8A0757}" destId="{E6BC28F8-0EC6-4356-B22A-C02B701EBA14}" srcOrd="0" destOrd="0" presId="urn:microsoft.com/office/officeart/2005/8/layout/orgChart1"/>
-    <dgm:cxn modelId="{72418338-D126-4DB5-AA96-E87F7D195096}" type="presParOf" srcId="{E6BC28F8-0EC6-4356-B22A-C02B701EBA14}" destId="{C7C20F54-4574-4A2B-9831-5DE68481AF4F}" srcOrd="0" destOrd="0" presId="urn:microsoft.com/office/officeart/2005/8/layout/orgChart1"/>
-    <dgm:cxn modelId="{40B96A81-59B8-43DB-B2DA-D7A9B721DE7A}" type="presParOf" srcId="{E6BC28F8-0EC6-4356-B22A-C02B701EBA14}" destId="{D4328132-9542-4C0A-A308-AEB494E8EE03}" srcOrd="1" destOrd="0" presId="urn:microsoft.com/office/officeart/2005/8/layout/orgChart1"/>
-    <dgm:cxn modelId="{30EB8334-8AA8-4131-AF81-FA96303D47EC}" type="presParOf" srcId="{DFDDF0EE-9572-4AC1-BB91-45DC9F8A0757}" destId="{B34B864B-2D3D-48F5-9E6B-599F93432EB3}" srcOrd="1" destOrd="0" presId="urn:microsoft.com/office/officeart/2005/8/layout/orgChart1"/>
-    <dgm:cxn modelId="{B01DEC8D-8094-4C6B-B8D7-579383CF24CA}" type="presParOf" srcId="{DFDDF0EE-9572-4AC1-BB91-45DC9F8A0757}" destId="{BD60DCF5-3F76-44F0-B67F-AF26605755F1}" srcOrd="2" destOrd="0" presId="urn:microsoft.com/office/officeart/2005/8/layout/orgChart1"/>
-    <dgm:cxn modelId="{FF2FDAF6-AC5C-441B-803A-BDD2EC10E913}" type="presParOf" srcId="{53904112-2948-4575-878C-967327B6E8C3}" destId="{E0312EF6-4FD3-4E81-97DD-9185412690C8}" srcOrd="2" destOrd="0" presId="urn:microsoft.com/office/officeart/2005/8/layout/orgChart1"/>
-    <dgm:cxn modelId="{16E05463-9373-41E1-99B2-8F4BD94CCE56}" type="presParOf" srcId="{26EC8AEF-52B3-4980-81A8-EAAFCAEF0865}" destId="{5886597F-B46E-40F0-8AE5-3FD4817AC1CF}" srcOrd="8" destOrd="0" presId="urn:microsoft.com/office/officeart/2005/8/layout/orgChart1"/>
-    <dgm:cxn modelId="{DACCBD04-8193-44CE-8FC5-0AA7A5B5E896}" type="presParOf" srcId="{26EC8AEF-52B3-4980-81A8-EAAFCAEF0865}" destId="{9105932C-A0BD-4D5F-8EEE-815AD04CE786}" srcOrd="9" destOrd="0" presId="urn:microsoft.com/office/officeart/2005/8/layout/orgChart1"/>
-    <dgm:cxn modelId="{B11ED713-5DEB-4B07-A1D1-67173EAAA857}" type="presParOf" srcId="{9105932C-A0BD-4D5F-8EEE-815AD04CE786}" destId="{E814DAD5-48E5-4E8B-88EE-17E60DE5D4E4}" srcOrd="0" destOrd="0" presId="urn:microsoft.com/office/officeart/2005/8/layout/orgChart1"/>
-    <dgm:cxn modelId="{51EF54D9-132A-482D-A42E-01C7D3C2DE3A}" type="presParOf" srcId="{E814DAD5-48E5-4E8B-88EE-17E60DE5D4E4}" destId="{B60853AC-28B6-4365-97E9-89DDBE56859C}" srcOrd="0" destOrd="0" presId="urn:microsoft.com/office/officeart/2005/8/layout/orgChart1"/>
-    <dgm:cxn modelId="{1B357638-91CB-44FA-A27A-50F471CD5D47}" type="presParOf" srcId="{E814DAD5-48E5-4E8B-88EE-17E60DE5D4E4}" destId="{5BA6B852-4FA0-4DD4-922B-D18E3C425A6B}" srcOrd="1" destOrd="0" presId="urn:microsoft.com/office/officeart/2005/8/layout/orgChart1"/>
-    <dgm:cxn modelId="{70B818C3-0653-4B43-8724-09DE88962787}" type="presParOf" srcId="{9105932C-A0BD-4D5F-8EEE-815AD04CE786}" destId="{EFD6426A-6CC6-4269-BFA2-D01BAA2C347F}" srcOrd="1" destOrd="0" presId="urn:microsoft.com/office/officeart/2005/8/layout/orgChart1"/>
-    <dgm:cxn modelId="{ABB6F4F3-F32A-496B-BAE3-D1507DC696EB}" type="presParOf" srcId="{EFD6426A-6CC6-4269-BFA2-D01BAA2C347F}" destId="{CC637AF8-F27A-417D-B9D2-F055BC172D9F}" srcOrd="0" destOrd="0" presId="urn:microsoft.com/office/officeart/2005/8/layout/orgChart1"/>
-    <dgm:cxn modelId="{5E64D28A-3123-4F2C-8E47-4D5621851F12}" type="presParOf" srcId="{EFD6426A-6CC6-4269-BFA2-D01BAA2C347F}" destId="{F272B2E4-E696-4A7B-A557-DB0F3B33EB9A}" srcOrd="1" destOrd="0" presId="urn:microsoft.com/office/officeart/2005/8/layout/orgChart1"/>
-    <dgm:cxn modelId="{E3F110DB-964D-4A64-8F54-F1A356D355D7}" type="presParOf" srcId="{F272B2E4-E696-4A7B-A557-DB0F3B33EB9A}" destId="{3E38376F-0ED4-4692-8EBB-F74CB8A4BA63}" srcOrd="0" destOrd="0" presId="urn:microsoft.com/office/officeart/2005/8/layout/orgChart1"/>
-    <dgm:cxn modelId="{E4C6ADE2-760E-4867-81A9-823838C8345D}" type="presParOf" srcId="{3E38376F-0ED4-4692-8EBB-F74CB8A4BA63}" destId="{AA4C006E-E1C0-4E2E-8487-F760CBE0755C}" srcOrd="0" destOrd="0" presId="urn:microsoft.com/office/officeart/2005/8/layout/orgChart1"/>
-    <dgm:cxn modelId="{5428A293-6C61-465C-8FF6-143464ECD2B4}" type="presParOf" srcId="{3E38376F-0ED4-4692-8EBB-F74CB8A4BA63}" destId="{4E23FE0C-DB42-4982-BEB6-0D1FF126CD52}" srcOrd="1" destOrd="0" presId="urn:microsoft.com/office/officeart/2005/8/layout/orgChart1"/>
-    <dgm:cxn modelId="{C855D058-FEBE-4F11-B661-6B981AF68B8D}" type="presParOf" srcId="{F272B2E4-E696-4A7B-A557-DB0F3B33EB9A}" destId="{B7F6C065-969B-4FDC-9D3C-59B5E5480DBD}" srcOrd="1" destOrd="0" presId="urn:microsoft.com/office/officeart/2005/8/layout/orgChart1"/>
-    <dgm:cxn modelId="{02C480F3-852E-4A06-AE7C-D4DAF89E30FF}" type="presParOf" srcId="{F272B2E4-E696-4A7B-A557-DB0F3B33EB9A}" destId="{F82132FF-E715-468D-9CCC-B80574DCF42F}" srcOrd="2" destOrd="0" presId="urn:microsoft.com/office/officeart/2005/8/layout/orgChart1"/>
-    <dgm:cxn modelId="{4A817C63-00F1-4745-A9E3-3DAB6E79146C}" type="presParOf" srcId="{EFD6426A-6CC6-4269-BFA2-D01BAA2C347F}" destId="{94AD4ABF-2DC4-4B30-95B1-706824D53CD7}" srcOrd="2" destOrd="0" presId="urn:microsoft.com/office/officeart/2005/8/layout/orgChart1"/>
-    <dgm:cxn modelId="{4459ED1A-B417-435B-92DD-2CBBB8A74654}" type="presParOf" srcId="{EFD6426A-6CC6-4269-BFA2-D01BAA2C347F}" destId="{69103E4D-BC1C-41E2-AAFC-BCF5CF793315}" srcOrd="3" destOrd="0" presId="urn:microsoft.com/office/officeart/2005/8/layout/orgChart1"/>
-    <dgm:cxn modelId="{DFCA231C-308C-4927-82BE-C6268AD54F83}" type="presParOf" srcId="{69103E4D-BC1C-41E2-AAFC-BCF5CF793315}" destId="{BF4FC679-F83D-499A-BDCF-06E03B60B85B}" srcOrd="0" destOrd="0" presId="urn:microsoft.com/office/officeart/2005/8/layout/orgChart1"/>
-    <dgm:cxn modelId="{DCB90C26-C998-42A0-9E48-8FA19399C271}" type="presParOf" srcId="{BF4FC679-F83D-499A-BDCF-06E03B60B85B}" destId="{FCD98E51-7B73-4888-93C0-4FAB860964EB}" srcOrd="0" destOrd="0" presId="urn:microsoft.com/office/officeart/2005/8/layout/orgChart1"/>
-    <dgm:cxn modelId="{251D634E-B28A-4014-AC7A-DC11E7063AC8}" type="presParOf" srcId="{BF4FC679-F83D-499A-BDCF-06E03B60B85B}" destId="{5F1C8E07-5DF2-49AC-AC34-531B16AE5204}" srcOrd="1" destOrd="0" presId="urn:microsoft.com/office/officeart/2005/8/layout/orgChart1"/>
-    <dgm:cxn modelId="{973F6F14-C4C8-4CC7-B42B-9F32B889EE33}" type="presParOf" srcId="{69103E4D-BC1C-41E2-AAFC-BCF5CF793315}" destId="{AB4ECA02-09EE-4DD6-9855-6D51D25C8BC3}" srcOrd="1" destOrd="0" presId="urn:microsoft.com/office/officeart/2005/8/layout/orgChart1"/>
-    <dgm:cxn modelId="{DEE5BE9D-432A-42BD-BA42-2CDFB5DA5F1C}" type="presParOf" srcId="{69103E4D-BC1C-41E2-AAFC-BCF5CF793315}" destId="{D1DACF25-BE9E-47A2-B554-368E5324422F}" srcOrd="2" destOrd="0" presId="urn:microsoft.com/office/officeart/2005/8/layout/orgChart1"/>
-    <dgm:cxn modelId="{CDE295DA-EEDF-44E4-9F4C-D42E6CCCD452}" type="presParOf" srcId="{EFD6426A-6CC6-4269-BFA2-D01BAA2C347F}" destId="{A8F92E30-154D-4E03-A76A-CD4675B262AC}" srcOrd="4" destOrd="0" presId="urn:microsoft.com/office/officeart/2005/8/layout/orgChart1"/>
-    <dgm:cxn modelId="{FA8620F3-669F-42F4-873F-B63AF2166B52}" type="presParOf" srcId="{EFD6426A-6CC6-4269-BFA2-D01BAA2C347F}" destId="{76243080-3A60-4EA0-85F4-67C0BEE4180C}" srcOrd="5" destOrd="0" presId="urn:microsoft.com/office/officeart/2005/8/layout/orgChart1"/>
-    <dgm:cxn modelId="{8B7B84E6-E060-4AC0-9410-C3606618E94B}" type="presParOf" srcId="{76243080-3A60-4EA0-85F4-67C0BEE4180C}" destId="{F218517B-203A-4225-A0BC-D230E245A0DC}" srcOrd="0" destOrd="0" presId="urn:microsoft.com/office/officeart/2005/8/layout/orgChart1"/>
-    <dgm:cxn modelId="{A06FF86C-8A4A-4A93-AAAB-D671FF41F104}" type="presParOf" srcId="{F218517B-203A-4225-A0BC-D230E245A0DC}" destId="{FE378B94-6331-4C3A-94DD-E7F673FA68EB}" srcOrd="0" destOrd="0" presId="urn:microsoft.com/office/officeart/2005/8/layout/orgChart1"/>
-    <dgm:cxn modelId="{E8661AAD-D0E0-4239-8C02-9FE870061DF1}" type="presParOf" srcId="{F218517B-203A-4225-A0BC-D230E245A0DC}" destId="{1196F333-92BD-43D2-8F49-DC8656CA9FCF}" srcOrd="1" destOrd="0" presId="urn:microsoft.com/office/officeart/2005/8/layout/orgChart1"/>
-    <dgm:cxn modelId="{2531F7A8-457D-4710-9C08-199046EE1204}" type="presParOf" srcId="{76243080-3A60-4EA0-85F4-67C0BEE4180C}" destId="{D279D81E-CA41-4546-98A1-2CA8EAC32B2F}" srcOrd="1" destOrd="0" presId="urn:microsoft.com/office/officeart/2005/8/layout/orgChart1"/>
-    <dgm:cxn modelId="{2554BD03-95F7-4E6B-B6E5-FD6B1DF75BAA}" type="presParOf" srcId="{76243080-3A60-4EA0-85F4-67C0BEE4180C}" destId="{50C6D53B-5A34-4058-98A2-383C20DE253D}" srcOrd="2" destOrd="0" presId="urn:microsoft.com/office/officeart/2005/8/layout/orgChart1"/>
-    <dgm:cxn modelId="{8BFAA5CA-99B5-4E8D-B5B7-7DF1F8FA31B7}" type="presParOf" srcId="{EFD6426A-6CC6-4269-BFA2-D01BAA2C347F}" destId="{3E38BFA6-7956-4F34-8EE2-0862AEF4F3BB}" srcOrd="6" destOrd="0" presId="urn:microsoft.com/office/officeart/2005/8/layout/orgChart1"/>
-    <dgm:cxn modelId="{725DC57D-9C23-4DFB-9C03-C2567A253C6D}" type="presParOf" srcId="{EFD6426A-6CC6-4269-BFA2-D01BAA2C347F}" destId="{FA79E973-73A6-4EDD-A8D0-F54C2D2DFA2D}" srcOrd="7" destOrd="0" presId="urn:microsoft.com/office/officeart/2005/8/layout/orgChart1"/>
-    <dgm:cxn modelId="{B7806FEB-9C67-47A6-9831-675911D186B3}" type="presParOf" srcId="{FA79E973-73A6-4EDD-A8D0-F54C2D2DFA2D}" destId="{720D85E0-AEAB-48B0-825C-9C4735E34A9A}" srcOrd="0" destOrd="0" presId="urn:microsoft.com/office/officeart/2005/8/layout/orgChart1"/>
-    <dgm:cxn modelId="{077B23B5-6D93-47DE-979F-B4F3C312F01E}" type="presParOf" srcId="{720D85E0-AEAB-48B0-825C-9C4735E34A9A}" destId="{B1747FAB-9757-4403-88D3-B628A2EA49C4}" srcOrd="0" destOrd="0" presId="urn:microsoft.com/office/officeart/2005/8/layout/orgChart1"/>
-    <dgm:cxn modelId="{69148865-BF2F-49B4-94FA-00C467F5CD10}" type="presParOf" srcId="{720D85E0-AEAB-48B0-825C-9C4735E34A9A}" destId="{F5C397A4-F490-4B8F-97BA-73E9DE1933A9}" srcOrd="1" destOrd="0" presId="urn:microsoft.com/office/officeart/2005/8/layout/orgChart1"/>
-    <dgm:cxn modelId="{EF93617C-D19E-4CE3-9134-494CAAF798D1}" type="presParOf" srcId="{FA79E973-73A6-4EDD-A8D0-F54C2D2DFA2D}" destId="{3A45910B-CF12-4FF2-AC04-D74E5D8BA387}" srcOrd="1" destOrd="0" presId="urn:microsoft.com/office/officeart/2005/8/layout/orgChart1"/>
-    <dgm:cxn modelId="{1D79AC13-179A-46CF-8D6B-91008E4CA6EE}" type="presParOf" srcId="{FA79E973-73A6-4EDD-A8D0-F54C2D2DFA2D}" destId="{5531445C-8450-48F7-A38C-E1E8ED861A34}" srcOrd="2" destOrd="0" presId="urn:microsoft.com/office/officeart/2005/8/layout/orgChart1"/>
-    <dgm:cxn modelId="{B8359224-415E-4334-BBCF-B529751D3427}" type="presParOf" srcId="{9105932C-A0BD-4D5F-8EEE-815AD04CE786}" destId="{4968F670-451E-4838-BA29-7E2D3E82B1D2}" srcOrd="2" destOrd="0" presId="urn:microsoft.com/office/officeart/2005/8/layout/orgChart1"/>
-    <dgm:cxn modelId="{99ADBD3B-A5BF-4B78-8AA3-B3ECD2582B17}" type="presParOf" srcId="{26EC8AEF-52B3-4980-81A8-EAAFCAEF0865}" destId="{DF696DC8-7E95-4094-82B8-917C9C0B61E8}" srcOrd="10" destOrd="0" presId="urn:microsoft.com/office/officeart/2005/8/layout/orgChart1"/>
-    <dgm:cxn modelId="{52F0E5AB-FE0A-46B1-9A57-55AB1B7CF407}" type="presParOf" srcId="{26EC8AEF-52B3-4980-81A8-EAAFCAEF0865}" destId="{414736A5-4082-43CA-A723-5EC6AD60784B}" srcOrd="11" destOrd="0" presId="urn:microsoft.com/office/officeart/2005/8/layout/orgChart1"/>
-    <dgm:cxn modelId="{848DD160-23F4-4BAD-9AEB-6DE16F105CF8}" type="presParOf" srcId="{414736A5-4082-43CA-A723-5EC6AD60784B}" destId="{5415A0E7-1C05-4958-AC17-27DEEDA21738}" srcOrd="0" destOrd="0" presId="urn:microsoft.com/office/officeart/2005/8/layout/orgChart1"/>
-    <dgm:cxn modelId="{B993D9A6-9882-4650-BCA6-57813536505E}" type="presParOf" srcId="{5415A0E7-1C05-4958-AC17-27DEEDA21738}" destId="{438D1070-C0A6-4086-98E9-E16A6C5C0A6A}" srcOrd="0" destOrd="0" presId="urn:microsoft.com/office/officeart/2005/8/layout/orgChart1"/>
-    <dgm:cxn modelId="{CFBFC159-FEC0-43F2-8174-3EF80D461990}" type="presParOf" srcId="{5415A0E7-1C05-4958-AC17-27DEEDA21738}" destId="{568F313F-BFFD-4409-A0F7-C318A2E10922}" srcOrd="1" destOrd="0" presId="urn:microsoft.com/office/officeart/2005/8/layout/orgChart1"/>
-    <dgm:cxn modelId="{FEB38F52-437D-43ED-B2EB-3AC29822CD73}" type="presParOf" srcId="{414736A5-4082-43CA-A723-5EC6AD60784B}" destId="{A6BF6BFE-1B24-4818-8536-3BA3590299D7}" srcOrd="1" destOrd="0" presId="urn:microsoft.com/office/officeart/2005/8/layout/orgChart1"/>
-    <dgm:cxn modelId="{3FF12E2D-38F5-4E61-A7F7-4A7681BEC00E}" type="presParOf" srcId="{A6BF6BFE-1B24-4818-8536-3BA3590299D7}" destId="{1EAC204C-1BE3-44A7-BA19-B48A9F8CDDF7}" srcOrd="0" destOrd="0" presId="urn:microsoft.com/office/officeart/2005/8/layout/orgChart1"/>
-    <dgm:cxn modelId="{08579595-4E68-4527-8550-BA4457570AC5}" type="presParOf" srcId="{A6BF6BFE-1B24-4818-8536-3BA3590299D7}" destId="{782A34B7-500B-4764-A9F4-B5C43ED4EB07}" srcOrd="1" destOrd="0" presId="urn:microsoft.com/office/officeart/2005/8/layout/orgChart1"/>
-    <dgm:cxn modelId="{F369C707-8655-4B9E-9653-5677C8798C53}" type="presParOf" srcId="{782A34B7-500B-4764-A9F4-B5C43ED4EB07}" destId="{EED1CA04-75D7-41D9-A8A3-C7AC40A9FC6D}" srcOrd="0" destOrd="0" presId="urn:microsoft.com/office/officeart/2005/8/layout/orgChart1"/>
-    <dgm:cxn modelId="{9C17AD8D-C1BC-4163-B29A-74EE619D1DF8}" type="presParOf" srcId="{EED1CA04-75D7-41D9-A8A3-C7AC40A9FC6D}" destId="{5AAEF3F7-8FEB-477F-A38B-3B55816DB0A1}" srcOrd="0" destOrd="0" presId="urn:microsoft.com/office/officeart/2005/8/layout/orgChart1"/>
-    <dgm:cxn modelId="{E5A9633C-4053-4CED-B7F0-52E7A4135F17}" type="presParOf" srcId="{EED1CA04-75D7-41D9-A8A3-C7AC40A9FC6D}" destId="{FA29ED0B-9C1E-4A6E-9575-26AC9A21EF20}" srcOrd="1" destOrd="0" presId="urn:microsoft.com/office/officeart/2005/8/layout/orgChart1"/>
-    <dgm:cxn modelId="{C3CE90E1-F11A-418A-A07D-5073A98E5175}" type="presParOf" srcId="{782A34B7-500B-4764-A9F4-B5C43ED4EB07}" destId="{80C6660A-7CFB-4B07-8D18-3BFAFCEED053}" srcOrd="1" destOrd="0" presId="urn:microsoft.com/office/officeart/2005/8/layout/orgChart1"/>
-    <dgm:cxn modelId="{43ACEAA2-0B10-4715-B67F-5A407C3B7316}" type="presParOf" srcId="{782A34B7-500B-4764-A9F4-B5C43ED4EB07}" destId="{1104CF48-4AF2-4685-8D17-25812A2F3A93}" srcOrd="2" destOrd="0" presId="urn:microsoft.com/office/officeart/2005/8/layout/orgChart1"/>
-    <dgm:cxn modelId="{E1C7C6FF-A563-4701-AC12-8C434A67FB3F}" type="presParOf" srcId="{414736A5-4082-43CA-A723-5EC6AD60784B}" destId="{7C484BC4-FF43-4033-888A-92039B25E6EB}" srcOrd="2" destOrd="0" presId="urn:microsoft.com/office/officeart/2005/8/layout/orgChart1"/>
-    <dgm:cxn modelId="{6E79C5AE-F748-4983-B81C-247A26C69396}" type="presParOf" srcId="{26EC8AEF-52B3-4980-81A8-EAAFCAEF0865}" destId="{2E10168B-A4D6-4631-B691-B8ABCB42FAB7}" srcOrd="12" destOrd="0" presId="urn:microsoft.com/office/officeart/2005/8/layout/orgChart1"/>
-    <dgm:cxn modelId="{EA4871CD-52D8-4455-8DDD-FE2EB28041F7}" type="presParOf" srcId="{26EC8AEF-52B3-4980-81A8-EAAFCAEF0865}" destId="{4EF7A2B1-8407-45F7-8F5B-C91EF6FEE9EE}" srcOrd="13" destOrd="0" presId="urn:microsoft.com/office/officeart/2005/8/layout/orgChart1"/>
-    <dgm:cxn modelId="{665B42AD-8F64-4204-AFE6-9AABE0BBA36B}" type="presParOf" srcId="{4EF7A2B1-8407-45F7-8F5B-C91EF6FEE9EE}" destId="{A816BFC2-B898-44F8-AEA5-5A0BF152C890}" srcOrd="0" destOrd="0" presId="urn:microsoft.com/office/officeart/2005/8/layout/orgChart1"/>
-    <dgm:cxn modelId="{824B37B9-F399-441E-9EB9-C5ADC71BBC48}" type="presParOf" srcId="{A816BFC2-B898-44F8-AEA5-5A0BF152C890}" destId="{D29A2811-3445-4FD9-B94E-CD2C6AEC05B8}" srcOrd="0" destOrd="0" presId="urn:microsoft.com/office/officeart/2005/8/layout/orgChart1"/>
-    <dgm:cxn modelId="{B07A5DD5-886D-4E76-83A7-504CFA451412}" type="presParOf" srcId="{A816BFC2-B898-44F8-AEA5-5A0BF152C890}" destId="{00B679BF-EBB1-47D2-BB6F-3082F8026CF0}" srcOrd="1" destOrd="0" presId="urn:microsoft.com/office/officeart/2005/8/layout/orgChart1"/>
-    <dgm:cxn modelId="{EBE9E79E-0BF7-4E53-B23A-1C00FAF86440}" type="presParOf" srcId="{4EF7A2B1-8407-45F7-8F5B-C91EF6FEE9EE}" destId="{21890D7B-790C-423D-B9EF-BE2537CB97BE}" srcOrd="1" destOrd="0" presId="urn:microsoft.com/office/officeart/2005/8/layout/orgChart1"/>
-    <dgm:cxn modelId="{BC4BDBD5-C17A-4FEA-AE15-3D97DEA645ED}" type="presParOf" srcId="{21890D7B-790C-423D-B9EF-BE2537CB97BE}" destId="{B95F85D9-A2F0-49C9-A642-F8E7D4929844}" srcOrd="0" destOrd="0" presId="urn:microsoft.com/office/officeart/2005/8/layout/orgChart1"/>
-    <dgm:cxn modelId="{385C143F-D498-4A88-97EA-4F17A14AD852}" type="presParOf" srcId="{21890D7B-790C-423D-B9EF-BE2537CB97BE}" destId="{32765C0A-36CE-448C-9BDA-F8AF39237AB2}" srcOrd="1" destOrd="0" presId="urn:microsoft.com/office/officeart/2005/8/layout/orgChart1"/>
-    <dgm:cxn modelId="{63E59923-2FFF-4D05-8C75-C33F043082E4}" type="presParOf" srcId="{32765C0A-36CE-448C-9BDA-F8AF39237AB2}" destId="{B5AE7CE6-7DD5-4736-83AB-9D3692CECE4B}" srcOrd="0" destOrd="0" presId="urn:microsoft.com/office/officeart/2005/8/layout/orgChart1"/>
-    <dgm:cxn modelId="{887FE482-AA6C-44DA-9C77-5DBEE05F3970}" type="presParOf" srcId="{B5AE7CE6-7DD5-4736-83AB-9D3692CECE4B}" destId="{035DD26F-AFC0-4DAC-B14D-D93A152B5C88}" srcOrd="0" destOrd="0" presId="urn:microsoft.com/office/officeart/2005/8/layout/orgChart1"/>
-    <dgm:cxn modelId="{D20534D8-755B-4840-B6BD-76BBE8719F33}" type="presParOf" srcId="{B5AE7CE6-7DD5-4736-83AB-9D3692CECE4B}" destId="{30F2B008-B3FF-44E8-BCCA-DB1AA9B47524}" srcOrd="1" destOrd="0" presId="urn:microsoft.com/office/officeart/2005/8/layout/orgChart1"/>
-    <dgm:cxn modelId="{30DAE7BA-4053-4746-A723-37C859E68EFE}" type="presParOf" srcId="{32765C0A-36CE-448C-9BDA-F8AF39237AB2}" destId="{277044BC-63BE-4A98-BF91-362C0D5E3A24}" srcOrd="1" destOrd="0" presId="urn:microsoft.com/office/officeart/2005/8/layout/orgChart1"/>
-    <dgm:cxn modelId="{86AAB97A-1096-4338-927B-413FADE1DF43}" type="presParOf" srcId="{32765C0A-36CE-448C-9BDA-F8AF39237AB2}" destId="{742BAF24-C5AB-4DF0-BF8C-D305F18B055C}" srcOrd="2" destOrd="0" presId="urn:microsoft.com/office/officeart/2005/8/layout/orgChart1"/>
-    <dgm:cxn modelId="{8862A43C-B7D9-4A94-B828-2671B0760832}" type="presParOf" srcId="{21890D7B-790C-423D-B9EF-BE2537CB97BE}" destId="{D76DDAD2-839A-4655-9F03-B953223CED8A}" srcOrd="2" destOrd="0" presId="urn:microsoft.com/office/officeart/2005/8/layout/orgChart1"/>
-    <dgm:cxn modelId="{2AC06851-F26D-49A4-BA11-22EA6F2A82BD}" type="presParOf" srcId="{21890D7B-790C-423D-B9EF-BE2537CB97BE}" destId="{C9DC3292-ECCF-4E74-81F1-9C571C05B69D}" srcOrd="3" destOrd="0" presId="urn:microsoft.com/office/officeart/2005/8/layout/orgChart1"/>
-    <dgm:cxn modelId="{BE2FE5E7-2A4A-4272-BF89-548B1DB7338D}" type="presParOf" srcId="{C9DC3292-ECCF-4E74-81F1-9C571C05B69D}" destId="{26FAB1E1-8EBF-42E7-8B0C-C72F626F4C77}" srcOrd="0" destOrd="0" presId="urn:microsoft.com/office/officeart/2005/8/layout/orgChart1"/>
-    <dgm:cxn modelId="{0F93DF92-3F64-42DC-A913-CD0768E43090}" type="presParOf" srcId="{26FAB1E1-8EBF-42E7-8B0C-C72F626F4C77}" destId="{8C9A4ED2-5B8C-4D39-BB37-0DCDBF368A5C}" srcOrd="0" destOrd="0" presId="urn:microsoft.com/office/officeart/2005/8/layout/orgChart1"/>
-    <dgm:cxn modelId="{90CBEC93-3D7E-47CE-8CF0-6528A2DF0C4D}" type="presParOf" srcId="{26FAB1E1-8EBF-42E7-8B0C-C72F626F4C77}" destId="{7DC63A10-4951-4821-B724-7DA2A45E3D77}" srcOrd="1" destOrd="0" presId="urn:microsoft.com/office/officeart/2005/8/layout/orgChart1"/>
-    <dgm:cxn modelId="{3DFB40DA-812F-44A6-983D-73E775F26D09}" type="presParOf" srcId="{C9DC3292-ECCF-4E74-81F1-9C571C05B69D}" destId="{946ED2D1-FC92-4DF9-9175-7CB699B83001}" srcOrd="1" destOrd="0" presId="urn:microsoft.com/office/officeart/2005/8/layout/orgChart1"/>
-    <dgm:cxn modelId="{CF0BB28F-4379-4449-9BDE-DEC58E579153}" type="presParOf" srcId="{C9DC3292-ECCF-4E74-81F1-9C571C05B69D}" destId="{DBA0C00C-43C0-4F7D-BB56-2F10A050D5B9}" srcOrd="2" destOrd="0" presId="urn:microsoft.com/office/officeart/2005/8/layout/orgChart1"/>
-    <dgm:cxn modelId="{5B5D1CF7-EC64-43AF-90E4-B081208D4F32}" type="presParOf" srcId="{21890D7B-790C-423D-B9EF-BE2537CB97BE}" destId="{239DC3CD-320F-4528-964B-A55C0FEA7F0F}" srcOrd="4" destOrd="0" presId="urn:microsoft.com/office/officeart/2005/8/layout/orgChart1"/>
-    <dgm:cxn modelId="{98365A8B-3DEA-45F9-8A94-3111991336B5}" type="presParOf" srcId="{21890D7B-790C-423D-B9EF-BE2537CB97BE}" destId="{0B24F572-F5C9-4C06-B3EF-B0BA2A61E98E}" srcOrd="5" destOrd="0" presId="urn:microsoft.com/office/officeart/2005/8/layout/orgChart1"/>
-    <dgm:cxn modelId="{CA743C10-9547-4EAE-A9EB-4895606D0B5F}" type="presParOf" srcId="{0B24F572-F5C9-4C06-B3EF-B0BA2A61E98E}" destId="{B34AF406-707F-412E-9CC1-8C55E5DC2D8B}" srcOrd="0" destOrd="0" presId="urn:microsoft.com/office/officeart/2005/8/layout/orgChart1"/>
-    <dgm:cxn modelId="{506668E6-8A18-4A34-82AD-0D3E618F16C6}" type="presParOf" srcId="{B34AF406-707F-412E-9CC1-8C55E5DC2D8B}" destId="{1E42B8D4-E8B2-4294-B101-56747C791EB9}" srcOrd="0" destOrd="0" presId="urn:microsoft.com/office/officeart/2005/8/layout/orgChart1"/>
-    <dgm:cxn modelId="{1C080F92-D140-42B0-83DA-431F564564E7}" type="presParOf" srcId="{B34AF406-707F-412E-9CC1-8C55E5DC2D8B}" destId="{4951E13E-9D35-4ADC-B42F-33A611431C42}" srcOrd="1" destOrd="0" presId="urn:microsoft.com/office/officeart/2005/8/layout/orgChart1"/>
-    <dgm:cxn modelId="{F62A95A6-5744-445A-9C05-517FF1CEEDB8}" type="presParOf" srcId="{0B24F572-F5C9-4C06-B3EF-B0BA2A61E98E}" destId="{6046F9C2-22F8-42CB-A218-EDC0DAB0CBC4}" srcOrd="1" destOrd="0" presId="urn:microsoft.com/office/officeart/2005/8/layout/orgChart1"/>
-    <dgm:cxn modelId="{0DFE0495-B3AF-4FA7-85CD-D61B7462158E}" type="presParOf" srcId="{0B24F572-F5C9-4C06-B3EF-B0BA2A61E98E}" destId="{3EF1043B-42D9-4DF9-BAFD-03C041930C79}" srcOrd="2" destOrd="0" presId="urn:microsoft.com/office/officeart/2005/8/layout/orgChart1"/>
-    <dgm:cxn modelId="{61833F60-2FF1-423C-86E8-18CA232E9823}" type="presParOf" srcId="{21890D7B-790C-423D-B9EF-BE2537CB97BE}" destId="{E5A92260-CF90-4248-90F6-5533758163B9}" srcOrd="6" destOrd="0" presId="urn:microsoft.com/office/officeart/2005/8/layout/orgChart1"/>
-    <dgm:cxn modelId="{28367DA1-F4E9-4A08-8A29-DA941AEEAB38}" type="presParOf" srcId="{21890D7B-790C-423D-B9EF-BE2537CB97BE}" destId="{4EA452B2-ED18-4ACC-9749-D922E5F58F71}" srcOrd="7" destOrd="0" presId="urn:microsoft.com/office/officeart/2005/8/layout/orgChart1"/>
-    <dgm:cxn modelId="{9458F011-2325-42DB-9ADE-FB2A99A117EF}" type="presParOf" srcId="{4EA452B2-ED18-4ACC-9749-D922E5F58F71}" destId="{809365FF-AAED-48BC-B466-828DDB843986}" srcOrd="0" destOrd="0" presId="urn:microsoft.com/office/officeart/2005/8/layout/orgChart1"/>
-    <dgm:cxn modelId="{C045017C-5E9A-467D-AD4E-2DB938118C6A}" type="presParOf" srcId="{809365FF-AAED-48BC-B466-828DDB843986}" destId="{BB258984-BEEA-4B40-98D4-CDF258E4FB03}" srcOrd="0" destOrd="0" presId="urn:microsoft.com/office/officeart/2005/8/layout/orgChart1"/>
-    <dgm:cxn modelId="{8AE53F55-1139-4968-90C6-7463BFBD3E7E}" type="presParOf" srcId="{809365FF-AAED-48BC-B466-828DDB843986}" destId="{1808DEEA-AAD8-43FD-84EC-ECB63076129A}" srcOrd="1" destOrd="0" presId="urn:microsoft.com/office/officeart/2005/8/layout/orgChart1"/>
-    <dgm:cxn modelId="{D57C80EC-1A9D-43E4-AB2C-307685827CF6}" type="presParOf" srcId="{4EA452B2-ED18-4ACC-9749-D922E5F58F71}" destId="{46376A91-C035-41CC-B289-DD7FABB5A96F}" srcOrd="1" destOrd="0" presId="urn:microsoft.com/office/officeart/2005/8/layout/orgChart1"/>
-    <dgm:cxn modelId="{BA8690DB-9737-448F-BBBE-478797350C6F}" type="presParOf" srcId="{4EA452B2-ED18-4ACC-9749-D922E5F58F71}" destId="{86B1667D-432F-4A54-962B-3A4EE99CD604}" srcOrd="2" destOrd="0" presId="urn:microsoft.com/office/officeart/2005/8/layout/orgChart1"/>
-    <dgm:cxn modelId="{9BFB2226-B8A3-4A3B-8863-1E698892E4D1}" type="presParOf" srcId="{4EF7A2B1-8407-45F7-8F5B-C91EF6FEE9EE}" destId="{AAED2824-191D-48D2-A5A5-0A13E9DAD379}" srcOrd="2" destOrd="0" presId="urn:microsoft.com/office/officeart/2005/8/layout/orgChart1"/>
-    <dgm:cxn modelId="{8B903989-3756-4210-ADD7-9D3BE3739E2B}" type="presParOf" srcId="{A682415C-7DD9-49E6-BF04-72D535CFF0C0}" destId="{3DE7CEE9-37CB-40DE-8E1F-1607E656972A}" srcOrd="2" destOrd="0" presId="urn:microsoft.com/office/officeart/2005/8/layout/orgChart1"/>
+    <dgm:cxn modelId="{A2972D29-8221-43FD-8B6C-D2703CD85AE8}" type="presOf" srcId="{31DE8295-6881-4ED8-9DDB-C95F074780E0}" destId="{1EAC204C-1BE3-44A7-BA19-B48A9F8CDDF7}" srcOrd="0" destOrd="0" presId="urn:microsoft.com/office/officeart/2005/8/layout/orgChart1"/>
+    <dgm:cxn modelId="{499C2970-F01B-4086-9341-A9966DFE7502}" type="presOf" srcId="{794C04AF-AE98-44C5-9073-C6CD7D47AB4B}" destId="{EFA0C1BE-D31B-46F7-AA95-A0A3E6CD83CE}" srcOrd="1" destOrd="0" presId="urn:microsoft.com/office/officeart/2005/8/layout/orgChart1"/>
+    <dgm:cxn modelId="{67EBA763-BA24-4860-BD5E-825F70F2E70C}" type="presOf" srcId="{683247F9-77F1-43E0-BE9B-1F85323A5019}" destId="{EDB318A8-D946-4F37-B890-D5B258FDE471}" srcOrd="1" destOrd="0" presId="urn:microsoft.com/office/officeart/2005/8/layout/orgChart1"/>
+    <dgm:cxn modelId="{61E4DCF0-3EA2-4F45-9FC0-36154432C7A7}" type="presParOf" srcId="{E7415A98-C86F-4E4A-856C-2DEBCC2AA73D}" destId="{A682415C-7DD9-49E6-BF04-72D535CFF0C0}" srcOrd="0" destOrd="0" presId="urn:microsoft.com/office/officeart/2005/8/layout/orgChart1"/>
+    <dgm:cxn modelId="{74DC8675-E224-41E1-BFE7-C96120A042C8}" type="presParOf" srcId="{A682415C-7DD9-49E6-BF04-72D535CFF0C0}" destId="{4FA1076E-F74D-4250-8A6D-DA0B87741F06}" srcOrd="0" destOrd="0" presId="urn:microsoft.com/office/officeart/2005/8/layout/orgChart1"/>
+    <dgm:cxn modelId="{C04F0417-90EF-4F84-8A0B-D06A3E6FFC50}" type="presParOf" srcId="{4FA1076E-F74D-4250-8A6D-DA0B87741F06}" destId="{12EDE91F-D2D1-4FCC-AC9A-7DDD64918CB3}" srcOrd="0" destOrd="0" presId="urn:microsoft.com/office/officeart/2005/8/layout/orgChart1"/>
+    <dgm:cxn modelId="{2C18A8C0-962F-488A-988A-92B8130DAB8C}" type="presParOf" srcId="{4FA1076E-F74D-4250-8A6D-DA0B87741F06}" destId="{614CD33A-AC70-47DF-B9F6-816F13CCDBA9}" srcOrd="1" destOrd="0" presId="urn:microsoft.com/office/officeart/2005/8/layout/orgChart1"/>
+    <dgm:cxn modelId="{5C3DD109-6C75-4514-A6F7-B43DDF5E5D1D}" type="presParOf" srcId="{A682415C-7DD9-49E6-BF04-72D535CFF0C0}" destId="{26EC8AEF-52B3-4980-81A8-EAAFCAEF0865}" srcOrd="1" destOrd="0" presId="urn:microsoft.com/office/officeart/2005/8/layout/orgChart1"/>
+    <dgm:cxn modelId="{AD1BA6FE-B4FC-4CD4-92BB-BD04F8DE7F32}" type="presParOf" srcId="{26EC8AEF-52B3-4980-81A8-EAAFCAEF0865}" destId="{5711D613-6930-4D20-A3C4-3F51CCEE594A}" srcOrd="0" destOrd="0" presId="urn:microsoft.com/office/officeart/2005/8/layout/orgChart1"/>
+    <dgm:cxn modelId="{BF777799-0C3A-4BC3-9EAF-E79331CF0D45}" type="presParOf" srcId="{26EC8AEF-52B3-4980-81A8-EAAFCAEF0865}" destId="{BBC19001-393C-4EBA-B7C3-7EC645B7B949}" srcOrd="1" destOrd="0" presId="urn:microsoft.com/office/officeart/2005/8/layout/orgChart1"/>
+    <dgm:cxn modelId="{237D20DC-F65D-4836-9F7D-1F7FAAC8A08D}" type="presParOf" srcId="{BBC19001-393C-4EBA-B7C3-7EC645B7B949}" destId="{3CFC3731-A6A0-49BC-A247-EF53395D0603}" srcOrd="0" destOrd="0" presId="urn:microsoft.com/office/officeart/2005/8/layout/orgChart1"/>
+    <dgm:cxn modelId="{267B8901-5716-401C-BD91-77998F3E1493}" type="presParOf" srcId="{3CFC3731-A6A0-49BC-A247-EF53395D0603}" destId="{89016122-5A0C-4699-8160-C50C3D834896}" srcOrd="0" destOrd="0" presId="urn:microsoft.com/office/officeart/2005/8/layout/orgChart1"/>
+    <dgm:cxn modelId="{D10CBB08-6C91-4DBA-99BB-A8CD6D29E039}" type="presParOf" srcId="{3CFC3731-A6A0-49BC-A247-EF53395D0603}" destId="{21DC81A4-7741-4867-8475-B8F493C1233C}" srcOrd="1" destOrd="0" presId="urn:microsoft.com/office/officeart/2005/8/layout/orgChart1"/>
+    <dgm:cxn modelId="{D22A72B1-FEDD-4201-9C6E-E738549E77E7}" type="presParOf" srcId="{BBC19001-393C-4EBA-B7C3-7EC645B7B949}" destId="{CD3CC676-49A9-4D85-B16F-961E700A6B1C}" srcOrd="1" destOrd="0" presId="urn:microsoft.com/office/officeart/2005/8/layout/orgChart1"/>
+    <dgm:cxn modelId="{4319CCF3-C4E5-4FFD-848D-788AC706347B}" type="presParOf" srcId="{BBC19001-393C-4EBA-B7C3-7EC645B7B949}" destId="{493A39AF-1765-4BA6-BF9B-1C504E3D6CD3}" srcOrd="2" destOrd="0" presId="urn:microsoft.com/office/officeart/2005/8/layout/orgChart1"/>
+    <dgm:cxn modelId="{D2A53847-424F-4DC7-AD06-8FDFA1D2F7AC}" type="presParOf" srcId="{26EC8AEF-52B3-4980-81A8-EAAFCAEF0865}" destId="{09595F1B-0B3B-483F-A2C1-5B95AEAFCD61}" srcOrd="2" destOrd="0" presId="urn:microsoft.com/office/officeart/2005/8/layout/orgChart1"/>
+    <dgm:cxn modelId="{10BA721A-D3D6-4343-A549-92C906A1800B}" type="presParOf" srcId="{26EC8AEF-52B3-4980-81A8-EAAFCAEF0865}" destId="{94079DD1-50CF-4693-8CD0-54868F9B2FEC}" srcOrd="3" destOrd="0" presId="urn:microsoft.com/office/officeart/2005/8/layout/orgChart1"/>
+    <dgm:cxn modelId="{CCD0EBF6-10A5-4E0B-A8B2-A29F8BE3698B}" type="presParOf" srcId="{94079DD1-50CF-4693-8CD0-54868F9B2FEC}" destId="{07984D14-0BBC-4A90-87B9-3E8F13A07545}" srcOrd="0" destOrd="0" presId="urn:microsoft.com/office/officeart/2005/8/layout/orgChart1"/>
+    <dgm:cxn modelId="{7B189263-8624-4B16-91A4-E44C305AC225}" type="presParOf" srcId="{07984D14-0BBC-4A90-87B9-3E8F13A07545}" destId="{A4C24BCF-CE9E-4D32-818D-9485AAE6798E}" srcOrd="0" destOrd="0" presId="urn:microsoft.com/office/officeart/2005/8/layout/orgChart1"/>
+    <dgm:cxn modelId="{B3DD115E-6183-4783-85F4-F5CF2D387781}" type="presParOf" srcId="{07984D14-0BBC-4A90-87B9-3E8F13A07545}" destId="{97105F4F-938F-42D4-8DFC-4A62E0C1C127}" srcOrd="1" destOrd="0" presId="urn:microsoft.com/office/officeart/2005/8/layout/orgChart1"/>
+    <dgm:cxn modelId="{25DAD5B1-92E6-4E21-9658-14D09C94603D}" type="presParOf" srcId="{94079DD1-50CF-4693-8CD0-54868F9B2FEC}" destId="{D0FAEE59-EF9F-4915-B6C6-0B3FF615F63D}" srcOrd="1" destOrd="0" presId="urn:microsoft.com/office/officeart/2005/8/layout/orgChart1"/>
+    <dgm:cxn modelId="{F25CE1E2-8242-4FF9-8DC7-471D8BE794D2}" type="presParOf" srcId="{D0FAEE59-EF9F-4915-B6C6-0B3FF615F63D}" destId="{DA03FBC2-FC42-4490-A2BE-9AB1E61F3365}" srcOrd="0" destOrd="0" presId="urn:microsoft.com/office/officeart/2005/8/layout/orgChart1"/>
+    <dgm:cxn modelId="{B95F2ED3-43ED-487E-BC95-9AFC8D9DA91B}" type="presParOf" srcId="{D0FAEE59-EF9F-4915-B6C6-0B3FF615F63D}" destId="{F3451C00-5706-4B8F-8232-E1FD9B9EDD41}" srcOrd="1" destOrd="0" presId="urn:microsoft.com/office/officeart/2005/8/layout/orgChart1"/>
+    <dgm:cxn modelId="{65801F86-5BD4-44C2-A88E-3FC63CE02C5B}" type="presParOf" srcId="{F3451C00-5706-4B8F-8232-E1FD9B9EDD41}" destId="{2CA6695A-968A-4954-AE0D-3DFDD49BE831}" srcOrd="0" destOrd="0" presId="urn:microsoft.com/office/officeart/2005/8/layout/orgChart1"/>
+    <dgm:cxn modelId="{5E28F171-9369-4AAB-9E75-3C3DADA9D0CA}" type="presParOf" srcId="{2CA6695A-968A-4954-AE0D-3DFDD49BE831}" destId="{D8CAD614-A52C-4A14-8BF2-D7A71D675144}" srcOrd="0" destOrd="0" presId="urn:microsoft.com/office/officeart/2005/8/layout/orgChart1"/>
+    <dgm:cxn modelId="{1687D3CB-A7B2-4F76-B70C-1147AEB9825C}" type="presParOf" srcId="{2CA6695A-968A-4954-AE0D-3DFDD49BE831}" destId="{90105FE1-09F3-42F3-A585-FF7680767A56}" srcOrd="1" destOrd="0" presId="urn:microsoft.com/office/officeart/2005/8/layout/orgChart1"/>
+    <dgm:cxn modelId="{E23E0915-D528-4633-BCDE-2F16FEAB33D3}" type="presParOf" srcId="{F3451C00-5706-4B8F-8232-E1FD9B9EDD41}" destId="{3D2B38A2-F1E7-4734-B3B6-4A83ED5F7258}" srcOrd="1" destOrd="0" presId="urn:microsoft.com/office/officeart/2005/8/layout/orgChart1"/>
+    <dgm:cxn modelId="{7A3BEFA5-5C86-4678-B91E-24D1CABC4B97}" type="presParOf" srcId="{F3451C00-5706-4B8F-8232-E1FD9B9EDD41}" destId="{BDDC739C-2A62-4B26-B94E-9C8369EA1998}" srcOrd="2" destOrd="0" presId="urn:microsoft.com/office/officeart/2005/8/layout/orgChart1"/>
+    <dgm:cxn modelId="{5206BF3E-D5A2-457F-BBFE-3AAF77AEE303}" type="presParOf" srcId="{D0FAEE59-EF9F-4915-B6C6-0B3FF615F63D}" destId="{17029296-5C2A-423E-9D77-92A93973D18C}" srcOrd="2" destOrd="0" presId="urn:microsoft.com/office/officeart/2005/8/layout/orgChart1"/>
+    <dgm:cxn modelId="{02E6BD78-3D91-43E3-805C-F6B7B18F7D00}" type="presParOf" srcId="{D0FAEE59-EF9F-4915-B6C6-0B3FF615F63D}" destId="{E52D46DD-3ED4-4667-AFA3-7C43734CB8B5}" srcOrd="3" destOrd="0" presId="urn:microsoft.com/office/officeart/2005/8/layout/orgChart1"/>
+    <dgm:cxn modelId="{4634C6E8-415E-49E1-A8B8-1ECDD46E0386}" type="presParOf" srcId="{E52D46DD-3ED4-4667-AFA3-7C43734CB8B5}" destId="{B37FF254-3900-4098-AD1B-68AD148B9A7C}" srcOrd="0" destOrd="0" presId="urn:microsoft.com/office/officeart/2005/8/layout/orgChart1"/>
+    <dgm:cxn modelId="{38BB5EFD-F167-44DA-ACC4-98A49FE9935E}" type="presParOf" srcId="{B37FF254-3900-4098-AD1B-68AD148B9A7C}" destId="{D422190A-186E-46FA-86B3-E9A331CC9E40}" srcOrd="0" destOrd="0" presId="urn:microsoft.com/office/officeart/2005/8/layout/orgChart1"/>
+    <dgm:cxn modelId="{059F6FEC-2C34-4785-B739-0104DFCF932C}" type="presParOf" srcId="{B37FF254-3900-4098-AD1B-68AD148B9A7C}" destId="{6E228F81-D8D9-4E53-8FC8-302705B4AB23}" srcOrd="1" destOrd="0" presId="urn:microsoft.com/office/officeart/2005/8/layout/orgChart1"/>
+    <dgm:cxn modelId="{DBC864FD-8861-472F-BC5F-BE163542B666}" type="presParOf" srcId="{E52D46DD-3ED4-4667-AFA3-7C43734CB8B5}" destId="{D1583238-F0FA-4142-B75D-5138365757B0}" srcOrd="1" destOrd="0" presId="urn:microsoft.com/office/officeart/2005/8/layout/orgChart1"/>
+    <dgm:cxn modelId="{96F35456-914B-4078-94B6-2837C8AD9A1B}" type="presParOf" srcId="{E52D46DD-3ED4-4667-AFA3-7C43734CB8B5}" destId="{93BE96C1-7BD0-4DB2-825B-B450C3601684}" srcOrd="2" destOrd="0" presId="urn:microsoft.com/office/officeart/2005/8/layout/orgChart1"/>
+    <dgm:cxn modelId="{10686944-74ED-416C-ACC6-7FF64AEA85E5}" type="presParOf" srcId="{D0FAEE59-EF9F-4915-B6C6-0B3FF615F63D}" destId="{94D00011-2418-4EE8-AA9B-9E0E4E6C05D2}" srcOrd="4" destOrd="0" presId="urn:microsoft.com/office/officeart/2005/8/layout/orgChart1"/>
+    <dgm:cxn modelId="{9E194705-EF67-4DA4-ADFD-E52450A2BA9E}" type="presParOf" srcId="{D0FAEE59-EF9F-4915-B6C6-0B3FF615F63D}" destId="{C8472684-65EF-44B3-A76C-AB00E49BA74D}" srcOrd="5" destOrd="0" presId="urn:microsoft.com/office/officeart/2005/8/layout/orgChart1"/>
+    <dgm:cxn modelId="{FCD17CB3-A7DB-41F0-9FBE-8F7BFE2AAD2E}" type="presParOf" srcId="{C8472684-65EF-44B3-A76C-AB00E49BA74D}" destId="{C43AB0FB-16DB-4722-9B90-D36D8F010AA8}" srcOrd="0" destOrd="0" presId="urn:microsoft.com/office/officeart/2005/8/layout/orgChart1"/>
+    <dgm:cxn modelId="{8AFF89D3-1DF7-424F-91E2-5D6CA7DC42E9}" type="presParOf" srcId="{C43AB0FB-16DB-4722-9B90-D36D8F010AA8}" destId="{12744B90-6E26-4685-B445-9602C7DA6F21}" srcOrd="0" destOrd="0" presId="urn:microsoft.com/office/officeart/2005/8/layout/orgChart1"/>
+    <dgm:cxn modelId="{7F843111-50D2-4CF5-961C-39169DE8A365}" type="presParOf" srcId="{C43AB0FB-16DB-4722-9B90-D36D8F010AA8}" destId="{0F9DE019-F216-4A6C-B57F-448A2F88B6EA}" srcOrd="1" destOrd="0" presId="urn:microsoft.com/office/officeart/2005/8/layout/orgChart1"/>
+    <dgm:cxn modelId="{20250437-2532-4EB0-AE5A-D9192A7CA1E5}" type="presParOf" srcId="{C8472684-65EF-44B3-A76C-AB00E49BA74D}" destId="{8332DA7A-E4F2-4052-9942-D3AF3F42B008}" srcOrd="1" destOrd="0" presId="urn:microsoft.com/office/officeart/2005/8/layout/orgChart1"/>
+    <dgm:cxn modelId="{20FBC83B-2395-4E98-8E7B-D34CD11A7F64}" type="presParOf" srcId="{C8472684-65EF-44B3-A76C-AB00E49BA74D}" destId="{E341946E-D299-428E-80BA-EBDF332F07CC}" srcOrd="2" destOrd="0" presId="urn:microsoft.com/office/officeart/2005/8/layout/orgChart1"/>
+    <dgm:cxn modelId="{CBDABB02-7E31-4735-BF3C-46129F409D77}" type="presParOf" srcId="{D0FAEE59-EF9F-4915-B6C6-0B3FF615F63D}" destId="{E230D485-B111-4A88-A96C-DD0742BED87E}" srcOrd="6" destOrd="0" presId="urn:microsoft.com/office/officeart/2005/8/layout/orgChart1"/>
+    <dgm:cxn modelId="{B346B81A-EF05-40E7-818F-8CE2C1E34151}" type="presParOf" srcId="{D0FAEE59-EF9F-4915-B6C6-0B3FF615F63D}" destId="{C80FDE09-57B8-434B-A479-36B4FDB1017A}" srcOrd="7" destOrd="0" presId="urn:microsoft.com/office/officeart/2005/8/layout/orgChart1"/>
+    <dgm:cxn modelId="{62F1F1C0-EB66-4479-8F3A-3212323B94B6}" type="presParOf" srcId="{C80FDE09-57B8-434B-A479-36B4FDB1017A}" destId="{2AC8559E-3D8A-40EB-BF57-A242E790B695}" srcOrd="0" destOrd="0" presId="urn:microsoft.com/office/officeart/2005/8/layout/orgChart1"/>
+    <dgm:cxn modelId="{62026922-1485-4126-86BE-ACB973C5834F}" type="presParOf" srcId="{2AC8559E-3D8A-40EB-BF57-A242E790B695}" destId="{4AA82A2E-4AB3-48FF-AB65-C37006C2F2F7}" srcOrd="0" destOrd="0" presId="urn:microsoft.com/office/officeart/2005/8/layout/orgChart1"/>
+    <dgm:cxn modelId="{BFDD7A09-CF1B-4614-8244-970773D335A5}" type="presParOf" srcId="{2AC8559E-3D8A-40EB-BF57-A242E790B695}" destId="{C97941E5-882C-4F0A-991C-AE7130B81FD5}" srcOrd="1" destOrd="0" presId="urn:microsoft.com/office/officeart/2005/8/layout/orgChart1"/>
+    <dgm:cxn modelId="{8217E45F-3AC7-4D2F-87B3-36866741A573}" type="presParOf" srcId="{C80FDE09-57B8-434B-A479-36B4FDB1017A}" destId="{2344B705-3232-4758-A9B9-AE044D6F9877}" srcOrd="1" destOrd="0" presId="urn:microsoft.com/office/officeart/2005/8/layout/orgChart1"/>
+    <dgm:cxn modelId="{7DD0F560-0557-4AC2-8CFA-7BE60C0188B5}" type="presParOf" srcId="{C80FDE09-57B8-434B-A479-36B4FDB1017A}" destId="{BDBE8402-59DD-445E-BB4E-3AE3110DC734}" srcOrd="2" destOrd="0" presId="urn:microsoft.com/office/officeart/2005/8/layout/orgChart1"/>
+    <dgm:cxn modelId="{279763FE-E757-4F7F-B56E-DED223B63F39}" type="presParOf" srcId="{D0FAEE59-EF9F-4915-B6C6-0B3FF615F63D}" destId="{D41787A0-F2E0-4CED-9130-427670ECE765}" srcOrd="8" destOrd="0" presId="urn:microsoft.com/office/officeart/2005/8/layout/orgChart1"/>
+    <dgm:cxn modelId="{DB3CEBE5-B6E7-46D3-912F-26583C29A17A}" type="presParOf" srcId="{D0FAEE59-EF9F-4915-B6C6-0B3FF615F63D}" destId="{00FEF955-374E-495E-960D-B95C384B9246}" srcOrd="9" destOrd="0" presId="urn:microsoft.com/office/officeart/2005/8/layout/orgChart1"/>
+    <dgm:cxn modelId="{34D39C8F-FBC1-4A91-A6CB-B26FCC852909}" type="presParOf" srcId="{00FEF955-374E-495E-960D-B95C384B9246}" destId="{247F96A0-9190-4762-B16E-CE82A55F6E3A}" srcOrd="0" destOrd="0" presId="urn:microsoft.com/office/officeart/2005/8/layout/orgChart1"/>
+    <dgm:cxn modelId="{A9640F10-3151-435A-B718-BD1A213EED9D}" type="presParOf" srcId="{247F96A0-9190-4762-B16E-CE82A55F6E3A}" destId="{F530A5B0-37B1-4F4D-8797-2AA1FCC5C920}" srcOrd="0" destOrd="0" presId="urn:microsoft.com/office/officeart/2005/8/layout/orgChart1"/>
+    <dgm:cxn modelId="{83F37016-917A-4C20-9EE3-10083A3DEF2B}" type="presParOf" srcId="{247F96A0-9190-4762-B16E-CE82A55F6E3A}" destId="{EDB318A8-D946-4F37-B890-D5B258FDE471}" srcOrd="1" destOrd="0" presId="urn:microsoft.com/office/officeart/2005/8/layout/orgChart1"/>
+    <dgm:cxn modelId="{CC158549-8AEA-4485-BA8C-1655048412A8}" type="presParOf" srcId="{00FEF955-374E-495E-960D-B95C384B9246}" destId="{C1D5CE69-C0D0-4C4E-B637-16DBBDC41D84}" srcOrd="1" destOrd="0" presId="urn:microsoft.com/office/officeart/2005/8/layout/orgChart1"/>
+    <dgm:cxn modelId="{B836BBD9-3782-48DB-A90C-30A0ABBB4F96}" type="presParOf" srcId="{00FEF955-374E-495E-960D-B95C384B9246}" destId="{998891EE-73CF-460F-B0B0-C5B29193B223}" srcOrd="2" destOrd="0" presId="urn:microsoft.com/office/officeart/2005/8/layout/orgChart1"/>
+    <dgm:cxn modelId="{7C8C5CD6-A9F8-40C6-9A09-B99C0009F776}" type="presParOf" srcId="{94079DD1-50CF-4693-8CD0-54868F9B2FEC}" destId="{5C4CC7FA-852F-43E9-952F-0CD013B21C9D}" srcOrd="2" destOrd="0" presId="urn:microsoft.com/office/officeart/2005/8/layout/orgChart1"/>
+    <dgm:cxn modelId="{1820D6C8-9BD1-4147-B61E-1BE1DEF5AA55}" type="presParOf" srcId="{26EC8AEF-52B3-4980-81A8-EAAFCAEF0865}" destId="{5B4A557D-DD40-4BBE-9F9A-42B507EBEB1E}" srcOrd="4" destOrd="0" presId="urn:microsoft.com/office/officeart/2005/8/layout/orgChart1"/>
+    <dgm:cxn modelId="{4B05C9D9-2BCC-4CA4-9941-CAD8B0CF8DA9}" type="presParOf" srcId="{26EC8AEF-52B3-4980-81A8-EAAFCAEF0865}" destId="{7CC3DFE6-41C3-4C77-9713-4DC549792064}" srcOrd="5" destOrd="0" presId="urn:microsoft.com/office/officeart/2005/8/layout/orgChart1"/>
+    <dgm:cxn modelId="{BA57BE3C-666F-46C4-9C3A-714798FF0020}" type="presParOf" srcId="{7CC3DFE6-41C3-4C77-9713-4DC549792064}" destId="{A5201426-47F9-4D79-863D-FD845B859025}" srcOrd="0" destOrd="0" presId="urn:microsoft.com/office/officeart/2005/8/layout/orgChart1"/>
+    <dgm:cxn modelId="{4ADB3FA2-D9C9-46BE-B963-2C2701F97FB9}" type="presParOf" srcId="{A5201426-47F9-4D79-863D-FD845B859025}" destId="{970485CB-6ACC-4C6D-8C6C-B1DAD014F8C6}" srcOrd="0" destOrd="0" presId="urn:microsoft.com/office/officeart/2005/8/layout/orgChart1"/>
+    <dgm:cxn modelId="{7342BBA1-8B75-42B1-907C-B67F2CFBA335}" type="presParOf" srcId="{A5201426-47F9-4D79-863D-FD845B859025}" destId="{2C2F8232-23E5-4430-9644-54188413EB0D}" srcOrd="1" destOrd="0" presId="urn:microsoft.com/office/officeart/2005/8/layout/orgChart1"/>
+    <dgm:cxn modelId="{DCC1B7CD-16B7-4E2F-86CE-70A6E50B3343}" type="presParOf" srcId="{7CC3DFE6-41C3-4C77-9713-4DC549792064}" destId="{E2BD4A40-9973-4A23-B31E-855B44C08988}" srcOrd="1" destOrd="0" presId="urn:microsoft.com/office/officeart/2005/8/layout/orgChart1"/>
+    <dgm:cxn modelId="{6369F43C-23E6-4EE4-84BD-AF7F2888F766}" type="presParOf" srcId="{E2BD4A40-9973-4A23-B31E-855B44C08988}" destId="{23FAAA54-0100-48C8-BFFD-6E4671CEB4C3}" srcOrd="0" destOrd="0" presId="urn:microsoft.com/office/officeart/2005/8/layout/orgChart1"/>
+    <dgm:cxn modelId="{86EF1AE3-FD9A-4CEE-B232-77529AC7266E}" type="presParOf" srcId="{E2BD4A40-9973-4A23-B31E-855B44C08988}" destId="{2AC31327-BAD7-40D3-8D49-9E1D2A9719D6}" srcOrd="1" destOrd="0" presId="urn:microsoft.com/office/officeart/2005/8/layout/orgChart1"/>
+    <dgm:cxn modelId="{3E3957C7-2254-4003-896E-C13CE7EA6FDB}" type="presParOf" srcId="{2AC31327-BAD7-40D3-8D49-9E1D2A9719D6}" destId="{385F05D4-26D4-4C2F-9932-9D9F9764A8C6}" srcOrd="0" destOrd="0" presId="urn:microsoft.com/office/officeart/2005/8/layout/orgChart1"/>
+    <dgm:cxn modelId="{F3D8C754-FF17-4AB8-BFC2-EC95CE2A0867}" type="presParOf" srcId="{385F05D4-26D4-4C2F-9932-9D9F9764A8C6}" destId="{B8CF9A0F-7BA0-4CD0-B393-ADDA59A36C76}" srcOrd="0" destOrd="0" presId="urn:microsoft.com/office/officeart/2005/8/layout/orgChart1"/>
+    <dgm:cxn modelId="{A7E5010E-ED75-4E7C-8AD3-1B1522C03C37}" type="presParOf" srcId="{385F05D4-26D4-4C2F-9932-9D9F9764A8C6}" destId="{EFA0C1BE-D31B-46F7-AA95-A0A3E6CD83CE}" srcOrd="1" destOrd="0" presId="urn:microsoft.com/office/officeart/2005/8/layout/orgChart1"/>
+    <dgm:cxn modelId="{0E57DBC9-3F52-46D4-A249-AC0729169AC7}" type="presParOf" srcId="{2AC31327-BAD7-40D3-8D49-9E1D2A9719D6}" destId="{0A1E143D-E9D3-426D-BAE4-E8C79A0822C6}" srcOrd="1" destOrd="0" presId="urn:microsoft.com/office/officeart/2005/8/layout/orgChart1"/>
+    <dgm:cxn modelId="{06AC8869-5108-4483-B337-18EB3891B744}" type="presParOf" srcId="{2AC31327-BAD7-40D3-8D49-9E1D2A9719D6}" destId="{06A51A16-7D39-4C8E-BA42-D8309A086219}" srcOrd="2" destOrd="0" presId="urn:microsoft.com/office/officeart/2005/8/layout/orgChart1"/>
+    <dgm:cxn modelId="{D9C20218-AC1A-40F3-AB04-58943713C47F}" type="presParOf" srcId="{E2BD4A40-9973-4A23-B31E-855B44C08988}" destId="{7C274F9A-EC11-4B30-B246-B4ECFF4241DC}" srcOrd="2" destOrd="0" presId="urn:microsoft.com/office/officeart/2005/8/layout/orgChart1"/>
+    <dgm:cxn modelId="{F2A88617-B96E-4444-8BEE-091BF66236C0}" type="presParOf" srcId="{E2BD4A40-9973-4A23-B31E-855B44C08988}" destId="{43415332-0928-439A-966B-0F6EF9C92523}" srcOrd="3" destOrd="0" presId="urn:microsoft.com/office/officeart/2005/8/layout/orgChart1"/>
+    <dgm:cxn modelId="{28AB4B4C-77E1-481D-AC5E-2A28271D5411}" type="presParOf" srcId="{43415332-0928-439A-966B-0F6EF9C92523}" destId="{A726A6FB-3BEF-46A7-A04F-E077691FBE22}" srcOrd="0" destOrd="0" presId="urn:microsoft.com/office/officeart/2005/8/layout/orgChart1"/>
+    <dgm:cxn modelId="{0048A8FF-FAB1-4422-927A-D7C9666F5224}" type="presParOf" srcId="{A726A6FB-3BEF-46A7-A04F-E077691FBE22}" destId="{056F1143-BBF7-4A4B-812E-C3DD8D0DDA74}" srcOrd="0" destOrd="0" presId="urn:microsoft.com/office/officeart/2005/8/layout/orgChart1"/>
+    <dgm:cxn modelId="{8F0415D0-1983-4396-9126-40454ECFA956}" type="presParOf" srcId="{A726A6FB-3BEF-46A7-A04F-E077691FBE22}" destId="{FF133AFF-538B-4873-9015-D3AC04DFC09B}" srcOrd="1" destOrd="0" presId="urn:microsoft.com/office/officeart/2005/8/layout/orgChart1"/>
+    <dgm:cxn modelId="{76D78CF8-7822-4C5D-855B-603798117B2B}" type="presParOf" srcId="{43415332-0928-439A-966B-0F6EF9C92523}" destId="{92B4F2E3-E4C5-4E27-BC86-9BD753D8E0E0}" srcOrd="1" destOrd="0" presId="urn:microsoft.com/office/officeart/2005/8/layout/orgChart1"/>
+    <dgm:cxn modelId="{DB028B30-1402-49BD-BCC1-D7CF6987C422}" type="presParOf" srcId="{43415332-0928-439A-966B-0F6EF9C92523}" destId="{1A47D441-1F16-4080-BC44-580D2B5F44B0}" srcOrd="2" destOrd="0" presId="urn:microsoft.com/office/officeart/2005/8/layout/orgChart1"/>
+    <dgm:cxn modelId="{2A6D2C7D-419B-40B3-865E-69284FDEA994}" type="presParOf" srcId="{E2BD4A40-9973-4A23-B31E-855B44C08988}" destId="{E1D219B3-869F-43F9-A6AA-77F54BB208D0}" srcOrd="4" destOrd="0" presId="urn:microsoft.com/office/officeart/2005/8/layout/orgChart1"/>
+    <dgm:cxn modelId="{7A41B94E-AE8D-4914-8669-848C62FFA51E}" type="presParOf" srcId="{E2BD4A40-9973-4A23-B31E-855B44C08988}" destId="{AB3A3D0A-3F31-430C-9D94-3ACDAC6E8D13}" srcOrd="5" destOrd="0" presId="urn:microsoft.com/office/officeart/2005/8/layout/orgChart1"/>
+    <dgm:cxn modelId="{1F11552F-1494-43B8-8EEF-8612645E5BAF}" type="presParOf" srcId="{AB3A3D0A-3F31-430C-9D94-3ACDAC6E8D13}" destId="{204515EC-9947-4E18-A843-1F50D6122CF5}" srcOrd="0" destOrd="0" presId="urn:microsoft.com/office/officeart/2005/8/layout/orgChart1"/>
+    <dgm:cxn modelId="{B6FA2C83-8637-4F05-85E6-DC8C08A53655}" type="presParOf" srcId="{204515EC-9947-4E18-A843-1F50D6122CF5}" destId="{E1027BA3-6DE8-418B-A515-5BD1C7ED37EA}" srcOrd="0" destOrd="0" presId="urn:microsoft.com/office/officeart/2005/8/layout/orgChart1"/>
+    <dgm:cxn modelId="{93BD6EDB-1593-4399-9271-C33520FEB9A1}" type="presParOf" srcId="{204515EC-9947-4E18-A843-1F50D6122CF5}" destId="{B8ED9F53-9F35-4084-A956-6C96E18435C2}" srcOrd="1" destOrd="0" presId="urn:microsoft.com/office/officeart/2005/8/layout/orgChart1"/>
+    <dgm:cxn modelId="{D3CF8FBF-B008-44E9-AC80-88DD36BAED91}" type="presParOf" srcId="{AB3A3D0A-3F31-430C-9D94-3ACDAC6E8D13}" destId="{63FFC293-0970-496E-8403-E0ABA41AC63B}" srcOrd="1" destOrd="0" presId="urn:microsoft.com/office/officeart/2005/8/layout/orgChart1"/>
+    <dgm:cxn modelId="{A20E5E8A-6A1E-44BE-A0E3-0DD7A69EA2AE}" type="presParOf" srcId="{AB3A3D0A-3F31-430C-9D94-3ACDAC6E8D13}" destId="{5A39A333-835B-445C-A538-CB55EE6AD37D}" srcOrd="2" destOrd="0" presId="urn:microsoft.com/office/officeart/2005/8/layout/orgChart1"/>
+    <dgm:cxn modelId="{3163DF9C-D97C-4048-BFA7-C2C0067E3EFA}" type="presParOf" srcId="{E2BD4A40-9973-4A23-B31E-855B44C08988}" destId="{46562903-2430-452E-932C-32DE2B8A3841}" srcOrd="6" destOrd="0" presId="urn:microsoft.com/office/officeart/2005/8/layout/orgChart1"/>
+    <dgm:cxn modelId="{033D9158-9F28-41F0-B120-1C9B0F497D0D}" type="presParOf" srcId="{E2BD4A40-9973-4A23-B31E-855B44C08988}" destId="{5D8BC556-E541-4483-AA59-3C255C30514A}" srcOrd="7" destOrd="0" presId="urn:microsoft.com/office/officeart/2005/8/layout/orgChart1"/>
+    <dgm:cxn modelId="{5278BAEC-0DB3-428B-B5A1-57B1C5FC164F}" type="presParOf" srcId="{5D8BC556-E541-4483-AA59-3C255C30514A}" destId="{72AECB15-4029-47D0-806C-941643A4AD8C}" srcOrd="0" destOrd="0" presId="urn:microsoft.com/office/officeart/2005/8/layout/orgChart1"/>
+    <dgm:cxn modelId="{BBAA321A-8BF8-4494-97AB-E0F444888DC0}" type="presParOf" srcId="{72AECB15-4029-47D0-806C-941643A4AD8C}" destId="{A95E4F7D-8E88-42E0-A055-8A253C7B7B25}" srcOrd="0" destOrd="0" presId="urn:microsoft.com/office/officeart/2005/8/layout/orgChart1"/>
+    <dgm:cxn modelId="{7FED754F-A06B-4659-AA54-968B48CE71C2}" type="presParOf" srcId="{72AECB15-4029-47D0-806C-941643A4AD8C}" destId="{180D74C6-A483-4249-9293-6A5DABF0AC13}" srcOrd="1" destOrd="0" presId="urn:microsoft.com/office/officeart/2005/8/layout/orgChart1"/>
+    <dgm:cxn modelId="{C1CC396F-F202-4158-9292-A4B7CAE91460}" type="presParOf" srcId="{5D8BC556-E541-4483-AA59-3C255C30514A}" destId="{420600E4-9CF9-4A71-A131-2F36F0C72C68}" srcOrd="1" destOrd="0" presId="urn:microsoft.com/office/officeart/2005/8/layout/orgChart1"/>
+    <dgm:cxn modelId="{B473F8BB-69CD-4744-8B8F-E136B4428B42}" type="presParOf" srcId="{5D8BC556-E541-4483-AA59-3C255C30514A}" destId="{3646BE53-F829-4AAC-8F81-3E558B1D6AAF}" srcOrd="2" destOrd="0" presId="urn:microsoft.com/office/officeart/2005/8/layout/orgChart1"/>
+    <dgm:cxn modelId="{E1C6743D-B2C0-4287-9999-9D63C87CB64D}" type="presParOf" srcId="{7CC3DFE6-41C3-4C77-9713-4DC549792064}" destId="{1C50BA8C-831B-4749-A6D6-E1E7D6B3DE44}" srcOrd="2" destOrd="0" presId="urn:microsoft.com/office/officeart/2005/8/layout/orgChart1"/>
+    <dgm:cxn modelId="{0CDE55F1-8201-4937-A5D3-7CCE11DB09EB}" type="presParOf" srcId="{26EC8AEF-52B3-4980-81A8-EAAFCAEF0865}" destId="{504E40EB-3896-45B8-93F9-5247EFAA6EFF}" srcOrd="6" destOrd="0" presId="urn:microsoft.com/office/officeart/2005/8/layout/orgChart1"/>
+    <dgm:cxn modelId="{CF658F72-D8AA-41DA-8D88-FFB26F49FECF}" type="presParOf" srcId="{26EC8AEF-52B3-4980-81A8-EAAFCAEF0865}" destId="{53904112-2948-4575-878C-967327B6E8C3}" srcOrd="7" destOrd="0" presId="urn:microsoft.com/office/officeart/2005/8/layout/orgChart1"/>
+    <dgm:cxn modelId="{A58BC853-F2CA-42BC-917D-83CF3124EDE1}" type="presParOf" srcId="{53904112-2948-4575-878C-967327B6E8C3}" destId="{B8311A83-44B2-4AE7-9407-709820BA105C}" srcOrd="0" destOrd="0" presId="urn:microsoft.com/office/officeart/2005/8/layout/orgChart1"/>
+    <dgm:cxn modelId="{57126F86-241B-4A1A-B60A-D372B75CBF86}" type="presParOf" srcId="{B8311A83-44B2-4AE7-9407-709820BA105C}" destId="{EF927979-326D-4393-B654-0DFB28B9ADD4}" srcOrd="0" destOrd="0" presId="urn:microsoft.com/office/officeart/2005/8/layout/orgChart1"/>
+    <dgm:cxn modelId="{2322E662-076D-41F5-8A70-95CAEB1D115C}" type="presParOf" srcId="{B8311A83-44B2-4AE7-9407-709820BA105C}" destId="{99961120-84E3-4FC7-9791-A2FA3F6FA90C}" srcOrd="1" destOrd="0" presId="urn:microsoft.com/office/officeart/2005/8/layout/orgChart1"/>
+    <dgm:cxn modelId="{3896F1DE-BA21-4F61-BEAD-9FBBB8395182}" type="presParOf" srcId="{53904112-2948-4575-878C-967327B6E8C3}" destId="{E130A7D6-87F7-4C1F-B0C1-F266D08007F9}" srcOrd="1" destOrd="0" presId="urn:microsoft.com/office/officeart/2005/8/layout/orgChart1"/>
+    <dgm:cxn modelId="{2C5A6C4E-6C9A-4F2F-BBDB-26DD24D819B3}" type="presParOf" srcId="{E130A7D6-87F7-4C1F-B0C1-F266D08007F9}" destId="{7081A0C3-F781-4023-B194-D31AD0BB6E42}" srcOrd="0" destOrd="0" presId="urn:microsoft.com/office/officeart/2005/8/layout/orgChart1"/>
+    <dgm:cxn modelId="{3AAC38F2-3FD6-4D1E-A6E0-0BC6091F193D}" type="presParOf" srcId="{E130A7D6-87F7-4C1F-B0C1-F266D08007F9}" destId="{EAFB4B3E-A01C-45A0-A7FC-717589BE9123}" srcOrd="1" destOrd="0" presId="urn:microsoft.com/office/officeart/2005/8/layout/orgChart1"/>
+    <dgm:cxn modelId="{78663A80-5291-4C84-8AC8-2A1224F45C20}" type="presParOf" srcId="{EAFB4B3E-A01C-45A0-A7FC-717589BE9123}" destId="{ED52D115-BCCD-4230-8243-32C8BD94C811}" srcOrd="0" destOrd="0" presId="urn:microsoft.com/office/officeart/2005/8/layout/orgChart1"/>
+    <dgm:cxn modelId="{25CF3D92-516D-441B-B0C7-1F78F40BA221}" type="presParOf" srcId="{ED52D115-BCCD-4230-8243-32C8BD94C811}" destId="{1A96198E-A00E-4944-A86D-5DCA1E3402C6}" srcOrd="0" destOrd="0" presId="urn:microsoft.com/office/officeart/2005/8/layout/orgChart1"/>
+    <dgm:cxn modelId="{9254904A-FF4F-4573-A01F-08B070F4DB9D}" type="presParOf" srcId="{ED52D115-BCCD-4230-8243-32C8BD94C811}" destId="{EB9D133D-845D-427A-A285-DAE0C55A6276}" srcOrd="1" destOrd="0" presId="urn:microsoft.com/office/officeart/2005/8/layout/orgChart1"/>
+    <dgm:cxn modelId="{54FE889A-80B8-441F-A492-81C941D240C6}" type="presParOf" srcId="{EAFB4B3E-A01C-45A0-A7FC-717589BE9123}" destId="{F85D4F07-C87D-43E6-9801-E69D49C7D559}" srcOrd="1" destOrd="0" presId="urn:microsoft.com/office/officeart/2005/8/layout/orgChart1"/>
+    <dgm:cxn modelId="{7CC33ADC-2CEF-433B-BED5-959120C98E8C}" type="presParOf" srcId="{EAFB4B3E-A01C-45A0-A7FC-717589BE9123}" destId="{BA76711F-EC70-4F02-898B-EB8793FA3AAC}" srcOrd="2" destOrd="0" presId="urn:microsoft.com/office/officeart/2005/8/layout/orgChart1"/>
+    <dgm:cxn modelId="{C8F0CEDF-B807-4E29-BBF1-B0180EC09C35}" type="presParOf" srcId="{E130A7D6-87F7-4C1F-B0C1-F266D08007F9}" destId="{895BFF7C-11FF-458B-AAF1-C352BE60F9EF}" srcOrd="2" destOrd="0" presId="urn:microsoft.com/office/officeart/2005/8/layout/orgChart1"/>
+    <dgm:cxn modelId="{540C3B21-5AAE-4A8A-93FE-0C2F1EF29DD5}" type="presParOf" srcId="{E130A7D6-87F7-4C1F-B0C1-F266D08007F9}" destId="{78B258FC-7DA9-4819-9FC1-EA2556179ACA}" srcOrd="3" destOrd="0" presId="urn:microsoft.com/office/officeart/2005/8/layout/orgChart1"/>
+    <dgm:cxn modelId="{9D88AE70-D100-4B5B-BC53-14E12B35956C}" type="presParOf" srcId="{78B258FC-7DA9-4819-9FC1-EA2556179ACA}" destId="{0C36E805-20E7-4F5A-9A8C-3ACB6E98F6DB}" srcOrd="0" destOrd="0" presId="urn:microsoft.com/office/officeart/2005/8/layout/orgChart1"/>
+    <dgm:cxn modelId="{70EF1F4B-E497-43A8-873B-0C236B8F134E}" type="presParOf" srcId="{0C36E805-20E7-4F5A-9A8C-3ACB6E98F6DB}" destId="{46024B26-04FE-4C65-8797-4E756F44950F}" srcOrd="0" destOrd="0" presId="urn:microsoft.com/office/officeart/2005/8/layout/orgChart1"/>
+    <dgm:cxn modelId="{539ECB0D-F02A-4038-A487-20319E774A17}" type="presParOf" srcId="{0C36E805-20E7-4F5A-9A8C-3ACB6E98F6DB}" destId="{75D0F555-AE18-4523-B90B-1DC91BF5B789}" srcOrd="1" destOrd="0" presId="urn:microsoft.com/office/officeart/2005/8/layout/orgChart1"/>
+    <dgm:cxn modelId="{70056C25-78ED-488F-9721-A28081ED6095}" type="presParOf" srcId="{78B258FC-7DA9-4819-9FC1-EA2556179ACA}" destId="{B348C4B2-A121-49F3-8874-D0D16411BBFB}" srcOrd="1" destOrd="0" presId="urn:microsoft.com/office/officeart/2005/8/layout/orgChart1"/>
+    <dgm:cxn modelId="{B8921BD9-3345-43B6-8058-BE9B8600E019}" type="presParOf" srcId="{78B258FC-7DA9-4819-9FC1-EA2556179ACA}" destId="{76B66268-4E6B-4385-B0A5-6891B1916478}" srcOrd="2" destOrd="0" presId="urn:microsoft.com/office/officeart/2005/8/layout/orgChart1"/>
+    <dgm:cxn modelId="{F536B653-C6E2-494A-A515-5EB6CEB1892E}" type="presParOf" srcId="{E130A7D6-87F7-4C1F-B0C1-F266D08007F9}" destId="{1AE0EF21-06C2-4B27-B5BC-E22AF95EC4A9}" srcOrd="4" destOrd="0" presId="urn:microsoft.com/office/officeart/2005/8/layout/orgChart1"/>
+    <dgm:cxn modelId="{DF5D1B50-34F2-4196-B9C2-BA06DDEBB27F}" type="presParOf" srcId="{E130A7D6-87F7-4C1F-B0C1-F266D08007F9}" destId="{DFDDF0EE-9572-4AC1-BB91-45DC9F8A0757}" srcOrd="5" destOrd="0" presId="urn:microsoft.com/office/officeart/2005/8/layout/orgChart1"/>
+    <dgm:cxn modelId="{A6ED0EB2-EEC2-459F-8FDB-DD714F3E321D}" type="presParOf" srcId="{DFDDF0EE-9572-4AC1-BB91-45DC9F8A0757}" destId="{E6BC28F8-0EC6-4356-B22A-C02B701EBA14}" srcOrd="0" destOrd="0" presId="urn:microsoft.com/office/officeart/2005/8/layout/orgChart1"/>
+    <dgm:cxn modelId="{0AAFD988-DA59-41F7-B8E3-3DDF7CE36722}" type="presParOf" srcId="{E6BC28F8-0EC6-4356-B22A-C02B701EBA14}" destId="{C7C20F54-4574-4A2B-9831-5DE68481AF4F}" srcOrd="0" destOrd="0" presId="urn:microsoft.com/office/officeart/2005/8/layout/orgChart1"/>
+    <dgm:cxn modelId="{EF5D6473-A2B3-44F1-ACD0-7E0AC453AA2C}" type="presParOf" srcId="{E6BC28F8-0EC6-4356-B22A-C02B701EBA14}" destId="{D4328132-9542-4C0A-A308-AEB494E8EE03}" srcOrd="1" destOrd="0" presId="urn:microsoft.com/office/officeart/2005/8/layout/orgChart1"/>
+    <dgm:cxn modelId="{CD9CE994-FB20-47A0-B960-1C8FA62F3CE3}" type="presParOf" srcId="{DFDDF0EE-9572-4AC1-BB91-45DC9F8A0757}" destId="{B34B864B-2D3D-48F5-9E6B-599F93432EB3}" srcOrd="1" destOrd="0" presId="urn:microsoft.com/office/officeart/2005/8/layout/orgChart1"/>
+    <dgm:cxn modelId="{96A84A2A-79EC-4294-96E4-7A259439A58C}" type="presParOf" srcId="{DFDDF0EE-9572-4AC1-BB91-45DC9F8A0757}" destId="{BD60DCF5-3F76-44F0-B67F-AF26605755F1}" srcOrd="2" destOrd="0" presId="urn:microsoft.com/office/officeart/2005/8/layout/orgChart1"/>
+    <dgm:cxn modelId="{FF89574E-B242-4DC9-97B0-95D1D17EA68D}" type="presParOf" srcId="{53904112-2948-4575-878C-967327B6E8C3}" destId="{E0312EF6-4FD3-4E81-97DD-9185412690C8}" srcOrd="2" destOrd="0" presId="urn:microsoft.com/office/officeart/2005/8/layout/orgChart1"/>
+    <dgm:cxn modelId="{3716C537-3D4D-4FDA-84DB-BD0F0AA47D30}" type="presParOf" srcId="{26EC8AEF-52B3-4980-81A8-EAAFCAEF0865}" destId="{5886597F-B46E-40F0-8AE5-3FD4817AC1CF}" srcOrd="8" destOrd="0" presId="urn:microsoft.com/office/officeart/2005/8/layout/orgChart1"/>
+    <dgm:cxn modelId="{46291D7C-2432-4744-85BE-0D6A7EA31DFF}" type="presParOf" srcId="{26EC8AEF-52B3-4980-81A8-EAAFCAEF0865}" destId="{9105932C-A0BD-4D5F-8EEE-815AD04CE786}" srcOrd="9" destOrd="0" presId="urn:microsoft.com/office/officeart/2005/8/layout/orgChart1"/>
+    <dgm:cxn modelId="{8E7E8771-330A-481F-BA3C-0705F486F48B}" type="presParOf" srcId="{9105932C-A0BD-4D5F-8EEE-815AD04CE786}" destId="{E814DAD5-48E5-4E8B-88EE-17E60DE5D4E4}" srcOrd="0" destOrd="0" presId="urn:microsoft.com/office/officeart/2005/8/layout/orgChart1"/>
+    <dgm:cxn modelId="{398EF651-DCAC-4B09-80E0-E0FF18E98648}" type="presParOf" srcId="{E814DAD5-48E5-4E8B-88EE-17E60DE5D4E4}" destId="{B60853AC-28B6-4365-97E9-89DDBE56859C}" srcOrd="0" destOrd="0" presId="urn:microsoft.com/office/officeart/2005/8/layout/orgChart1"/>
+    <dgm:cxn modelId="{C3FD4651-DB89-4D20-8B2D-3035C2A553AA}" type="presParOf" srcId="{E814DAD5-48E5-4E8B-88EE-17E60DE5D4E4}" destId="{5BA6B852-4FA0-4DD4-922B-D18E3C425A6B}" srcOrd="1" destOrd="0" presId="urn:microsoft.com/office/officeart/2005/8/layout/orgChart1"/>
+    <dgm:cxn modelId="{FAA4B72F-EAF4-42E6-AD39-1EC9F4F3720D}" type="presParOf" srcId="{9105932C-A0BD-4D5F-8EEE-815AD04CE786}" destId="{EFD6426A-6CC6-4269-BFA2-D01BAA2C347F}" srcOrd="1" destOrd="0" presId="urn:microsoft.com/office/officeart/2005/8/layout/orgChart1"/>
+    <dgm:cxn modelId="{6959AA83-50CB-4EE9-980E-847A0B2CC132}" type="presParOf" srcId="{EFD6426A-6CC6-4269-BFA2-D01BAA2C347F}" destId="{CC637AF8-F27A-417D-B9D2-F055BC172D9F}" srcOrd="0" destOrd="0" presId="urn:microsoft.com/office/officeart/2005/8/layout/orgChart1"/>
+    <dgm:cxn modelId="{0F5D8E2B-A1A1-409B-8443-E0DDEFDD6F2D}" type="presParOf" srcId="{EFD6426A-6CC6-4269-BFA2-D01BAA2C347F}" destId="{F272B2E4-E696-4A7B-A557-DB0F3B33EB9A}" srcOrd="1" destOrd="0" presId="urn:microsoft.com/office/officeart/2005/8/layout/orgChart1"/>
+    <dgm:cxn modelId="{E380FB44-5931-4FE6-A085-6885E0A5B5DE}" type="presParOf" srcId="{F272B2E4-E696-4A7B-A557-DB0F3B33EB9A}" destId="{3E38376F-0ED4-4692-8EBB-F74CB8A4BA63}" srcOrd="0" destOrd="0" presId="urn:microsoft.com/office/officeart/2005/8/layout/orgChart1"/>
+    <dgm:cxn modelId="{88643A72-0541-43BC-9D96-99051E28A0DF}" type="presParOf" srcId="{3E38376F-0ED4-4692-8EBB-F74CB8A4BA63}" destId="{AA4C006E-E1C0-4E2E-8487-F760CBE0755C}" srcOrd="0" destOrd="0" presId="urn:microsoft.com/office/officeart/2005/8/layout/orgChart1"/>
+    <dgm:cxn modelId="{1B31C1BA-8C4E-4DE9-A209-B64DEE194EFB}" type="presParOf" srcId="{3E38376F-0ED4-4692-8EBB-F74CB8A4BA63}" destId="{4E23FE0C-DB42-4982-BEB6-0D1FF126CD52}" srcOrd="1" destOrd="0" presId="urn:microsoft.com/office/officeart/2005/8/layout/orgChart1"/>
+    <dgm:cxn modelId="{DD43914D-5F42-465F-A857-D3A992059CA1}" type="presParOf" srcId="{F272B2E4-E696-4A7B-A557-DB0F3B33EB9A}" destId="{B7F6C065-969B-4FDC-9D3C-59B5E5480DBD}" srcOrd="1" destOrd="0" presId="urn:microsoft.com/office/officeart/2005/8/layout/orgChart1"/>
+    <dgm:cxn modelId="{2FDA02E1-267F-4798-BF9C-5ABFBE40E500}" type="presParOf" srcId="{F272B2E4-E696-4A7B-A557-DB0F3B33EB9A}" destId="{F82132FF-E715-468D-9CCC-B80574DCF42F}" srcOrd="2" destOrd="0" presId="urn:microsoft.com/office/officeart/2005/8/layout/orgChart1"/>
+    <dgm:cxn modelId="{FB8485A3-E47F-4610-8314-97322F4E18D3}" type="presParOf" srcId="{EFD6426A-6CC6-4269-BFA2-D01BAA2C347F}" destId="{94AD4ABF-2DC4-4B30-95B1-706824D53CD7}" srcOrd="2" destOrd="0" presId="urn:microsoft.com/office/officeart/2005/8/layout/orgChart1"/>
+    <dgm:cxn modelId="{29167E9F-6CCB-4B10-B85F-92B5FEC67529}" type="presParOf" srcId="{EFD6426A-6CC6-4269-BFA2-D01BAA2C347F}" destId="{69103E4D-BC1C-41E2-AAFC-BCF5CF793315}" srcOrd="3" destOrd="0" presId="urn:microsoft.com/office/officeart/2005/8/layout/orgChart1"/>
+    <dgm:cxn modelId="{0751AB49-712F-48AF-8CF8-E7B07F2B4AFD}" type="presParOf" srcId="{69103E4D-BC1C-41E2-AAFC-BCF5CF793315}" destId="{BF4FC679-F83D-499A-BDCF-06E03B60B85B}" srcOrd="0" destOrd="0" presId="urn:microsoft.com/office/officeart/2005/8/layout/orgChart1"/>
+    <dgm:cxn modelId="{2A8D209E-BDAF-47F4-AE2E-FFB2C8385A67}" type="presParOf" srcId="{BF4FC679-F83D-499A-BDCF-06E03B60B85B}" destId="{FCD98E51-7B73-4888-93C0-4FAB860964EB}" srcOrd="0" destOrd="0" presId="urn:microsoft.com/office/officeart/2005/8/layout/orgChart1"/>
+    <dgm:cxn modelId="{BA4B0382-6479-442E-9DC5-C99595A6F391}" type="presParOf" srcId="{BF4FC679-F83D-499A-BDCF-06E03B60B85B}" destId="{5F1C8E07-5DF2-49AC-AC34-531B16AE5204}" srcOrd="1" destOrd="0" presId="urn:microsoft.com/office/officeart/2005/8/layout/orgChart1"/>
+    <dgm:cxn modelId="{E5266EFD-1B1E-4A35-B225-CBC4C3E2A56D}" type="presParOf" srcId="{69103E4D-BC1C-41E2-AAFC-BCF5CF793315}" destId="{AB4ECA02-09EE-4DD6-9855-6D51D25C8BC3}" srcOrd="1" destOrd="0" presId="urn:microsoft.com/office/officeart/2005/8/layout/orgChart1"/>
+    <dgm:cxn modelId="{24AC0BB9-7B02-44B4-AA3F-FE6A2D691A3E}" type="presParOf" srcId="{69103E4D-BC1C-41E2-AAFC-BCF5CF793315}" destId="{D1DACF25-BE9E-47A2-B554-368E5324422F}" srcOrd="2" destOrd="0" presId="urn:microsoft.com/office/officeart/2005/8/layout/orgChart1"/>
+    <dgm:cxn modelId="{98ADD68D-A7FD-4253-82EF-67668447113F}" type="presParOf" srcId="{EFD6426A-6CC6-4269-BFA2-D01BAA2C347F}" destId="{A8F92E30-154D-4E03-A76A-CD4675B262AC}" srcOrd="4" destOrd="0" presId="urn:microsoft.com/office/officeart/2005/8/layout/orgChart1"/>
+    <dgm:cxn modelId="{72E480F2-8BAB-4B4A-870A-DA6CB4D66FF5}" type="presParOf" srcId="{EFD6426A-6CC6-4269-BFA2-D01BAA2C347F}" destId="{76243080-3A60-4EA0-85F4-67C0BEE4180C}" srcOrd="5" destOrd="0" presId="urn:microsoft.com/office/officeart/2005/8/layout/orgChart1"/>
+    <dgm:cxn modelId="{ECFE9915-74EB-462C-95D1-540BDACF3C51}" type="presParOf" srcId="{76243080-3A60-4EA0-85F4-67C0BEE4180C}" destId="{F218517B-203A-4225-A0BC-D230E245A0DC}" srcOrd="0" destOrd="0" presId="urn:microsoft.com/office/officeart/2005/8/layout/orgChart1"/>
+    <dgm:cxn modelId="{3E9DD047-FABC-4CF6-A2FC-5CEF082EF6E7}" type="presParOf" srcId="{F218517B-203A-4225-A0BC-D230E245A0DC}" destId="{FE378B94-6331-4C3A-94DD-E7F673FA68EB}" srcOrd="0" destOrd="0" presId="urn:microsoft.com/office/officeart/2005/8/layout/orgChart1"/>
+    <dgm:cxn modelId="{846CEF19-E36F-43DF-B380-A4298C768C81}" type="presParOf" srcId="{F218517B-203A-4225-A0BC-D230E245A0DC}" destId="{1196F333-92BD-43D2-8F49-DC8656CA9FCF}" srcOrd="1" destOrd="0" presId="urn:microsoft.com/office/officeart/2005/8/layout/orgChart1"/>
+    <dgm:cxn modelId="{AA9C6B8D-DD18-4131-899D-CA799C6CDD5D}" type="presParOf" srcId="{76243080-3A60-4EA0-85F4-67C0BEE4180C}" destId="{D279D81E-CA41-4546-98A1-2CA8EAC32B2F}" srcOrd="1" destOrd="0" presId="urn:microsoft.com/office/officeart/2005/8/layout/orgChart1"/>
+    <dgm:cxn modelId="{545FEAAE-0E8A-44FD-90E8-5B244C92DE65}" type="presParOf" srcId="{76243080-3A60-4EA0-85F4-67C0BEE4180C}" destId="{50C6D53B-5A34-4058-98A2-383C20DE253D}" srcOrd="2" destOrd="0" presId="urn:microsoft.com/office/officeart/2005/8/layout/orgChart1"/>
+    <dgm:cxn modelId="{79A0E26D-5DDF-454B-88EE-0E1CD6FD58E1}" type="presParOf" srcId="{EFD6426A-6CC6-4269-BFA2-D01BAA2C347F}" destId="{3E38BFA6-7956-4F34-8EE2-0862AEF4F3BB}" srcOrd="6" destOrd="0" presId="urn:microsoft.com/office/officeart/2005/8/layout/orgChart1"/>
+    <dgm:cxn modelId="{2D864C51-B990-4EFF-B3D6-54389178424C}" type="presParOf" srcId="{EFD6426A-6CC6-4269-BFA2-D01BAA2C347F}" destId="{FA79E973-73A6-4EDD-A8D0-F54C2D2DFA2D}" srcOrd="7" destOrd="0" presId="urn:microsoft.com/office/officeart/2005/8/layout/orgChart1"/>
+    <dgm:cxn modelId="{13EFC842-BBA7-4503-BC46-AB0523C5195A}" type="presParOf" srcId="{FA79E973-73A6-4EDD-A8D0-F54C2D2DFA2D}" destId="{720D85E0-AEAB-48B0-825C-9C4735E34A9A}" srcOrd="0" destOrd="0" presId="urn:microsoft.com/office/officeart/2005/8/layout/orgChart1"/>
+    <dgm:cxn modelId="{802DC845-8366-41C7-ABE4-37D4F07C0FE2}" type="presParOf" srcId="{720D85E0-AEAB-48B0-825C-9C4735E34A9A}" destId="{B1747FAB-9757-4403-88D3-B628A2EA49C4}" srcOrd="0" destOrd="0" presId="urn:microsoft.com/office/officeart/2005/8/layout/orgChart1"/>
+    <dgm:cxn modelId="{FAECD54D-FB31-41C6-BF37-1D970B19C6D3}" type="presParOf" srcId="{720D85E0-AEAB-48B0-825C-9C4735E34A9A}" destId="{F5C397A4-F490-4B8F-97BA-73E9DE1933A9}" srcOrd="1" destOrd="0" presId="urn:microsoft.com/office/officeart/2005/8/layout/orgChart1"/>
+    <dgm:cxn modelId="{FFDD8A2B-905A-4677-B773-64C2FCB79D7D}" type="presParOf" srcId="{FA79E973-73A6-4EDD-A8D0-F54C2D2DFA2D}" destId="{3A45910B-CF12-4FF2-AC04-D74E5D8BA387}" srcOrd="1" destOrd="0" presId="urn:microsoft.com/office/officeart/2005/8/layout/orgChart1"/>
+    <dgm:cxn modelId="{695FB81D-AF66-4310-81DA-41110439F3F5}" type="presParOf" srcId="{FA79E973-73A6-4EDD-A8D0-F54C2D2DFA2D}" destId="{5531445C-8450-48F7-A38C-E1E8ED861A34}" srcOrd="2" destOrd="0" presId="urn:microsoft.com/office/officeart/2005/8/layout/orgChart1"/>
+    <dgm:cxn modelId="{29538ED3-9F34-43F6-9904-9EC55DCF7DC1}" type="presParOf" srcId="{9105932C-A0BD-4D5F-8EEE-815AD04CE786}" destId="{4968F670-451E-4838-BA29-7E2D3E82B1D2}" srcOrd="2" destOrd="0" presId="urn:microsoft.com/office/officeart/2005/8/layout/orgChart1"/>
+    <dgm:cxn modelId="{E6B4CB82-500E-47C3-BB64-76F5737322C8}" type="presParOf" srcId="{26EC8AEF-52B3-4980-81A8-EAAFCAEF0865}" destId="{DF696DC8-7E95-4094-82B8-917C9C0B61E8}" srcOrd="10" destOrd="0" presId="urn:microsoft.com/office/officeart/2005/8/layout/orgChart1"/>
+    <dgm:cxn modelId="{BD2D32AB-7796-42D7-9F5F-87AE29838725}" type="presParOf" srcId="{26EC8AEF-52B3-4980-81A8-EAAFCAEF0865}" destId="{414736A5-4082-43CA-A723-5EC6AD60784B}" srcOrd="11" destOrd="0" presId="urn:microsoft.com/office/officeart/2005/8/layout/orgChart1"/>
+    <dgm:cxn modelId="{B3FB63D3-7652-48E4-BBEE-B1C6B48D03B7}" type="presParOf" srcId="{414736A5-4082-43CA-A723-5EC6AD60784B}" destId="{5415A0E7-1C05-4958-AC17-27DEEDA21738}" srcOrd="0" destOrd="0" presId="urn:microsoft.com/office/officeart/2005/8/layout/orgChart1"/>
+    <dgm:cxn modelId="{57E9A3E1-15AC-462B-ACD8-81E680166739}" type="presParOf" srcId="{5415A0E7-1C05-4958-AC17-27DEEDA21738}" destId="{438D1070-C0A6-4086-98E9-E16A6C5C0A6A}" srcOrd="0" destOrd="0" presId="urn:microsoft.com/office/officeart/2005/8/layout/orgChart1"/>
+    <dgm:cxn modelId="{D52F8AC7-8965-42CF-8222-3A017DC0DA3B}" type="presParOf" srcId="{5415A0E7-1C05-4958-AC17-27DEEDA21738}" destId="{568F313F-BFFD-4409-A0F7-C318A2E10922}" srcOrd="1" destOrd="0" presId="urn:microsoft.com/office/officeart/2005/8/layout/orgChart1"/>
+    <dgm:cxn modelId="{A67F7DCB-5BC3-45AF-B7DA-AE4A795EC08A}" type="presParOf" srcId="{414736A5-4082-43CA-A723-5EC6AD60784B}" destId="{A6BF6BFE-1B24-4818-8536-3BA3590299D7}" srcOrd="1" destOrd="0" presId="urn:microsoft.com/office/officeart/2005/8/layout/orgChart1"/>
+    <dgm:cxn modelId="{0CC806E8-7263-4063-B2D5-19E90C673D9B}" type="presParOf" srcId="{A6BF6BFE-1B24-4818-8536-3BA3590299D7}" destId="{1EAC204C-1BE3-44A7-BA19-B48A9F8CDDF7}" srcOrd="0" destOrd="0" presId="urn:microsoft.com/office/officeart/2005/8/layout/orgChart1"/>
+    <dgm:cxn modelId="{EFCA6A3E-B5EE-46EA-A442-6193AE52F057}" type="presParOf" srcId="{A6BF6BFE-1B24-4818-8536-3BA3590299D7}" destId="{782A34B7-500B-4764-A9F4-B5C43ED4EB07}" srcOrd="1" destOrd="0" presId="urn:microsoft.com/office/officeart/2005/8/layout/orgChart1"/>
+    <dgm:cxn modelId="{203BCD1B-1635-40B7-BC59-17FAA8E1742C}" type="presParOf" srcId="{782A34B7-500B-4764-A9F4-B5C43ED4EB07}" destId="{EED1CA04-75D7-41D9-A8A3-C7AC40A9FC6D}" srcOrd="0" destOrd="0" presId="urn:microsoft.com/office/officeart/2005/8/layout/orgChart1"/>
+    <dgm:cxn modelId="{77B8FD64-F4FF-4C20-A7BD-F44D17E7443E}" type="presParOf" srcId="{EED1CA04-75D7-41D9-A8A3-C7AC40A9FC6D}" destId="{5AAEF3F7-8FEB-477F-A38B-3B55816DB0A1}" srcOrd="0" destOrd="0" presId="urn:microsoft.com/office/officeart/2005/8/layout/orgChart1"/>
+    <dgm:cxn modelId="{B47950B6-C16B-4181-AA35-BFF0443B7140}" type="presParOf" srcId="{EED1CA04-75D7-41D9-A8A3-C7AC40A9FC6D}" destId="{FA29ED0B-9C1E-4A6E-9575-26AC9A21EF20}" srcOrd="1" destOrd="0" presId="urn:microsoft.com/office/officeart/2005/8/layout/orgChart1"/>
+    <dgm:cxn modelId="{2723C6E1-E1E2-4F67-B197-6B1FB1C2A239}" type="presParOf" srcId="{782A34B7-500B-4764-A9F4-B5C43ED4EB07}" destId="{80C6660A-7CFB-4B07-8D18-3BFAFCEED053}" srcOrd="1" destOrd="0" presId="urn:microsoft.com/office/officeart/2005/8/layout/orgChart1"/>
+    <dgm:cxn modelId="{2B05069F-C725-4E1A-A09E-BEA4135C5534}" type="presParOf" srcId="{782A34B7-500B-4764-A9F4-B5C43ED4EB07}" destId="{1104CF48-4AF2-4685-8D17-25812A2F3A93}" srcOrd="2" destOrd="0" presId="urn:microsoft.com/office/officeart/2005/8/layout/orgChart1"/>
+    <dgm:cxn modelId="{BCC8209A-24F9-4BBC-BEE3-BB50DB0AB7D1}" type="presParOf" srcId="{414736A5-4082-43CA-A723-5EC6AD60784B}" destId="{7C484BC4-FF43-4033-888A-92039B25E6EB}" srcOrd="2" destOrd="0" presId="urn:microsoft.com/office/officeart/2005/8/layout/orgChart1"/>
+    <dgm:cxn modelId="{7C322036-69AC-402E-A957-0F851E085898}" type="presParOf" srcId="{26EC8AEF-52B3-4980-81A8-EAAFCAEF0865}" destId="{2E10168B-A4D6-4631-B691-B8ABCB42FAB7}" srcOrd="12" destOrd="0" presId="urn:microsoft.com/office/officeart/2005/8/layout/orgChart1"/>
+    <dgm:cxn modelId="{6537E6D8-FB77-46F6-83FA-FBEC9D2B12E4}" type="presParOf" srcId="{26EC8AEF-52B3-4980-81A8-EAAFCAEF0865}" destId="{4EF7A2B1-8407-45F7-8F5B-C91EF6FEE9EE}" srcOrd="13" destOrd="0" presId="urn:microsoft.com/office/officeart/2005/8/layout/orgChart1"/>
+    <dgm:cxn modelId="{056BA85E-06DC-4EB0-846B-199AF3B07202}" type="presParOf" srcId="{4EF7A2B1-8407-45F7-8F5B-C91EF6FEE9EE}" destId="{A816BFC2-B898-44F8-AEA5-5A0BF152C890}" srcOrd="0" destOrd="0" presId="urn:microsoft.com/office/officeart/2005/8/layout/orgChart1"/>
+    <dgm:cxn modelId="{72FE05C6-2A5B-4B48-B2B7-3186C4C53F1A}" type="presParOf" srcId="{A816BFC2-B898-44F8-AEA5-5A0BF152C890}" destId="{D29A2811-3445-4FD9-B94E-CD2C6AEC05B8}" srcOrd="0" destOrd="0" presId="urn:microsoft.com/office/officeart/2005/8/layout/orgChart1"/>
+    <dgm:cxn modelId="{5B3A1335-9312-44F6-BEE3-5D42A96C8129}" type="presParOf" srcId="{A816BFC2-B898-44F8-AEA5-5A0BF152C890}" destId="{00B679BF-EBB1-47D2-BB6F-3082F8026CF0}" srcOrd="1" destOrd="0" presId="urn:microsoft.com/office/officeart/2005/8/layout/orgChart1"/>
+    <dgm:cxn modelId="{9FF2EF8D-DF11-46B3-999B-AC04B080FD33}" type="presParOf" srcId="{4EF7A2B1-8407-45F7-8F5B-C91EF6FEE9EE}" destId="{21890D7B-790C-423D-B9EF-BE2537CB97BE}" srcOrd="1" destOrd="0" presId="urn:microsoft.com/office/officeart/2005/8/layout/orgChart1"/>
+    <dgm:cxn modelId="{3E0C0CBD-6B9A-4A3C-8963-BA6ED5218D95}" type="presParOf" srcId="{21890D7B-790C-423D-B9EF-BE2537CB97BE}" destId="{B95F85D9-A2F0-49C9-A642-F8E7D4929844}" srcOrd="0" destOrd="0" presId="urn:microsoft.com/office/officeart/2005/8/layout/orgChart1"/>
+    <dgm:cxn modelId="{F28E6C49-DF5E-469B-9637-F46D8789D16F}" type="presParOf" srcId="{21890D7B-790C-423D-B9EF-BE2537CB97BE}" destId="{32765C0A-36CE-448C-9BDA-F8AF39237AB2}" srcOrd="1" destOrd="0" presId="urn:microsoft.com/office/officeart/2005/8/layout/orgChart1"/>
+    <dgm:cxn modelId="{2EDD3FB2-3B82-4F20-A66A-002ECD3F1469}" type="presParOf" srcId="{32765C0A-36CE-448C-9BDA-F8AF39237AB2}" destId="{B5AE7CE6-7DD5-4736-83AB-9D3692CECE4B}" srcOrd="0" destOrd="0" presId="urn:microsoft.com/office/officeart/2005/8/layout/orgChart1"/>
+    <dgm:cxn modelId="{7F97ECFC-BB79-4116-BBAE-63BBA5E3A7C6}" type="presParOf" srcId="{B5AE7CE6-7DD5-4736-83AB-9D3692CECE4B}" destId="{035DD26F-AFC0-4DAC-B14D-D93A152B5C88}" srcOrd="0" destOrd="0" presId="urn:microsoft.com/office/officeart/2005/8/layout/orgChart1"/>
+    <dgm:cxn modelId="{671905FC-AF9D-46C7-9986-34EC3E555876}" type="presParOf" srcId="{B5AE7CE6-7DD5-4736-83AB-9D3692CECE4B}" destId="{30F2B008-B3FF-44E8-BCCA-DB1AA9B47524}" srcOrd="1" destOrd="0" presId="urn:microsoft.com/office/officeart/2005/8/layout/orgChart1"/>
+    <dgm:cxn modelId="{530764B8-51E4-47C1-9C50-2DC9BD1416C9}" type="presParOf" srcId="{32765C0A-36CE-448C-9BDA-F8AF39237AB2}" destId="{277044BC-63BE-4A98-BF91-362C0D5E3A24}" srcOrd="1" destOrd="0" presId="urn:microsoft.com/office/officeart/2005/8/layout/orgChart1"/>
+    <dgm:cxn modelId="{E2555484-D891-4D89-BC67-724C75960644}" type="presParOf" srcId="{32765C0A-36CE-448C-9BDA-F8AF39237AB2}" destId="{742BAF24-C5AB-4DF0-BF8C-D305F18B055C}" srcOrd="2" destOrd="0" presId="urn:microsoft.com/office/officeart/2005/8/layout/orgChart1"/>
+    <dgm:cxn modelId="{D0421397-F3F1-41F5-92A3-0349CD9ECE3B}" type="presParOf" srcId="{21890D7B-790C-423D-B9EF-BE2537CB97BE}" destId="{D76DDAD2-839A-4655-9F03-B953223CED8A}" srcOrd="2" destOrd="0" presId="urn:microsoft.com/office/officeart/2005/8/layout/orgChart1"/>
+    <dgm:cxn modelId="{E835841C-8ABB-4615-8C4E-E4EA19774642}" type="presParOf" srcId="{21890D7B-790C-423D-B9EF-BE2537CB97BE}" destId="{C9DC3292-ECCF-4E74-81F1-9C571C05B69D}" srcOrd="3" destOrd="0" presId="urn:microsoft.com/office/officeart/2005/8/layout/orgChart1"/>
+    <dgm:cxn modelId="{B2FEF171-963A-4D9E-B67E-3DCB44B85243}" type="presParOf" srcId="{C9DC3292-ECCF-4E74-81F1-9C571C05B69D}" destId="{26FAB1E1-8EBF-42E7-8B0C-C72F626F4C77}" srcOrd="0" destOrd="0" presId="urn:microsoft.com/office/officeart/2005/8/layout/orgChart1"/>
+    <dgm:cxn modelId="{CCABFF63-27B7-4E9A-95CB-CCD30C71757D}" type="presParOf" srcId="{26FAB1E1-8EBF-42E7-8B0C-C72F626F4C77}" destId="{8C9A4ED2-5B8C-4D39-BB37-0DCDBF368A5C}" srcOrd="0" destOrd="0" presId="urn:microsoft.com/office/officeart/2005/8/layout/orgChart1"/>
+    <dgm:cxn modelId="{DAA5D69C-0BD2-455E-A19A-B21E66CE3D3D}" type="presParOf" srcId="{26FAB1E1-8EBF-42E7-8B0C-C72F626F4C77}" destId="{7DC63A10-4951-4821-B724-7DA2A45E3D77}" srcOrd="1" destOrd="0" presId="urn:microsoft.com/office/officeart/2005/8/layout/orgChart1"/>
+    <dgm:cxn modelId="{06AF1F11-8FD6-4BC7-982B-78AE7BC54524}" type="presParOf" srcId="{C9DC3292-ECCF-4E74-81F1-9C571C05B69D}" destId="{946ED2D1-FC92-4DF9-9175-7CB699B83001}" srcOrd="1" destOrd="0" presId="urn:microsoft.com/office/officeart/2005/8/layout/orgChart1"/>
+    <dgm:cxn modelId="{D4501C40-D544-4D31-ACE7-D286FDD52F9E}" type="presParOf" srcId="{C9DC3292-ECCF-4E74-81F1-9C571C05B69D}" destId="{DBA0C00C-43C0-4F7D-BB56-2F10A050D5B9}" srcOrd="2" destOrd="0" presId="urn:microsoft.com/office/officeart/2005/8/layout/orgChart1"/>
+    <dgm:cxn modelId="{67362D41-A8BC-405A-AB9B-D61B05542DF4}" type="presParOf" srcId="{21890D7B-790C-423D-B9EF-BE2537CB97BE}" destId="{239DC3CD-320F-4528-964B-A55C0FEA7F0F}" srcOrd="4" destOrd="0" presId="urn:microsoft.com/office/officeart/2005/8/layout/orgChart1"/>
+    <dgm:cxn modelId="{8E70FC34-DA01-44C1-9AB9-D98666FE4A5B}" type="presParOf" srcId="{21890D7B-790C-423D-B9EF-BE2537CB97BE}" destId="{0B24F572-F5C9-4C06-B3EF-B0BA2A61E98E}" srcOrd="5" destOrd="0" presId="urn:microsoft.com/office/officeart/2005/8/layout/orgChart1"/>
+    <dgm:cxn modelId="{8F083F20-F38A-4638-8596-1619F8EE5D69}" type="presParOf" srcId="{0B24F572-F5C9-4C06-B3EF-B0BA2A61E98E}" destId="{B34AF406-707F-412E-9CC1-8C55E5DC2D8B}" srcOrd="0" destOrd="0" presId="urn:microsoft.com/office/officeart/2005/8/layout/orgChart1"/>
+    <dgm:cxn modelId="{848F589B-8405-46F2-AEA9-03E52BD969C0}" type="presParOf" srcId="{B34AF406-707F-412E-9CC1-8C55E5DC2D8B}" destId="{1E42B8D4-E8B2-4294-B101-56747C791EB9}" srcOrd="0" destOrd="0" presId="urn:microsoft.com/office/officeart/2005/8/layout/orgChart1"/>
+    <dgm:cxn modelId="{CAF4559B-6DCD-4691-BD45-7121202FAC0C}" type="presParOf" srcId="{B34AF406-707F-412E-9CC1-8C55E5DC2D8B}" destId="{4951E13E-9D35-4ADC-B42F-33A611431C42}" srcOrd="1" destOrd="0" presId="urn:microsoft.com/office/officeart/2005/8/layout/orgChart1"/>
+    <dgm:cxn modelId="{1A507997-9BB7-4A35-9F27-E07DB0AE096D}" type="presParOf" srcId="{0B24F572-F5C9-4C06-B3EF-B0BA2A61E98E}" destId="{6046F9C2-22F8-42CB-A218-EDC0DAB0CBC4}" srcOrd="1" destOrd="0" presId="urn:microsoft.com/office/officeart/2005/8/layout/orgChart1"/>
+    <dgm:cxn modelId="{53A28BE9-47FC-4934-820D-F9837AD12978}" type="presParOf" srcId="{0B24F572-F5C9-4C06-B3EF-B0BA2A61E98E}" destId="{3EF1043B-42D9-4DF9-BAFD-03C041930C79}" srcOrd="2" destOrd="0" presId="urn:microsoft.com/office/officeart/2005/8/layout/orgChart1"/>
+    <dgm:cxn modelId="{62D90AB9-38FA-4520-8569-9BB967EED12A}" type="presParOf" srcId="{21890D7B-790C-423D-B9EF-BE2537CB97BE}" destId="{E5A92260-CF90-4248-90F6-5533758163B9}" srcOrd="6" destOrd="0" presId="urn:microsoft.com/office/officeart/2005/8/layout/orgChart1"/>
+    <dgm:cxn modelId="{65341D85-8AFE-47E1-A080-650593F4FB70}" type="presParOf" srcId="{21890D7B-790C-423D-B9EF-BE2537CB97BE}" destId="{4EA452B2-ED18-4ACC-9749-D922E5F58F71}" srcOrd="7" destOrd="0" presId="urn:microsoft.com/office/officeart/2005/8/layout/orgChart1"/>
+    <dgm:cxn modelId="{C08668AE-F1C8-44BA-AA50-4B2CC1DCC3C9}" type="presParOf" srcId="{4EA452B2-ED18-4ACC-9749-D922E5F58F71}" destId="{809365FF-AAED-48BC-B466-828DDB843986}" srcOrd="0" destOrd="0" presId="urn:microsoft.com/office/officeart/2005/8/layout/orgChart1"/>
+    <dgm:cxn modelId="{485E6FB6-2414-4C83-9FC2-AE8346F26AF2}" type="presParOf" srcId="{809365FF-AAED-48BC-B466-828DDB843986}" destId="{BB258984-BEEA-4B40-98D4-CDF258E4FB03}" srcOrd="0" destOrd="0" presId="urn:microsoft.com/office/officeart/2005/8/layout/orgChart1"/>
+    <dgm:cxn modelId="{9A1EBBF1-E81C-494F-AA28-AEED514E87EC}" type="presParOf" srcId="{809365FF-AAED-48BC-B466-828DDB843986}" destId="{1808DEEA-AAD8-43FD-84EC-ECB63076129A}" srcOrd="1" destOrd="0" presId="urn:microsoft.com/office/officeart/2005/8/layout/orgChart1"/>
+    <dgm:cxn modelId="{DD264C06-1F0B-4131-AC41-C963CBB4177B}" type="presParOf" srcId="{4EA452B2-ED18-4ACC-9749-D922E5F58F71}" destId="{46376A91-C035-41CC-B289-DD7FABB5A96F}" srcOrd="1" destOrd="0" presId="urn:microsoft.com/office/officeart/2005/8/layout/orgChart1"/>
+    <dgm:cxn modelId="{00B44C39-8DC1-4E63-B90F-43B367094A27}" type="presParOf" srcId="{4EA452B2-ED18-4ACC-9749-D922E5F58F71}" destId="{86B1667D-432F-4A54-962B-3A4EE99CD604}" srcOrd="2" destOrd="0" presId="urn:microsoft.com/office/officeart/2005/8/layout/orgChart1"/>
+    <dgm:cxn modelId="{AA6BCD2F-AD5F-4CF5-B9DB-975AE7BA0C87}" type="presParOf" srcId="{4EF7A2B1-8407-45F7-8F5B-C91EF6FEE9EE}" destId="{AAED2824-191D-48D2-A5A5-0A13E9DAD379}" srcOrd="2" destOrd="0" presId="urn:microsoft.com/office/officeart/2005/8/layout/orgChart1"/>
+    <dgm:cxn modelId="{2580DE69-E3F5-4B4B-BBF8-167A2339476C}" type="presParOf" srcId="{A682415C-7DD9-49E6-BF04-72D535CFF0C0}" destId="{3DE7CEE9-37CB-40DE-8E1F-1607E656972A}" srcOrd="2" destOrd="0" presId="urn:microsoft.com/office/officeart/2005/8/layout/orgChart1"/>
   </dgm:cxnLst>
   <dgm:bg>
     <a:noFill/>
@@ -5934,14 +5928,14 @@
   </dgm:whole>
   <dgm:extLst>
     <a:ext uri="http://schemas.microsoft.com/office/drawing/2008/diagram">
-      <dsp:dataModelExt xmlns:dsp="http://schemas.microsoft.com/office/drawing/2008/diagram" xmlns="" relId="rId6" minVer="http://schemas.openxmlformats.org/drawingml/2006/diagram"/>
+      <dsp:dataModelExt xmlns:dsp="http://schemas.microsoft.com/office/drawing/2008/diagram" relId="rId6" minVer="http://schemas.openxmlformats.org/drawingml/2006/diagram"/>
     </a:ext>
   </dgm:extLst>
 </dgm:dataModel>
 </file>
 
 <file path=ppt/diagrams/drawing1.xml><?xml version="1.0" encoding="utf-8"?>
-<dsp:drawing xmlns:dgm="http://schemas.openxmlformats.org/drawingml/2006/diagram" xmlns:a="http://schemas.openxmlformats.org/drawingml/2006/main" xmlns:dsp="http://schemas.microsoft.com/office/drawing/2008/diagram">
+<dsp:drawing xmlns:dgm="http://schemas.openxmlformats.org/drawingml/2006/diagram" xmlns:dsp="http://schemas.microsoft.com/office/drawing/2008/diagram" xmlns:a="http://schemas.openxmlformats.org/drawingml/2006/main">
   <dsp:spTree>
     <dsp:nvGrpSpPr>
       <dsp:cNvPr id="0" name=""/>
@@ -5955,8 +5949,8 @@
       </dsp:nvSpPr>
       <dsp:spPr>
         <a:xfrm>
-          <a:off x="6729704" y="1876550"/>
-          <a:ext cx="91440" cy="2397625"/>
+          <a:off x="7011961" y="1387413"/>
+          <a:ext cx="91440" cy="2497508"/>
         </a:xfrm>
         <a:custGeom>
           <a:avLst/>
@@ -5970,10 +5964,10 @@
                 <a:pt x="45720" y="0"/>
               </a:moveTo>
               <a:lnTo>
-                <a:pt x="45720" y="2397625"/>
+                <a:pt x="45720" y="2497508"/>
               </a:lnTo>
               <a:lnTo>
-                <a:pt x="95824" y="2397625"/>
+                <a:pt x="97912" y="2497508"/>
               </a:lnTo>
             </a:path>
           </a:pathLst>
@@ -6007,8 +6001,8 @@
       </dsp:nvSpPr>
       <dsp:spPr>
         <a:xfrm>
-          <a:off x="6729704" y="1876550"/>
-          <a:ext cx="91440" cy="1855632"/>
+          <a:off x="7011961" y="1387413"/>
+          <a:ext cx="91440" cy="1932935"/>
         </a:xfrm>
         <a:custGeom>
           <a:avLst/>
@@ -6022,10 +6016,10 @@
                 <a:pt x="45720" y="0"/>
               </a:moveTo>
               <a:lnTo>
-                <a:pt x="45720" y="1855632"/>
+                <a:pt x="45720" y="1932935"/>
               </a:lnTo>
               <a:lnTo>
-                <a:pt x="99001" y="1855632"/>
+                <a:pt x="101221" y="1932935"/>
               </a:lnTo>
             </a:path>
           </a:pathLst>
@@ -6067,8 +6061,8 @@
       </dsp:nvSpPr>
       <dsp:spPr>
         <a:xfrm>
-          <a:off x="6729704" y="1876550"/>
-          <a:ext cx="91440" cy="1165904"/>
+          <a:off x="7011961" y="1387413"/>
+          <a:ext cx="91440" cy="1214474"/>
         </a:xfrm>
         <a:custGeom>
           <a:avLst/>
@@ -6082,10 +6076,10 @@
                 <a:pt x="45720" y="0"/>
               </a:moveTo>
               <a:lnTo>
-                <a:pt x="45720" y="1165904"/>
+                <a:pt x="45720" y="1214474"/>
               </a:lnTo>
               <a:lnTo>
-                <a:pt x="99001" y="1165904"/>
+                <a:pt x="101221" y="1214474"/>
               </a:lnTo>
             </a:path>
           </a:pathLst>
@@ -6127,8 +6121,8 @@
       </dsp:nvSpPr>
       <dsp:spPr>
         <a:xfrm>
-          <a:off x="6729704" y="1876550"/>
-          <a:ext cx="91440" cy="476177"/>
+          <a:off x="7011961" y="1387413"/>
+          <a:ext cx="91440" cy="496014"/>
         </a:xfrm>
         <a:custGeom>
           <a:avLst/>
@@ -6142,10 +6136,10 @@
                 <a:pt x="45720" y="0"/>
               </a:moveTo>
               <a:lnTo>
-                <a:pt x="45720" y="476177"/>
+                <a:pt x="45720" y="496014"/>
               </a:lnTo>
               <a:lnTo>
-                <a:pt x="99001" y="476177"/>
+                <a:pt x="101221" y="496014"/>
               </a:lnTo>
             </a:path>
           </a:pathLst>
@@ -6187,8 +6181,8 @@
       </dsp:nvSpPr>
       <dsp:spPr>
         <a:xfrm>
-          <a:off x="3894446" y="1061425"/>
-          <a:ext cx="3222659" cy="388025"/>
+          <a:off x="4056684" y="538330"/>
+          <a:ext cx="3356911" cy="404189"/>
         </a:xfrm>
         <a:custGeom>
           <a:avLst/>
@@ -6202,13 +6196,13 @@
                 <a:pt x="0" y="0"/>
               </a:moveTo>
               <a:lnTo>
-                <a:pt x="0" y="256711"/>
+                <a:pt x="0" y="267406"/>
               </a:lnTo>
               <a:lnTo>
-                <a:pt x="3222659" y="256711"/>
+                <a:pt x="3356911" y="267406"/>
               </a:lnTo>
               <a:lnTo>
-                <a:pt x="3222659" y="388025"/>
+                <a:pt x="3356911" y="404189"/>
               </a:lnTo>
             </a:path>
           </a:pathLst>
@@ -6250,8 +6244,8 @@
       </dsp:nvSpPr>
       <dsp:spPr>
         <a:xfrm>
-          <a:off x="5754370" y="1876550"/>
-          <a:ext cx="91440" cy="476177"/>
+          <a:off x="5995995" y="1387413"/>
+          <a:ext cx="91440" cy="496014"/>
         </a:xfrm>
         <a:custGeom>
           <a:avLst/>
@@ -6265,10 +6259,10 @@
                 <a:pt x="45720" y="0"/>
               </a:moveTo>
               <a:lnTo>
-                <a:pt x="45720" y="476177"/>
+                <a:pt x="45720" y="496014"/>
               </a:lnTo>
               <a:lnTo>
-                <a:pt x="81955" y="476177"/>
+                <a:pt x="83465" y="496014"/>
               </a:lnTo>
             </a:path>
           </a:pathLst>
@@ -6310,8 +6304,8 @@
       </dsp:nvSpPr>
       <dsp:spPr>
         <a:xfrm>
-          <a:off x="3894446" y="1061425"/>
-          <a:ext cx="2247324" cy="388025"/>
+          <a:off x="4056684" y="538330"/>
+          <a:ext cx="2340945" cy="404189"/>
         </a:xfrm>
         <a:custGeom>
           <a:avLst/>
@@ -6325,13 +6319,13 @@
                 <a:pt x="0" y="0"/>
               </a:moveTo>
               <a:lnTo>
-                <a:pt x="0" y="256711"/>
+                <a:pt x="0" y="267406"/>
               </a:lnTo>
               <a:lnTo>
-                <a:pt x="2247324" y="256711"/>
+                <a:pt x="2340945" y="267406"/>
               </a:lnTo>
               <a:lnTo>
-                <a:pt x="2247324" y="388025"/>
+                <a:pt x="2340945" y="404189"/>
               </a:lnTo>
             </a:path>
           </a:pathLst>
@@ -6373,8 +6367,8 @@
       </dsp:nvSpPr>
       <dsp:spPr>
         <a:xfrm>
-          <a:off x="4683262" y="1876550"/>
-          <a:ext cx="128130" cy="2545359"/>
+          <a:off x="4878362" y="1387413"/>
+          <a:ext cx="133467" cy="2651396"/>
         </a:xfrm>
         <a:custGeom>
           <a:avLst/>
@@ -6388,10 +6382,10 @@
                 <a:pt x="0" y="0"/>
               </a:moveTo>
               <a:lnTo>
-                <a:pt x="0" y="2545359"/>
+                <a:pt x="0" y="2651396"/>
               </a:lnTo>
               <a:lnTo>
-                <a:pt x="128130" y="2545359"/>
+                <a:pt x="133467" y="2651396"/>
               </a:lnTo>
             </a:path>
           </a:pathLst>
@@ -6433,8 +6427,8 @@
       </dsp:nvSpPr>
       <dsp:spPr>
         <a:xfrm>
-          <a:off x="4683262" y="1876550"/>
-          <a:ext cx="128130" cy="1855632"/>
+          <a:off x="4878362" y="1387413"/>
+          <a:ext cx="133467" cy="1932935"/>
         </a:xfrm>
         <a:custGeom>
           <a:avLst/>
@@ -6448,10 +6442,10 @@
                 <a:pt x="0" y="0"/>
               </a:moveTo>
               <a:lnTo>
-                <a:pt x="0" y="1855632"/>
+                <a:pt x="0" y="1932935"/>
               </a:lnTo>
               <a:lnTo>
-                <a:pt x="128130" y="1855632"/>
+                <a:pt x="133467" y="1932935"/>
               </a:lnTo>
             </a:path>
           </a:pathLst>
@@ -6493,8 +6487,8 @@
       </dsp:nvSpPr>
       <dsp:spPr>
         <a:xfrm>
-          <a:off x="4683262" y="1876550"/>
-          <a:ext cx="128130" cy="1165904"/>
+          <a:off x="4878362" y="1387413"/>
+          <a:ext cx="133467" cy="1214474"/>
         </a:xfrm>
         <a:custGeom>
           <a:avLst/>
@@ -6508,10 +6502,10 @@
                 <a:pt x="0" y="0"/>
               </a:moveTo>
               <a:lnTo>
-                <a:pt x="0" y="1165904"/>
+                <a:pt x="0" y="1214474"/>
               </a:lnTo>
               <a:lnTo>
-                <a:pt x="128130" y="1165904"/>
+                <a:pt x="133467" y="1214474"/>
               </a:lnTo>
             </a:path>
           </a:pathLst>
@@ -6553,8 +6547,8 @@
       </dsp:nvSpPr>
       <dsp:spPr>
         <a:xfrm>
-          <a:off x="4683262" y="1876550"/>
-          <a:ext cx="128130" cy="476177"/>
+          <a:off x="4878362" y="1387413"/>
+          <a:ext cx="133467" cy="496014"/>
         </a:xfrm>
         <a:custGeom>
           <a:avLst/>
@@ -6568,10 +6562,10 @@
                 <a:pt x="0" y="0"/>
               </a:moveTo>
               <a:lnTo>
-                <a:pt x="0" y="476177"/>
+                <a:pt x="0" y="496014"/>
               </a:lnTo>
               <a:lnTo>
-                <a:pt x="128130" y="476177"/>
+                <a:pt x="133467" y="496014"/>
               </a:lnTo>
             </a:path>
           </a:pathLst>
@@ -6613,8 +6607,8 @@
       </dsp:nvSpPr>
       <dsp:spPr>
         <a:xfrm>
-          <a:off x="3894446" y="1061425"/>
-          <a:ext cx="1130496" cy="388025"/>
+          <a:off x="4056684" y="538330"/>
+          <a:ext cx="1177592" cy="404189"/>
         </a:xfrm>
         <a:custGeom>
           <a:avLst/>
@@ -6628,13 +6622,13 @@
                 <a:pt x="0" y="0"/>
               </a:moveTo>
               <a:lnTo>
-                <a:pt x="0" y="256711"/>
+                <a:pt x="0" y="267406"/>
               </a:lnTo>
               <a:lnTo>
-                <a:pt x="1130496" y="256711"/>
+                <a:pt x="1177592" y="267406"/>
               </a:lnTo>
               <a:lnTo>
-                <a:pt x="1130496" y="388025"/>
+                <a:pt x="1177592" y="404189"/>
               </a:lnTo>
             </a:path>
           </a:pathLst>
@@ -6676,8 +6670,8 @@
       </dsp:nvSpPr>
       <dsp:spPr>
         <a:xfrm>
-          <a:off x="3566434" y="1876550"/>
-          <a:ext cx="128130" cy="1855632"/>
+          <a:off x="3715008" y="1387413"/>
+          <a:ext cx="133467" cy="1932935"/>
         </a:xfrm>
         <a:custGeom>
           <a:avLst/>
@@ -6691,10 +6685,10 @@
                 <a:pt x="0" y="0"/>
               </a:moveTo>
               <a:lnTo>
-                <a:pt x="0" y="1855632"/>
+                <a:pt x="0" y="1932935"/>
               </a:lnTo>
               <a:lnTo>
-                <a:pt x="128130" y="1855632"/>
+                <a:pt x="133467" y="1932935"/>
               </a:lnTo>
             </a:path>
           </a:pathLst>
@@ -6736,8 +6730,8 @@
       </dsp:nvSpPr>
       <dsp:spPr>
         <a:xfrm>
-          <a:off x="3566434" y="1876550"/>
-          <a:ext cx="128130" cy="1165904"/>
+          <a:off x="3715008" y="1387413"/>
+          <a:ext cx="133467" cy="1214474"/>
         </a:xfrm>
         <a:custGeom>
           <a:avLst/>
@@ -6751,10 +6745,10 @@
                 <a:pt x="0" y="0"/>
               </a:moveTo>
               <a:lnTo>
-                <a:pt x="0" y="1165904"/>
+                <a:pt x="0" y="1214474"/>
               </a:lnTo>
               <a:lnTo>
-                <a:pt x="128130" y="1165904"/>
+                <a:pt x="133467" y="1214474"/>
               </a:lnTo>
             </a:path>
           </a:pathLst>
@@ -6796,8 +6790,8 @@
       </dsp:nvSpPr>
       <dsp:spPr>
         <a:xfrm>
-          <a:off x="3566434" y="1876550"/>
-          <a:ext cx="128130" cy="476177"/>
+          <a:off x="3715008" y="1387413"/>
+          <a:ext cx="133467" cy="496014"/>
         </a:xfrm>
         <a:custGeom>
           <a:avLst/>
@@ -6811,10 +6805,10 @@
                 <a:pt x="0" y="0"/>
               </a:moveTo>
               <a:lnTo>
-                <a:pt x="0" y="476177"/>
+                <a:pt x="0" y="496014"/>
               </a:lnTo>
               <a:lnTo>
-                <a:pt x="128130" y="476177"/>
+                <a:pt x="133467" y="496014"/>
               </a:lnTo>
             </a:path>
           </a:pathLst>
@@ -6856,8 +6850,8 @@
       </dsp:nvSpPr>
       <dsp:spPr>
         <a:xfrm>
-          <a:off x="3848726" y="1061425"/>
-          <a:ext cx="91440" cy="388025"/>
+          <a:off x="4010964" y="538330"/>
+          <a:ext cx="91440" cy="404189"/>
         </a:xfrm>
         <a:custGeom>
           <a:avLst/>
@@ -6871,13 +6865,13 @@
                 <a:pt x="45720" y="0"/>
               </a:moveTo>
               <a:lnTo>
-                <a:pt x="45720" y="256711"/>
+                <a:pt x="45720" y="267406"/>
               </a:lnTo>
               <a:lnTo>
-                <a:pt x="59389" y="256711"/>
+                <a:pt x="59958" y="267406"/>
               </a:lnTo>
               <a:lnTo>
-                <a:pt x="59389" y="388025"/>
+                <a:pt x="59958" y="404189"/>
               </a:lnTo>
             </a:path>
           </a:pathLst>
@@ -6919,8 +6913,8 @@
       </dsp:nvSpPr>
       <dsp:spPr>
         <a:xfrm>
-          <a:off x="2449607" y="1876550"/>
-          <a:ext cx="128130" cy="2545359"/>
+          <a:off x="2551655" y="1387413"/>
+          <a:ext cx="133467" cy="2651396"/>
         </a:xfrm>
         <a:custGeom>
           <a:avLst/>
@@ -6934,10 +6928,10 @@
                 <a:pt x="0" y="0"/>
               </a:moveTo>
               <a:lnTo>
-                <a:pt x="0" y="2545359"/>
+                <a:pt x="0" y="2651396"/>
               </a:lnTo>
               <a:lnTo>
-                <a:pt x="128130" y="2545359"/>
+                <a:pt x="133467" y="2651396"/>
               </a:lnTo>
             </a:path>
           </a:pathLst>
@@ -6979,8 +6973,8 @@
       </dsp:nvSpPr>
       <dsp:spPr>
         <a:xfrm>
-          <a:off x="2449607" y="1876550"/>
-          <a:ext cx="128130" cy="1855632"/>
+          <a:off x="2551655" y="1387413"/>
+          <a:ext cx="133467" cy="1932935"/>
         </a:xfrm>
         <a:custGeom>
           <a:avLst/>
@@ -6994,10 +6988,10 @@
                 <a:pt x="0" y="0"/>
               </a:moveTo>
               <a:lnTo>
-                <a:pt x="0" y="1855632"/>
+                <a:pt x="0" y="1932935"/>
               </a:lnTo>
               <a:lnTo>
-                <a:pt x="128130" y="1855632"/>
+                <a:pt x="133467" y="1932935"/>
               </a:lnTo>
             </a:path>
           </a:pathLst>
@@ -7039,8 +7033,8 @@
       </dsp:nvSpPr>
       <dsp:spPr>
         <a:xfrm>
-          <a:off x="2449607" y="1876550"/>
-          <a:ext cx="128130" cy="1165904"/>
+          <a:off x="2551655" y="1387413"/>
+          <a:ext cx="133467" cy="1214474"/>
         </a:xfrm>
         <a:custGeom>
           <a:avLst/>
@@ -7054,10 +7048,10 @@
                 <a:pt x="0" y="0"/>
               </a:moveTo>
               <a:lnTo>
-                <a:pt x="0" y="1165904"/>
+                <a:pt x="0" y="1214474"/>
               </a:lnTo>
               <a:lnTo>
-                <a:pt x="128130" y="1165904"/>
+                <a:pt x="133467" y="1214474"/>
               </a:lnTo>
             </a:path>
           </a:pathLst>
@@ -7099,8 +7093,8 @@
       </dsp:nvSpPr>
       <dsp:spPr>
         <a:xfrm>
-          <a:off x="2449607" y="1876550"/>
-          <a:ext cx="128130" cy="476177"/>
+          <a:off x="2551655" y="1387413"/>
+          <a:ext cx="133467" cy="496014"/>
         </a:xfrm>
         <a:custGeom>
           <a:avLst/>
@@ -7114,10 +7108,10 @@
                 <a:pt x="0" y="0"/>
               </a:moveTo>
               <a:lnTo>
-                <a:pt x="0" y="476177"/>
+                <a:pt x="0" y="496014"/>
               </a:lnTo>
               <a:lnTo>
-                <a:pt x="128130" y="476177"/>
+                <a:pt x="133467" y="496014"/>
               </a:lnTo>
             </a:path>
           </a:pathLst>
@@ -7159,8 +7153,8 @@
       </dsp:nvSpPr>
       <dsp:spPr>
         <a:xfrm>
-          <a:off x="2791287" y="1061425"/>
-          <a:ext cx="1103158" cy="388025"/>
+          <a:off x="2907569" y="538330"/>
+          <a:ext cx="1149115" cy="404189"/>
         </a:xfrm>
         <a:custGeom>
           <a:avLst/>
@@ -7171,16 +7165,16 @@
           <a:pathLst>
             <a:path>
               <a:moveTo>
-                <a:pt x="1103158" y="0"/>
+                <a:pt x="1149115" y="0"/>
               </a:moveTo>
               <a:lnTo>
-                <a:pt x="1103158" y="256711"/>
+                <a:pt x="1149115" y="267406"/>
               </a:lnTo>
               <a:lnTo>
-                <a:pt x="0" y="256711"/>
+                <a:pt x="0" y="267406"/>
               </a:lnTo>
               <a:lnTo>
-                <a:pt x="0" y="388025"/>
+                <a:pt x="0" y="404189"/>
               </a:lnTo>
             </a:path>
           </a:pathLst>
@@ -7222,8 +7216,8 @@
       </dsp:nvSpPr>
       <dsp:spPr>
         <a:xfrm>
-          <a:off x="1332779" y="1876550"/>
-          <a:ext cx="128130" cy="3200438"/>
+          <a:off x="1388301" y="1387413"/>
+          <a:ext cx="133467" cy="3286140"/>
         </a:xfrm>
         <a:custGeom>
           <a:avLst/>
@@ -7237,10 +7231,10 @@
                 <a:pt x="0" y="0"/>
               </a:moveTo>
               <a:lnTo>
-                <a:pt x="0" y="3200438"/>
+                <a:pt x="0" y="3286140"/>
               </a:lnTo>
               <a:lnTo>
-                <a:pt x="128130" y="3200438"/>
+                <a:pt x="133467" y="3286140"/>
               </a:lnTo>
             </a:path>
           </a:pathLst>
@@ -7282,8 +7276,8 @@
       </dsp:nvSpPr>
       <dsp:spPr>
         <a:xfrm>
-          <a:off x="1332779" y="1876550"/>
-          <a:ext cx="128130" cy="2545359"/>
+          <a:off x="1388301" y="1387413"/>
+          <a:ext cx="133467" cy="2651396"/>
         </a:xfrm>
         <a:custGeom>
           <a:avLst/>
@@ -7297,10 +7291,10 @@
                 <a:pt x="0" y="0"/>
               </a:moveTo>
               <a:lnTo>
-                <a:pt x="0" y="2545359"/>
+                <a:pt x="0" y="2651396"/>
               </a:lnTo>
               <a:lnTo>
-                <a:pt x="128130" y="2545359"/>
+                <a:pt x="133467" y="2651396"/>
               </a:lnTo>
             </a:path>
           </a:pathLst>
@@ -7342,8 +7336,8 @@
       </dsp:nvSpPr>
       <dsp:spPr>
         <a:xfrm>
-          <a:off x="1287059" y="1876550"/>
-          <a:ext cx="91440" cy="1855632"/>
+          <a:off x="1342581" y="1387413"/>
+          <a:ext cx="91440" cy="1932935"/>
         </a:xfrm>
         <a:custGeom>
           <a:avLst/>
@@ -7357,10 +7351,10 @@
                 <a:pt x="45720" y="0"/>
               </a:moveTo>
               <a:lnTo>
-                <a:pt x="45720" y="1855632"/>
+                <a:pt x="45720" y="1932935"/>
               </a:lnTo>
               <a:lnTo>
-                <a:pt x="120061" y="1855632"/>
+                <a:pt x="123158" y="1932935"/>
               </a:lnTo>
             </a:path>
           </a:pathLst>
@@ -7402,8 +7396,8 @@
       </dsp:nvSpPr>
       <dsp:spPr>
         <a:xfrm>
-          <a:off x="1332779" y="1876550"/>
-          <a:ext cx="128130" cy="1165904"/>
+          <a:off x="1388301" y="1387413"/>
+          <a:ext cx="133467" cy="1214474"/>
         </a:xfrm>
         <a:custGeom>
           <a:avLst/>
@@ -7417,10 +7411,10 @@
                 <a:pt x="0" y="0"/>
               </a:moveTo>
               <a:lnTo>
-                <a:pt x="0" y="1165904"/>
+                <a:pt x="0" y="1214474"/>
               </a:lnTo>
               <a:lnTo>
-                <a:pt x="128130" y="1165904"/>
+                <a:pt x="133467" y="1214474"/>
               </a:lnTo>
             </a:path>
           </a:pathLst>
@@ -7462,8 +7456,8 @@
       </dsp:nvSpPr>
       <dsp:spPr>
         <a:xfrm>
-          <a:off x="1332779" y="1876550"/>
-          <a:ext cx="128130" cy="476177"/>
+          <a:off x="1388301" y="1387413"/>
+          <a:ext cx="133467" cy="496014"/>
         </a:xfrm>
         <a:custGeom>
           <a:avLst/>
@@ -7477,10 +7471,10 @@
                 <a:pt x="0" y="0"/>
               </a:moveTo>
               <a:lnTo>
-                <a:pt x="0" y="476177"/>
+                <a:pt x="0" y="496014"/>
               </a:lnTo>
               <a:lnTo>
-                <a:pt x="128130" y="476177"/>
+                <a:pt x="133467" y="496014"/>
               </a:lnTo>
             </a:path>
           </a:pathLst>
@@ -7522,8 +7516,8 @@
       </dsp:nvSpPr>
       <dsp:spPr>
         <a:xfrm>
-          <a:off x="1674459" y="1061425"/>
-          <a:ext cx="2219986" cy="388025"/>
+          <a:off x="1744215" y="538330"/>
+          <a:ext cx="2312468" cy="404189"/>
         </a:xfrm>
         <a:custGeom>
           <a:avLst/>
@@ -7534,16 +7528,16 @@
           <a:pathLst>
             <a:path>
               <a:moveTo>
-                <a:pt x="2219986" y="0"/>
+                <a:pt x="2312468" y="0"/>
               </a:moveTo>
               <a:lnTo>
-                <a:pt x="2219986" y="256711"/>
+                <a:pt x="2312468" y="267406"/>
               </a:lnTo>
               <a:lnTo>
-                <a:pt x="0" y="256711"/>
+                <a:pt x="0" y="267406"/>
               </a:lnTo>
               <a:lnTo>
-                <a:pt x="0" y="388025"/>
+                <a:pt x="0" y="404189"/>
               </a:lnTo>
             </a:path>
           </a:pathLst>
@@ -7585,8 +7579,8 @@
       </dsp:nvSpPr>
       <dsp:spPr>
         <a:xfrm>
-          <a:off x="557631" y="1061425"/>
-          <a:ext cx="3336814" cy="388025"/>
+          <a:off x="580862" y="538330"/>
+          <a:ext cx="3475822" cy="404189"/>
         </a:xfrm>
         <a:custGeom>
           <a:avLst/>
@@ -7597,16 +7591,16 @@
           <a:pathLst>
             <a:path>
               <a:moveTo>
-                <a:pt x="3336814" y="0"/>
+                <a:pt x="3475822" y="0"/>
               </a:moveTo>
               <a:lnTo>
-                <a:pt x="3336814" y="256711"/>
+                <a:pt x="3475822" y="267406"/>
               </a:lnTo>
               <a:lnTo>
-                <a:pt x="0" y="256711"/>
+                <a:pt x="0" y="267406"/>
               </a:lnTo>
               <a:lnTo>
-                <a:pt x="0" y="388025"/>
+                <a:pt x="0" y="404189"/>
               </a:lnTo>
             </a:path>
           </a:pathLst>
@@ -7648,8 +7642,8 @@
       </dsp:nvSpPr>
       <dsp:spPr>
         <a:xfrm>
-          <a:off x="3467345" y="634324"/>
-          <a:ext cx="854200" cy="427100"/>
+          <a:off x="3611791" y="93437"/>
+          <a:ext cx="889785" cy="444892"/>
         </a:xfrm>
         <a:prstGeom prst="rect">
           <a:avLst/>
@@ -7714,8 +7708,8 @@
         </a:p>
       </dsp:txBody>
       <dsp:txXfrm>
-        <a:off x="3467345" y="634324"/>
-        <a:ext cx="854200" cy="427100"/>
+        <a:off x="3611791" y="93437"/>
+        <a:ext cx="889785" cy="444892"/>
       </dsp:txXfrm>
     </dsp:sp>
     <dsp:sp modelId="{89016122-5A0C-4699-8160-C50C3D834896}">
@@ -7725,8 +7719,8 @@
       </dsp:nvSpPr>
       <dsp:spPr>
         <a:xfrm>
-          <a:off x="130531" y="1449450"/>
-          <a:ext cx="854200" cy="427100"/>
+          <a:off x="135969" y="942520"/>
+          <a:ext cx="889785" cy="444892"/>
         </a:xfrm>
         <a:prstGeom prst="rect">
           <a:avLst/>
@@ -7786,13 +7780,13 @@
                 <a:sysClr val="windowText" lastClr="000000"/>
               </a:solidFill>
             </a:rPr>
-            <a:t>AGENDA</a:t>
+            <a:t>HOME</a:t>
           </a:r>
         </a:p>
       </dsp:txBody>
       <dsp:txXfrm>
-        <a:off x="130531" y="1449450"/>
-        <a:ext cx="854200" cy="427100"/>
+        <a:off x="135969" y="942520"/>
+        <a:ext cx="889785" cy="444892"/>
       </dsp:txXfrm>
     </dsp:sp>
     <dsp:sp modelId="{A4C24BCF-CE9E-4D32-818D-9485AAE6798E}">
@@ -7802,8 +7796,8 @@
       </dsp:nvSpPr>
       <dsp:spPr>
         <a:xfrm>
-          <a:off x="1247359" y="1449450"/>
-          <a:ext cx="854200" cy="427100"/>
+          <a:off x="1299322" y="942520"/>
+          <a:ext cx="889785" cy="444892"/>
         </a:xfrm>
         <a:prstGeom prst="rect">
           <a:avLst/>
@@ -7868,8 +7862,8 @@
         </a:p>
       </dsp:txBody>
       <dsp:txXfrm>
-        <a:off x="1247359" y="1449450"/>
-        <a:ext cx="854200" cy="427100"/>
+        <a:off x="1299322" y="942520"/>
+        <a:ext cx="889785" cy="444892"/>
       </dsp:txXfrm>
     </dsp:sp>
     <dsp:sp modelId="{D8CAD614-A52C-4A14-8BF2-D7A71D675144}">
@@ -7879,8 +7873,8 @@
       </dsp:nvSpPr>
       <dsp:spPr>
         <a:xfrm>
-          <a:off x="1460909" y="2139177"/>
-          <a:ext cx="854200" cy="427100"/>
+          <a:off x="1521769" y="1660981"/>
+          <a:ext cx="889785" cy="444892"/>
         </a:xfrm>
         <a:prstGeom prst="rect">
           <a:avLst/>
@@ -7945,8 +7939,8 @@
         </a:p>
       </dsp:txBody>
       <dsp:txXfrm>
-        <a:off x="1460909" y="2139177"/>
-        <a:ext cx="854200" cy="427100"/>
+        <a:off x="1521769" y="1660981"/>
+        <a:ext cx="889785" cy="444892"/>
       </dsp:txXfrm>
     </dsp:sp>
     <dsp:sp modelId="{D422190A-186E-46FA-86B3-E9A331CC9E40}">
@@ -7956,8 +7950,8 @@
       </dsp:nvSpPr>
       <dsp:spPr>
         <a:xfrm>
-          <a:off x="1460909" y="2828905"/>
-          <a:ext cx="854200" cy="427100"/>
+          <a:off x="1521769" y="2379441"/>
+          <a:ext cx="889785" cy="444892"/>
         </a:xfrm>
         <a:prstGeom prst="rect">
           <a:avLst/>
@@ -8022,8 +8016,8 @@
         </a:p>
       </dsp:txBody>
       <dsp:txXfrm>
-        <a:off x="1460909" y="2828905"/>
-        <a:ext cx="854200" cy="427100"/>
+        <a:off x="1521769" y="2379441"/>
+        <a:ext cx="889785" cy="444892"/>
       </dsp:txXfrm>
     </dsp:sp>
     <dsp:sp modelId="{12744B90-6E26-4685-B445-9602C7DA6F21}">
@@ -8033,8 +8027,8 @@
       </dsp:nvSpPr>
       <dsp:spPr>
         <a:xfrm>
-          <a:off x="1407120" y="3518632"/>
-          <a:ext cx="854200" cy="427100"/>
+          <a:off x="1465740" y="3097902"/>
+          <a:ext cx="889785" cy="444892"/>
         </a:xfrm>
         <a:prstGeom prst="rect">
           <a:avLst/>
@@ -8099,8 +8093,8 @@
         </a:p>
       </dsp:txBody>
       <dsp:txXfrm>
-        <a:off x="1407120" y="3518632"/>
-        <a:ext cx="854200" cy="427100"/>
+        <a:off x="1465740" y="3097902"/>
+        <a:ext cx="889785" cy="444892"/>
       </dsp:txXfrm>
     </dsp:sp>
     <dsp:sp modelId="{4AA82A2E-4AB3-48FF-AB65-C37006C2F2F7}">
@@ -8110,8 +8104,8 @@
       </dsp:nvSpPr>
       <dsp:spPr>
         <a:xfrm>
-          <a:off x="1460909" y="4208360"/>
-          <a:ext cx="854200" cy="427100"/>
+          <a:off x="1521769" y="3816363"/>
+          <a:ext cx="889785" cy="444892"/>
         </a:xfrm>
         <a:prstGeom prst="rect">
           <a:avLst/>
@@ -8176,8 +8170,8 @@
         </a:p>
       </dsp:txBody>
       <dsp:txXfrm>
-        <a:off x="1460909" y="4208360"/>
-        <a:ext cx="854200" cy="427100"/>
+        <a:off x="1521769" y="3816363"/>
+        <a:ext cx="889785" cy="444892"/>
       </dsp:txXfrm>
     </dsp:sp>
     <dsp:sp modelId="{F530A5B0-37B1-4F4D-8797-2AA1FCC5C920}">
@@ -8187,8 +8181,8 @@
       </dsp:nvSpPr>
       <dsp:spPr>
         <a:xfrm>
-          <a:off x="1460909" y="4863439"/>
-          <a:ext cx="854200" cy="427100"/>
+          <a:off x="1521769" y="4451107"/>
+          <a:ext cx="889785" cy="444892"/>
         </a:xfrm>
         <a:prstGeom prst="rect">
           <a:avLst/>
@@ -8253,8 +8247,8 @@
         </a:p>
       </dsp:txBody>
       <dsp:txXfrm>
-        <a:off x="1460909" y="4863439"/>
-        <a:ext cx="854200" cy="427100"/>
+        <a:off x="1521769" y="4451107"/>
+        <a:ext cx="889785" cy="444892"/>
       </dsp:txXfrm>
     </dsp:sp>
     <dsp:sp modelId="{970485CB-6ACC-4C6D-8C6C-B1DAD014F8C6}">
@@ -8264,8 +8258,8 @@
       </dsp:nvSpPr>
       <dsp:spPr>
         <a:xfrm>
-          <a:off x="2364187" y="1449450"/>
-          <a:ext cx="854200" cy="427100"/>
+          <a:off x="2462676" y="942520"/>
+          <a:ext cx="889785" cy="444892"/>
         </a:xfrm>
         <a:prstGeom prst="rect">
           <a:avLst/>
@@ -8330,8 +8324,8 @@
         </a:p>
       </dsp:txBody>
       <dsp:txXfrm>
-        <a:off x="2364187" y="1449450"/>
-        <a:ext cx="854200" cy="427100"/>
+        <a:off x="2462676" y="942520"/>
+        <a:ext cx="889785" cy="444892"/>
       </dsp:txXfrm>
     </dsp:sp>
     <dsp:sp modelId="{B8CF9A0F-7BA0-4CD0-B393-ADDA59A36C76}">
@@ -8341,8 +8335,8 @@
       </dsp:nvSpPr>
       <dsp:spPr>
         <a:xfrm>
-          <a:off x="2577737" y="2139177"/>
-          <a:ext cx="854200" cy="427100"/>
+          <a:off x="2685122" y="1660981"/>
+          <a:ext cx="889785" cy="444892"/>
         </a:xfrm>
         <a:prstGeom prst="rect">
           <a:avLst/>
@@ -8407,8 +8401,8 @@
         </a:p>
       </dsp:txBody>
       <dsp:txXfrm>
-        <a:off x="2577737" y="2139177"/>
-        <a:ext cx="854200" cy="427100"/>
+        <a:off x="2685122" y="1660981"/>
+        <a:ext cx="889785" cy="444892"/>
       </dsp:txXfrm>
     </dsp:sp>
     <dsp:sp modelId="{056F1143-BBF7-4A4B-812E-C3DD8D0DDA74}">
@@ -8418,8 +8412,8 @@
       </dsp:nvSpPr>
       <dsp:spPr>
         <a:xfrm>
-          <a:off x="2577737" y="2828905"/>
-          <a:ext cx="854200" cy="427100"/>
+          <a:off x="2685122" y="2379441"/>
+          <a:ext cx="889785" cy="444892"/>
         </a:xfrm>
         <a:prstGeom prst="rect">
           <a:avLst/>
@@ -8484,8 +8478,8 @@
         </a:p>
       </dsp:txBody>
       <dsp:txXfrm>
-        <a:off x="2577737" y="2828905"/>
-        <a:ext cx="854200" cy="427100"/>
+        <a:off x="2685122" y="2379441"/>
+        <a:ext cx="889785" cy="444892"/>
       </dsp:txXfrm>
     </dsp:sp>
     <dsp:sp modelId="{E1027BA3-6DE8-418B-A515-5BD1C7ED37EA}">
@@ -8495,8 +8489,8 @@
       </dsp:nvSpPr>
       <dsp:spPr>
         <a:xfrm>
-          <a:off x="2577737" y="3518632"/>
-          <a:ext cx="854200" cy="427100"/>
+          <a:off x="2685122" y="3097902"/>
+          <a:ext cx="889785" cy="444892"/>
         </a:xfrm>
         <a:prstGeom prst="rect">
           <a:avLst/>
@@ -8561,8 +8555,8 @@
         </a:p>
       </dsp:txBody>
       <dsp:txXfrm>
-        <a:off x="2577737" y="3518632"/>
-        <a:ext cx="854200" cy="427100"/>
+        <a:off x="2685122" y="3097902"/>
+        <a:ext cx="889785" cy="444892"/>
       </dsp:txXfrm>
     </dsp:sp>
     <dsp:sp modelId="{A95E4F7D-8E88-42E0-A055-8A253C7B7B25}">
@@ -8572,8 +8566,8 @@
       </dsp:nvSpPr>
       <dsp:spPr>
         <a:xfrm>
-          <a:off x="2577737" y="4208360"/>
-          <a:ext cx="854200" cy="427100"/>
+          <a:off x="2685122" y="3816363"/>
+          <a:ext cx="889785" cy="444892"/>
         </a:xfrm>
         <a:prstGeom prst="rect">
           <a:avLst/>
@@ -8638,8 +8632,8 @@
         </a:p>
       </dsp:txBody>
       <dsp:txXfrm>
-        <a:off x="2577737" y="4208360"/>
-        <a:ext cx="854200" cy="427100"/>
+        <a:off x="2685122" y="3816363"/>
+        <a:ext cx="889785" cy="444892"/>
       </dsp:txXfrm>
     </dsp:sp>
     <dsp:sp modelId="{EF927979-326D-4393-B654-0DFB28B9ADD4}">
@@ -8649,8 +8643,8 @@
       </dsp:nvSpPr>
       <dsp:spPr>
         <a:xfrm>
-          <a:off x="3481014" y="1449450"/>
-          <a:ext cx="854200" cy="427100"/>
+          <a:off x="3626030" y="942520"/>
+          <a:ext cx="889785" cy="444892"/>
         </a:xfrm>
         <a:prstGeom prst="rect">
           <a:avLst/>
@@ -8715,8 +8709,8 @@
         </a:p>
       </dsp:txBody>
       <dsp:txXfrm>
-        <a:off x="3481014" y="1449450"/>
-        <a:ext cx="854200" cy="427100"/>
+        <a:off x="3626030" y="942520"/>
+        <a:ext cx="889785" cy="444892"/>
       </dsp:txXfrm>
     </dsp:sp>
     <dsp:sp modelId="{1A96198E-A00E-4944-A86D-5DCA1E3402C6}">
@@ -8726,8 +8720,8 @@
       </dsp:nvSpPr>
       <dsp:spPr>
         <a:xfrm>
-          <a:off x="3694565" y="2139177"/>
-          <a:ext cx="854200" cy="427100"/>
+          <a:off x="3848476" y="1660981"/>
+          <a:ext cx="889785" cy="444892"/>
         </a:xfrm>
         <a:prstGeom prst="rect">
           <a:avLst/>
@@ -8792,8 +8786,8 @@
         </a:p>
       </dsp:txBody>
       <dsp:txXfrm>
-        <a:off x="3694565" y="2139177"/>
-        <a:ext cx="854200" cy="427100"/>
+        <a:off x="3848476" y="1660981"/>
+        <a:ext cx="889785" cy="444892"/>
       </dsp:txXfrm>
     </dsp:sp>
     <dsp:sp modelId="{46024B26-04FE-4C65-8797-4E756F44950F}">
@@ -8803,8 +8797,8 @@
       </dsp:nvSpPr>
       <dsp:spPr>
         <a:xfrm>
-          <a:off x="3694565" y="2828905"/>
-          <a:ext cx="854200" cy="427100"/>
+          <a:off x="3848476" y="2379441"/>
+          <a:ext cx="889785" cy="444892"/>
         </a:xfrm>
         <a:prstGeom prst="rect">
           <a:avLst/>
@@ -8869,8 +8863,8 @@
         </a:p>
       </dsp:txBody>
       <dsp:txXfrm>
-        <a:off x="3694565" y="2828905"/>
-        <a:ext cx="854200" cy="427100"/>
+        <a:off x="3848476" y="2379441"/>
+        <a:ext cx="889785" cy="444892"/>
       </dsp:txXfrm>
     </dsp:sp>
     <dsp:sp modelId="{C7C20F54-4574-4A2B-9831-5DE68481AF4F}">
@@ -8880,8 +8874,8 @@
       </dsp:nvSpPr>
       <dsp:spPr>
         <a:xfrm>
-          <a:off x="3694565" y="3518632"/>
-          <a:ext cx="854200" cy="427100"/>
+          <a:off x="3848476" y="3097902"/>
+          <a:ext cx="889785" cy="444892"/>
         </a:xfrm>
         <a:prstGeom prst="rect">
           <a:avLst/>
@@ -8946,8 +8940,8 @@
         </a:p>
       </dsp:txBody>
       <dsp:txXfrm>
-        <a:off x="3694565" y="3518632"/>
-        <a:ext cx="854200" cy="427100"/>
+        <a:off x="3848476" y="3097902"/>
+        <a:ext cx="889785" cy="444892"/>
       </dsp:txXfrm>
     </dsp:sp>
     <dsp:sp modelId="{B60853AC-28B6-4365-97E9-89DDBE56859C}">
@@ -8957,8 +8951,8 @@
       </dsp:nvSpPr>
       <dsp:spPr>
         <a:xfrm>
-          <a:off x="4597842" y="1449450"/>
-          <a:ext cx="854200" cy="427100"/>
+          <a:off x="4789383" y="942520"/>
+          <a:ext cx="889785" cy="444892"/>
         </a:xfrm>
         <a:prstGeom prst="rect">
           <a:avLst/>
@@ -9023,8 +9017,8 @@
         </a:p>
       </dsp:txBody>
       <dsp:txXfrm>
-        <a:off x="4597842" y="1449450"/>
-        <a:ext cx="854200" cy="427100"/>
+        <a:off x="4789383" y="942520"/>
+        <a:ext cx="889785" cy="444892"/>
       </dsp:txXfrm>
     </dsp:sp>
     <dsp:sp modelId="{AA4C006E-E1C0-4E2E-8487-F760CBE0755C}">
@@ -9034,8 +9028,8 @@
       </dsp:nvSpPr>
       <dsp:spPr>
         <a:xfrm>
-          <a:off x="4811392" y="2139177"/>
-          <a:ext cx="854200" cy="427100"/>
+          <a:off x="5011830" y="1660981"/>
+          <a:ext cx="889785" cy="444892"/>
         </a:xfrm>
         <a:prstGeom prst="rect">
           <a:avLst/>
@@ -9100,8 +9094,8 @@
         </a:p>
       </dsp:txBody>
       <dsp:txXfrm>
-        <a:off x="4811392" y="2139177"/>
-        <a:ext cx="854200" cy="427100"/>
+        <a:off x="5011830" y="1660981"/>
+        <a:ext cx="889785" cy="444892"/>
       </dsp:txXfrm>
     </dsp:sp>
     <dsp:sp modelId="{FCD98E51-7B73-4888-93C0-4FAB860964EB}">
@@ -9111,8 +9105,8 @@
       </dsp:nvSpPr>
       <dsp:spPr>
         <a:xfrm>
-          <a:off x="4811392" y="2828905"/>
-          <a:ext cx="854200" cy="427100"/>
+          <a:off x="5011830" y="2379441"/>
+          <a:ext cx="889785" cy="444892"/>
         </a:xfrm>
         <a:prstGeom prst="rect">
           <a:avLst/>
@@ -9177,8 +9171,8 @@
         </a:p>
       </dsp:txBody>
       <dsp:txXfrm>
-        <a:off x="4811392" y="2828905"/>
-        <a:ext cx="854200" cy="427100"/>
+        <a:off x="5011830" y="2379441"/>
+        <a:ext cx="889785" cy="444892"/>
       </dsp:txXfrm>
     </dsp:sp>
     <dsp:sp modelId="{FE378B94-6331-4C3A-94DD-E7F673FA68EB}">
@@ -9188,8 +9182,8 @@
       </dsp:nvSpPr>
       <dsp:spPr>
         <a:xfrm>
-          <a:off x="4811392" y="3518632"/>
-          <a:ext cx="854200" cy="427100"/>
+          <a:off x="5011830" y="3097902"/>
+          <a:ext cx="889785" cy="444892"/>
         </a:xfrm>
         <a:prstGeom prst="rect">
           <a:avLst/>
@@ -9254,8 +9248,8 @@
         </a:p>
       </dsp:txBody>
       <dsp:txXfrm>
-        <a:off x="4811392" y="3518632"/>
-        <a:ext cx="854200" cy="427100"/>
+        <a:off x="5011830" y="3097902"/>
+        <a:ext cx="889785" cy="444892"/>
       </dsp:txXfrm>
     </dsp:sp>
     <dsp:sp modelId="{B1747FAB-9757-4403-88D3-B628A2EA49C4}">
@@ -9265,8 +9259,8 @@
       </dsp:nvSpPr>
       <dsp:spPr>
         <a:xfrm>
-          <a:off x="4811392" y="4208360"/>
-          <a:ext cx="854200" cy="427100"/>
+          <a:off x="5011830" y="3816363"/>
+          <a:ext cx="889785" cy="444892"/>
         </a:xfrm>
         <a:prstGeom prst="rect">
           <a:avLst/>
@@ -9331,8 +9325,8 @@
         </a:p>
       </dsp:txBody>
       <dsp:txXfrm>
-        <a:off x="4811392" y="4208360"/>
-        <a:ext cx="854200" cy="427100"/>
+        <a:off x="5011830" y="3816363"/>
+        <a:ext cx="889785" cy="444892"/>
       </dsp:txXfrm>
     </dsp:sp>
     <dsp:sp modelId="{438D1070-C0A6-4086-98E9-E16A6C5C0A6A}">
@@ -9342,8 +9336,8 @@
       </dsp:nvSpPr>
       <dsp:spPr>
         <a:xfrm>
-          <a:off x="5714670" y="1449450"/>
-          <a:ext cx="854200" cy="427100"/>
+          <a:off x="5952737" y="942520"/>
+          <a:ext cx="889785" cy="444892"/>
         </a:xfrm>
         <a:prstGeom prst="rect">
           <a:avLst/>
@@ -9408,8 +9402,8 @@
         </a:p>
       </dsp:txBody>
       <dsp:txXfrm>
-        <a:off x="5714670" y="1449450"/>
-        <a:ext cx="854200" cy="427100"/>
+        <a:off x="5952737" y="942520"/>
+        <a:ext cx="889785" cy="444892"/>
       </dsp:txXfrm>
     </dsp:sp>
     <dsp:sp modelId="{5AAEF3F7-8FEB-477F-A38B-3B55816DB0A1}">
@@ -9419,8 +9413,8 @@
       </dsp:nvSpPr>
       <dsp:spPr>
         <a:xfrm>
-          <a:off x="5836326" y="2139177"/>
-          <a:ext cx="854200" cy="427100"/>
+          <a:off x="6079461" y="1660981"/>
+          <a:ext cx="889785" cy="444892"/>
         </a:xfrm>
         <a:prstGeom prst="rect">
           <a:avLst/>
@@ -9485,8 +9479,8 @@
         </a:p>
       </dsp:txBody>
       <dsp:txXfrm>
-        <a:off x="5836326" y="2139177"/>
-        <a:ext cx="854200" cy="427100"/>
+        <a:off x="6079461" y="1660981"/>
+        <a:ext cx="889785" cy="444892"/>
       </dsp:txXfrm>
     </dsp:sp>
     <dsp:sp modelId="{D29A2811-3445-4FD9-B94E-CD2C6AEC05B8}">
@@ -9496,8 +9490,8 @@
       </dsp:nvSpPr>
       <dsp:spPr>
         <a:xfrm>
-          <a:off x="6690004" y="1449450"/>
-          <a:ext cx="854200" cy="427100"/>
+          <a:off x="6968703" y="942520"/>
+          <a:ext cx="889785" cy="444892"/>
         </a:xfrm>
         <a:prstGeom prst="rect">
           <a:avLst/>
@@ -9581,8 +9575,8 @@
         </a:p>
       </dsp:txBody>
       <dsp:txXfrm>
-        <a:off x="6690004" y="1449450"/>
-        <a:ext cx="854200" cy="427100"/>
+        <a:off x="6968703" y="942520"/>
+        <a:ext cx="889785" cy="444892"/>
       </dsp:txXfrm>
     </dsp:sp>
     <dsp:sp modelId="{035DD26F-AFC0-4DAC-B14D-D93A152B5C88}">
@@ -9592,8 +9586,8 @@
       </dsp:nvSpPr>
       <dsp:spPr>
         <a:xfrm>
-          <a:off x="6828706" y="2139177"/>
-          <a:ext cx="854200" cy="427100"/>
+          <a:off x="7113182" y="1660981"/>
+          <a:ext cx="889785" cy="444892"/>
         </a:xfrm>
         <a:prstGeom prst="rect">
           <a:avLst/>
@@ -9658,8 +9652,8 @@
         </a:p>
       </dsp:txBody>
       <dsp:txXfrm>
-        <a:off x="6828706" y="2139177"/>
-        <a:ext cx="854200" cy="427100"/>
+        <a:off x="7113182" y="1660981"/>
+        <a:ext cx="889785" cy="444892"/>
       </dsp:txXfrm>
     </dsp:sp>
     <dsp:sp modelId="{8C9A4ED2-5B8C-4D39-BB37-0DCDBF368A5C}">
@@ -9669,8 +9663,8 @@
       </dsp:nvSpPr>
       <dsp:spPr>
         <a:xfrm>
-          <a:off x="6828706" y="2828905"/>
-          <a:ext cx="854200" cy="427100"/>
+          <a:off x="7113182" y="2379441"/>
+          <a:ext cx="889785" cy="444892"/>
         </a:xfrm>
         <a:prstGeom prst="rect">
           <a:avLst/>
@@ -9735,8 +9729,8 @@
         </a:p>
       </dsp:txBody>
       <dsp:txXfrm>
-        <a:off x="6828706" y="2828905"/>
-        <a:ext cx="854200" cy="427100"/>
+        <a:off x="7113182" y="2379441"/>
+        <a:ext cx="889785" cy="444892"/>
       </dsp:txXfrm>
     </dsp:sp>
     <dsp:sp modelId="{1E42B8D4-E8B2-4294-B101-56747C791EB9}">
@@ -9746,8 +9740,8 @@
       </dsp:nvSpPr>
       <dsp:spPr>
         <a:xfrm>
-          <a:off x="6828706" y="3518632"/>
-          <a:ext cx="854200" cy="427100"/>
+          <a:off x="7113182" y="3097902"/>
+          <a:ext cx="889785" cy="444892"/>
         </a:xfrm>
         <a:prstGeom prst="rect">
           <a:avLst/>
@@ -9812,8 +9806,8 @@
         </a:p>
       </dsp:txBody>
       <dsp:txXfrm>
-        <a:off x="6828706" y="3518632"/>
-        <a:ext cx="854200" cy="427100"/>
+        <a:off x="7113182" y="3097902"/>
+        <a:ext cx="889785" cy="444892"/>
       </dsp:txXfrm>
     </dsp:sp>
     <dsp:sp modelId="{BB258984-BEEA-4B40-98D4-CDF258E4FB03}">
@@ -9823,8 +9817,8 @@
       </dsp:nvSpPr>
       <dsp:spPr>
         <a:xfrm>
-          <a:off x="6825529" y="4060626"/>
-          <a:ext cx="854200" cy="427100"/>
+          <a:off x="7109873" y="3662474"/>
+          <a:ext cx="889785" cy="444892"/>
         </a:xfrm>
         <a:prstGeom prst="rect">
           <a:avLst/>
@@ -9888,8 +9882,8 @@
         </a:p>
       </dsp:txBody>
       <dsp:txXfrm>
-        <a:off x="6825529" y="4060626"/>
-        <a:ext cx="854200" cy="427100"/>
+        <a:off x="7109873" y="3662474"/>
+        <a:ext cx="889785" cy="444892"/>
       </dsp:txXfrm>
     </dsp:sp>
   </dsp:spTree>
@@ -13000,7 +12994,7 @@
     </p:spTree>
     <p:extLst>
       <p:ext uri="{BB962C8B-B14F-4D97-AF65-F5344CB8AC3E}">
-        <p14:creationId xmlns="" xmlns:p14="http://schemas.microsoft.com/office/powerpoint/2010/main" val="1559816394"/>
+        <p14:creationId xmlns:p14="http://schemas.microsoft.com/office/powerpoint/2010/main" val="1559816394"/>
       </p:ext>
     </p:extLst>
   </p:cSld>
@@ -13196,7 +13190,7 @@
     </p:spTree>
     <p:extLst>
       <p:ext uri="{BB962C8B-B14F-4D97-AF65-F5344CB8AC3E}">
-        <p14:creationId xmlns="" xmlns:p14="http://schemas.microsoft.com/office/powerpoint/2010/main" val="4222154634"/>
+        <p14:creationId xmlns:p14="http://schemas.microsoft.com/office/powerpoint/2010/main" val="4222154634"/>
       </p:ext>
     </p:extLst>
   </p:cSld>
@@ -13357,7 +13351,7 @@
     </p:spTree>
     <p:extLst>
       <p:ext uri="{BB962C8B-B14F-4D97-AF65-F5344CB8AC3E}">
-        <p14:creationId xmlns="" xmlns:p14="http://schemas.microsoft.com/office/powerpoint/2010/main" val="3114088582"/>
+        <p14:creationId xmlns:p14="http://schemas.microsoft.com/office/powerpoint/2010/main" val="3114088582"/>
       </p:ext>
     </p:extLst>
   </p:cSld>
@@ -13491,168 +13485,7 @@
     </p:spTree>
     <p:extLst>
       <p:ext uri="{BB962C8B-B14F-4D97-AF65-F5344CB8AC3E}">
-        <p14:creationId xmlns="" xmlns:p14="http://schemas.microsoft.com/office/powerpoint/2010/main" val="1940280889"/>
-      </p:ext>
-    </p:extLst>
-  </p:cSld>
-  <p:clrMapOvr>
-    <a:masterClrMapping/>
-  </p:clrMapOvr>
-</p:notes>
-</file>
-
-<file path=ppt/notesSlides/notesSlide4.xml><?xml version="1.0" encoding="utf-8"?>
-<p:notes xmlns:a="http://schemas.openxmlformats.org/drawingml/2006/main" xmlns:r="http://schemas.openxmlformats.org/officeDocument/2006/relationships" xmlns:p="http://schemas.openxmlformats.org/presentationml/2006/main" showMasterSp="0" showMasterPhAnim="0">
-  <p:cSld>
-    <p:spTree>
-      <p:nvGrpSpPr>
-        <p:cNvPr id="1" name="Shape 411"/>
-        <p:cNvGrpSpPr/>
-        <p:nvPr/>
-      </p:nvGrpSpPr>
-      <p:grpSpPr>
-        <a:xfrm>
-          <a:off x="0" y="0"/>
-          <a:ext cx="0" cy="0"/>
-          <a:chOff x="0" y="0"/>
-          <a:chExt cx="0" cy="0"/>
-        </a:xfrm>
-      </p:grpSpPr>
-      <p:sp>
-        <p:nvSpPr>
-          <p:cNvPr id="412" name="Shape 412"/>
-          <p:cNvSpPr>
-            <a:spLocks noGrp="1" noRot="1" noChangeAspect="1"/>
-          </p:cNvSpPr>
-          <p:nvPr>
-            <p:ph type="sldImg" idx="2"/>
-          </p:nvPr>
-        </p:nvSpPr>
-        <p:spPr>
-          <a:xfrm>
-            <a:off x="1257300" y="720725"/>
-            <a:ext cx="4800600" cy="3600450"/>
-          </a:xfrm>
-          <a:custGeom>
-            <a:avLst/>
-            <a:gdLst/>
-            <a:ahLst/>
-            <a:cxnLst/>
-            <a:rect l="0" t="0" r="0" b="0"/>
-            <a:pathLst>
-              <a:path w="120000" h="120000" extrusionOk="0">
-                <a:moveTo>
-                  <a:pt x="0" y="0"/>
-                </a:moveTo>
-                <a:lnTo>
-                  <a:pt x="120000" y="0"/>
-                </a:lnTo>
-                <a:lnTo>
-                  <a:pt x="120000" y="120000"/>
-                </a:lnTo>
-                <a:lnTo>
-                  <a:pt x="0" y="120000"/>
-                </a:lnTo>
-                <a:close/>
-              </a:path>
-            </a:pathLst>
-          </a:custGeom>
-        </p:spPr>
-      </p:sp>
-      <p:sp>
-        <p:nvSpPr>
-          <p:cNvPr id="413" name="Shape 413"/>
-          <p:cNvSpPr txBox="1">
-            <a:spLocks noGrp="1"/>
-          </p:cNvSpPr>
-          <p:nvPr>
-            <p:ph type="body" idx="1"/>
-          </p:nvPr>
-        </p:nvSpPr>
-        <p:spPr>
-          <a:xfrm>
-            <a:off x="974725" y="4560887"/>
-            <a:ext cx="5365799" cy="4319700"/>
-          </a:xfrm>
-          <a:prstGeom prst="rect">
-            <a:avLst/>
-          </a:prstGeom>
-        </p:spPr>
-        <p:txBody>
-          <a:bodyPr lIns="91425" tIns="91425" rIns="91425" bIns="91425" anchor="t" anchorCtr="0">
-            <a:noAutofit/>
-          </a:bodyPr>
-          <a:lstStyle/>
-          <a:p>
-            <a:pPr lvl="0">
-              <a:spcBef>
-                <a:spcPts val="0"/>
-              </a:spcBef>
-              <a:buNone/>
-            </a:pPr>
-            <a:endParaRPr/>
-          </a:p>
-        </p:txBody>
-      </p:sp>
-      <p:sp>
-        <p:nvSpPr>
-          <p:cNvPr id="414" name="Shape 414"/>
-          <p:cNvSpPr txBox="1">
-            <a:spLocks noGrp="1"/>
-          </p:cNvSpPr>
-          <p:nvPr>
-            <p:ph type="sldNum" idx="12"/>
-          </p:nvPr>
-        </p:nvSpPr>
-        <p:spPr>
-          <a:xfrm>
-            <a:off x="4144962" y="9121775"/>
-            <a:ext cx="3170099" cy="479399"/>
-          </a:xfrm>
-          <a:prstGeom prst="rect">
-            <a:avLst/>
-          </a:prstGeom>
-        </p:spPr>
-        <p:txBody>
-          <a:bodyPr lIns="96650" tIns="48325" rIns="96650" bIns="48325" anchor="b" anchorCtr="0">
-            <a:noAutofit/>
-          </a:bodyPr>
-          <a:lstStyle/>
-          <a:p>
-            <a:pPr lvl="0">
-              <a:spcBef>
-                <a:spcPts val="0"/>
-              </a:spcBef>
-              <a:buClr>
-                <a:srgbClr val="000000"/>
-              </a:buClr>
-              <a:buSzPct val="25000"/>
-              <a:buFont typeface="Tahoma"/>
-              <a:buNone/>
-            </a:pPr>
-            <a:fld id="{00000000-1234-1234-1234-123412341234}" type="slidenum">
-              <a:rPr lang="en-US"/>
-              <a:pPr lvl="0">
-                <a:spcBef>
-                  <a:spcPts val="0"/>
-                </a:spcBef>
-                <a:buClr>
-                  <a:srgbClr val="000000"/>
-                </a:buClr>
-                <a:buSzPct val="25000"/>
-                <a:buFont typeface="Tahoma"/>
-                <a:buNone/>
-              </a:pPr>
-              <a:t>18</a:t>
-            </a:fld>
-            <a:endParaRPr lang="en-US"/>
-          </a:p>
-        </p:txBody>
-      </p:sp>
-    </p:spTree>
-    <p:extLst>
-      <p:ext uri="{BB962C8B-B14F-4D97-AF65-F5344CB8AC3E}">
-        <p14:creationId xmlns="" xmlns:p14="http://schemas.microsoft.com/office/powerpoint/2010/main" val="4082603513"/>
+        <p14:creationId xmlns:p14="http://schemas.microsoft.com/office/powerpoint/2010/main" val="1940280889"/>
       </p:ext>
     </p:extLst>
   </p:cSld>
@@ -13768,7 +13601,7 @@
     </p:spTree>
     <p:extLst>
       <p:ext uri="{BB962C8B-B14F-4D97-AF65-F5344CB8AC3E}">
-        <p14:creationId xmlns="" xmlns:p14="http://schemas.microsoft.com/office/powerpoint/2010/main" val="1279608820"/>
+        <p14:creationId xmlns:p14="http://schemas.microsoft.com/office/powerpoint/2010/main" val="1279608820"/>
       </p:ext>
     </p:extLst>
   </p:cSld>
@@ -14001,7 +13834,7 @@
     </p:spTree>
     <p:extLst>
       <p:ext uri="{BB962C8B-B14F-4D97-AF65-F5344CB8AC3E}">
-        <p14:creationId xmlns="" xmlns:p14="http://schemas.microsoft.com/office/powerpoint/2010/main" val="2478786571"/>
+        <p14:creationId xmlns:p14="http://schemas.microsoft.com/office/powerpoint/2010/main" val="2478786571"/>
       </p:ext>
     </p:extLst>
   </p:cSld>
@@ -14295,7 +14128,7 @@
     </p:spTree>
     <p:extLst>
       <p:ext uri="{BB962C8B-B14F-4D97-AF65-F5344CB8AC3E}">
-        <p14:creationId xmlns="" xmlns:p14="http://schemas.microsoft.com/office/powerpoint/2010/main" val="2328964540"/>
+        <p14:creationId xmlns:p14="http://schemas.microsoft.com/office/powerpoint/2010/main" val="2328964540"/>
       </p:ext>
     </p:extLst>
   </p:cSld>
@@ -14668,7 +14501,7 @@
     </p:spTree>
     <p:extLst>
       <p:ext uri="{BB962C8B-B14F-4D97-AF65-F5344CB8AC3E}">
-        <p14:creationId xmlns="" xmlns:p14="http://schemas.microsoft.com/office/powerpoint/2010/main" val="3375524679"/>
+        <p14:creationId xmlns:p14="http://schemas.microsoft.com/office/powerpoint/2010/main" val="3375524679"/>
       </p:ext>
     </p:extLst>
   </p:cSld>
@@ -14698,7 +14531,7 @@
     </p:spTree>
     <p:extLst>
       <p:ext uri="{BB962C8B-B14F-4D97-AF65-F5344CB8AC3E}">
-        <p14:creationId xmlns="" xmlns:p14="http://schemas.microsoft.com/office/powerpoint/2010/main" val="772820594"/>
+        <p14:creationId xmlns:p14="http://schemas.microsoft.com/office/powerpoint/2010/main" val="772820594"/>
       </p:ext>
     </p:extLst>
   </p:cSld>
@@ -14860,7 +14693,7 @@
     </p:spTree>
     <p:extLst>
       <p:ext uri="{BB962C8B-B14F-4D97-AF65-F5344CB8AC3E}">
-        <p14:creationId xmlns="" xmlns:p14="http://schemas.microsoft.com/office/powerpoint/2010/main" val="2806790013"/>
+        <p14:creationId xmlns:p14="http://schemas.microsoft.com/office/powerpoint/2010/main" val="2806790013"/>
       </p:ext>
     </p:extLst>
   </p:cSld>
@@ -15001,7 +14834,7 @@
     </p:spTree>
     <p:extLst>
       <p:ext uri="{BB962C8B-B14F-4D97-AF65-F5344CB8AC3E}">
-        <p14:creationId xmlns="" xmlns:p14="http://schemas.microsoft.com/office/powerpoint/2010/main" val="1674071280"/>
+        <p14:creationId xmlns:p14="http://schemas.microsoft.com/office/powerpoint/2010/main" val="1674071280"/>
       </p:ext>
     </p:extLst>
   </p:cSld>
@@ -15184,7 +15017,7 @@
     </p:spTree>
     <p:extLst>
       <p:ext uri="{BB962C8B-B14F-4D97-AF65-F5344CB8AC3E}">
-        <p14:creationId xmlns="" xmlns:p14="http://schemas.microsoft.com/office/powerpoint/2010/main" val="3915180986"/>
+        <p14:creationId xmlns:p14="http://schemas.microsoft.com/office/powerpoint/2010/main" val="3915180986"/>
       </p:ext>
     </p:extLst>
   </p:cSld>
@@ -15249,7 +15082,7 @@
     </p:spTree>
     <p:extLst>
       <p:ext uri="{BB962C8B-B14F-4D97-AF65-F5344CB8AC3E}">
-        <p14:creationId xmlns="" xmlns:p14="http://schemas.microsoft.com/office/powerpoint/2010/main" val="3402029070"/>
+        <p14:creationId xmlns:p14="http://schemas.microsoft.com/office/powerpoint/2010/main" val="3402029070"/>
       </p:ext>
     </p:extLst>
   </p:cSld>
@@ -15327,7 +15160,7 @@
     </p:spTree>
     <p:extLst>
       <p:ext uri="{BB962C8B-B14F-4D97-AF65-F5344CB8AC3E}">
-        <p14:creationId xmlns="" xmlns:p14="http://schemas.microsoft.com/office/powerpoint/2010/main" val="721522243"/>
+        <p14:creationId xmlns:p14="http://schemas.microsoft.com/office/powerpoint/2010/main" val="721522243"/>
       </p:ext>
     </p:extLst>
   </p:cSld>
@@ -15459,7 +15292,7 @@
     </p:spTree>
     <p:extLst>
       <p:ext uri="{BB962C8B-B14F-4D97-AF65-F5344CB8AC3E}">
-        <p14:creationId xmlns="" xmlns:p14="http://schemas.microsoft.com/office/powerpoint/2010/main" val="656146748"/>
+        <p14:creationId xmlns:p14="http://schemas.microsoft.com/office/powerpoint/2010/main" val="656146748"/>
       </p:ext>
     </p:extLst>
   </p:cSld>
@@ -15932,29 +15765,7 @@
                   </a:schemeClr>
                 </a:solidFill>
               </a:rPr>
-              <a:t>				</a:t>
-            </a:r>
-            <a:r>
-              <a:rPr lang="pt-BR" sz="1400" dirty="0" smtClean="0">
-                <a:solidFill>
-                  <a:schemeClr val="tx1">
-                    <a:lumMod val="65000"/>
-                    <a:lumOff val="35000"/>
-                  </a:schemeClr>
-                </a:solidFill>
-              </a:rPr>
-              <a:t>  </a:t>
-            </a:r>
-            <a:r>
-              <a:rPr lang="pt-BR" sz="1400" dirty="0" smtClean="0">
-                <a:solidFill>
-                  <a:schemeClr val="tx1">
-                    <a:lumMod val="65000"/>
-                    <a:lumOff val="35000"/>
-                  </a:schemeClr>
-                </a:solidFill>
-              </a:rPr>
-              <a:t>Tatiana Santana - RA 1600793</a:t>
+              <a:t>				  Tatiana Santana - RA 1600793</a:t>
             </a:r>
           </a:p>
           <a:p>
@@ -15968,49 +15779,8 @@
                   </a:schemeClr>
                 </a:solidFill>
               </a:rPr>
-              <a:t>  </a:t>
+              <a:t>                                   Vagner Alcântara - RA 1600192</a:t>
             </a:r>
-            <a:r>
-              <a:rPr lang="pt-BR" sz="1400" dirty="0" smtClean="0">
-                <a:solidFill>
-                  <a:schemeClr val="tx1">
-                    <a:lumMod val="65000"/>
-                    <a:lumOff val="35000"/>
-                  </a:schemeClr>
-                </a:solidFill>
-              </a:rPr>
-              <a:t>                                 Vagner </a:t>
-            </a:r>
-            <a:r>
-              <a:rPr lang="pt-BR" sz="1400" dirty="0" smtClean="0">
-                <a:solidFill>
-                  <a:schemeClr val="tx1">
-                    <a:lumMod val="65000"/>
-                    <a:lumOff val="35000"/>
-                  </a:schemeClr>
-                </a:solidFill>
-              </a:rPr>
-              <a:t>Alcântara - RA </a:t>
-            </a:r>
-            <a:r>
-              <a:rPr lang="pt-BR" sz="1400" dirty="0" smtClean="0">
-                <a:solidFill>
-                  <a:schemeClr val="tx1">
-                    <a:lumMod val="65000"/>
-                    <a:lumOff val="35000"/>
-                  </a:schemeClr>
-                </a:solidFill>
-              </a:rPr>
-              <a:t>1600192</a:t>
-            </a:r>
-            <a:endParaRPr lang="pt-BR" sz="1400" dirty="0" smtClean="0">
-              <a:solidFill>
-                <a:schemeClr val="tx1">
-                  <a:lumMod val="65000"/>
-                  <a:lumOff val="35000"/>
-                </a:schemeClr>
-              </a:solidFill>
-            </a:endParaRPr>
           </a:p>
           <a:p>
             <a:pPr algn="r"/>
@@ -16111,11 +15881,7 @@
             <a:pPr lvl="0"/>
             <a:r>
               <a:rPr lang="pt-BR" b="1" dirty="0" smtClean="0"/>
-              <a:t>7. Protótipo </a:t>
-            </a:r>
-            <a:r>
-              <a:rPr lang="pt-BR" b="1" dirty="0" smtClean="0"/>
-              <a:t>de Telas</a:t>
+              <a:t>7. Protótipo de Telas</a:t>
             </a:r>
             <a:r>
               <a:rPr lang="pt-BR" dirty="0" smtClean="0"/>
@@ -16171,7 +15937,7 @@
           <a:blip r:embed="rId2">
             <a:extLst>
               <a:ext uri="{28A0092B-C50C-407E-A947-70E740481C1C}">
-                <a14:useLocalDpi xmlns="" xmlns:wpc="http://schemas.microsoft.com/office/word/2010/wordprocessingCanvas" xmlns:mc="http://schemas.openxmlformats.org/markup-compatibility/2006" xmlns:o="urn:schemas-microsoft-com:office:office" xmlns:m="http://schemas.openxmlformats.org/officeDocument/2006/math" xmlns:v="urn:schemas-microsoft-com:vml" xmlns:wp14="http://schemas.microsoft.com/office/word/2010/wordprocessingDrawing" xmlns:wp="http://schemas.openxmlformats.org/drawingml/2006/wordprocessingDrawing" xmlns:w10="urn:schemas-microsoft-com:office:word" xmlns:w="http://schemas.openxmlformats.org/wordprocessingml/2006/main" xmlns:w14="http://schemas.microsoft.com/office/word/2010/wordml" xmlns:w15="http://schemas.microsoft.com/office/word/2012/wordml" xmlns:wpg="http://schemas.microsoft.com/office/word/2010/wordprocessingGroup" xmlns:wpi="http://schemas.microsoft.com/office/word/2010/wordprocessingInk" xmlns:wne="http://schemas.microsoft.com/office/word/2006/wordml" xmlns:wps="http://schemas.microsoft.com/office/word/2010/wordprocessingShape" xmlns:a14="http://schemas.microsoft.com/office/drawing/2010/main" xmlns:pic="http://schemas.openxmlformats.org/drawingml/2006/picture" xmlns:lc="http://schemas.openxmlformats.org/drawingml/2006/lockedCanvas" val="0"/>
+                <a14:useLocalDpi xmlns:a14="http://schemas.microsoft.com/office/drawing/2010/main" val="0"/>
               </a:ext>
             </a:extLst>
           </a:blip>
@@ -16192,7 +15958,7 @@
     </p:spTree>
     <p:extLst>
       <p:ext uri="{BB962C8B-B14F-4D97-AF65-F5344CB8AC3E}">
-        <p14:creationId xmlns="" xmlns:p14="http://schemas.microsoft.com/office/powerpoint/2010/main" val="3473583267"/>
+        <p14:creationId xmlns:p14="http://schemas.microsoft.com/office/powerpoint/2010/main" val="3473583267"/>
       </p:ext>
     </p:extLst>
   </p:cSld>
@@ -16270,7 +16036,7 @@
           <a:blip r:embed="rId3">
             <a:extLst>
               <a:ext uri="{28A0092B-C50C-407E-A947-70E740481C1C}">
-                <a14:useLocalDpi xmlns="" xmlns:wpc="http://schemas.microsoft.com/office/word/2010/wordprocessingCanvas" xmlns:mc="http://schemas.openxmlformats.org/markup-compatibility/2006" xmlns:o="urn:schemas-microsoft-com:office:office" xmlns:m="http://schemas.openxmlformats.org/officeDocument/2006/math" xmlns:v="urn:schemas-microsoft-com:vml" xmlns:wp14="http://schemas.microsoft.com/office/word/2010/wordprocessingDrawing" xmlns:wp="http://schemas.openxmlformats.org/drawingml/2006/wordprocessingDrawing" xmlns:w10="urn:schemas-microsoft-com:office:word" xmlns:w="http://schemas.openxmlformats.org/wordprocessingml/2006/main" xmlns:w14="http://schemas.microsoft.com/office/word/2010/wordml" xmlns:w15="http://schemas.microsoft.com/office/word/2012/wordml" xmlns:wpg="http://schemas.microsoft.com/office/word/2010/wordprocessingGroup" xmlns:wpi="http://schemas.microsoft.com/office/word/2010/wordprocessingInk" xmlns:wne="http://schemas.microsoft.com/office/word/2006/wordml" xmlns:wps="http://schemas.microsoft.com/office/word/2010/wordprocessingShape" xmlns:a14="http://schemas.microsoft.com/office/drawing/2010/main" xmlns:pic="http://schemas.openxmlformats.org/drawingml/2006/picture" xmlns:lc="http://schemas.openxmlformats.org/drawingml/2006/lockedCanvas" val="0"/>
+                <a14:useLocalDpi xmlns:a14="http://schemas.microsoft.com/office/drawing/2010/main" val="0"/>
               </a:ext>
             </a:extLst>
           </a:blip>
@@ -16291,7 +16057,7 @@
     </p:spTree>
     <p:extLst>
       <p:ext uri="{BB962C8B-B14F-4D97-AF65-F5344CB8AC3E}">
-        <p14:creationId xmlns="" xmlns:p14="http://schemas.microsoft.com/office/powerpoint/2010/main" val="2968982402"/>
+        <p14:creationId xmlns:p14="http://schemas.microsoft.com/office/powerpoint/2010/main" val="2968982402"/>
       </p:ext>
     </p:extLst>
   </p:cSld>
@@ -16343,11 +16109,7 @@
             <a:pPr lvl="0"/>
             <a:r>
               <a:rPr lang="pt-BR" b="1" dirty="0" smtClean="0"/>
-              <a:t>8. Avaliando </a:t>
-            </a:r>
-            <a:r>
-              <a:rPr lang="pt-BR" b="1" dirty="0" smtClean="0"/>
-              <a:t>Interfaces</a:t>
+              <a:t>8. Avaliando Interfaces</a:t>
             </a:r>
             <a:endParaRPr lang="pt-BR" dirty="0"/>
           </a:p>
@@ -16382,15 +16144,7 @@
           <a:p>
             <a:r>
               <a:rPr lang="pt-BR" sz="1100" b="1" dirty="0" smtClean="0"/>
-              <a:t>Proponha </a:t>
-            </a:r>
-            <a:r>
-              <a:rPr lang="pt-BR" sz="1100" b="1" dirty="0" smtClean="0"/>
-              <a:t>melhorias para solucionar os problemas</a:t>
-            </a:r>
-            <a:r>
-              <a:rPr lang="pt-BR" sz="1100" b="1" dirty="0" smtClean="0"/>
-              <a:t>.</a:t>
+              <a:t>Proponha melhorias para solucionar os problemas.</a:t>
             </a:r>
           </a:p>
           <a:p>
@@ -18364,7 +18118,7 @@
     </p:spTree>
     <p:extLst>
       <p:ext uri="{BB962C8B-B14F-4D97-AF65-F5344CB8AC3E}">
-        <p14:creationId xmlns="" xmlns:p14="http://schemas.microsoft.com/office/powerpoint/2010/main" val="2411545058"/>
+        <p14:creationId xmlns:p14="http://schemas.microsoft.com/office/powerpoint/2010/main" val="2411545058"/>
       </p:ext>
     </p:extLst>
   </p:cSld>
@@ -18400,420 +18154,6 @@
       </p:grpSpPr>
       <p:sp>
         <p:nvSpPr>
-          <p:cNvPr id="2" name="Título 1"/>
-          <p:cNvSpPr>
-            <a:spLocks noGrp="1"/>
-          </p:cNvSpPr>
-          <p:nvPr>
-            <p:ph type="title"/>
-          </p:nvPr>
-        </p:nvSpPr>
-        <p:spPr/>
-        <p:txBody>
-          <a:bodyPr/>
-          <a:lstStyle/>
-          <a:p>
-            <a:endParaRPr lang="pt-BR" dirty="0"/>
-          </a:p>
-        </p:txBody>
-      </p:sp>
-      <p:sp>
-        <p:nvSpPr>
-          <p:cNvPr id="4" name="Espaço Reservado para Conteúdo 3"/>
-          <p:cNvSpPr>
-            <a:spLocks noGrp="1"/>
-          </p:cNvSpPr>
-          <p:nvPr>
-            <p:ph idx="1"/>
-          </p:nvPr>
-        </p:nvSpPr>
-        <p:spPr/>
-        <p:txBody>
-          <a:bodyPr/>
-          <a:lstStyle/>
-          <a:p>
-            <a:endParaRPr lang="pt-BR"/>
-          </a:p>
-        </p:txBody>
-      </p:sp>
-    </p:spTree>
-  </p:cSld>
-  <p:clrMapOvr>
-    <a:masterClrMapping/>
-  </p:clrMapOvr>
-  <p:timing>
-    <p:tnLst>
-      <p:par>
-        <p:cTn id="1" dur="indefinite" restart="never" nodeType="tmRoot"/>
-      </p:par>
-    </p:tnLst>
-  </p:timing>
-</p:sld>
-</file>
-
-<file path=ppt/slides/slide14.xml><?xml version="1.0" encoding="utf-8"?>
-<p:sld xmlns:a="http://schemas.openxmlformats.org/drawingml/2006/main" xmlns:r="http://schemas.openxmlformats.org/officeDocument/2006/relationships" xmlns:p="http://schemas.openxmlformats.org/presentationml/2006/main">
-  <p:cSld>
-    <p:spTree>
-      <p:nvGrpSpPr>
-        <p:cNvPr id="1" name=""/>
-        <p:cNvGrpSpPr/>
-        <p:nvPr/>
-      </p:nvGrpSpPr>
-      <p:grpSpPr>
-        <a:xfrm>
-          <a:off x="0" y="0"/>
-          <a:ext cx="0" cy="0"/>
-          <a:chOff x="0" y="0"/>
-          <a:chExt cx="0" cy="0"/>
-        </a:xfrm>
-      </p:grpSpPr>
-      <p:sp>
-        <p:nvSpPr>
-          <p:cNvPr id="2" name="Título 1"/>
-          <p:cNvSpPr>
-            <a:spLocks noGrp="1"/>
-          </p:cNvSpPr>
-          <p:nvPr>
-            <p:ph type="title"/>
-          </p:nvPr>
-        </p:nvSpPr>
-        <p:spPr/>
-        <p:txBody>
-          <a:bodyPr/>
-          <a:lstStyle/>
-          <a:p>
-            <a:endParaRPr lang="pt-BR" dirty="0"/>
-          </a:p>
-        </p:txBody>
-      </p:sp>
-      <p:sp>
-        <p:nvSpPr>
-          <p:cNvPr id="4" name="Espaço Reservado para Conteúdo 3"/>
-          <p:cNvSpPr>
-            <a:spLocks noGrp="1"/>
-          </p:cNvSpPr>
-          <p:nvPr>
-            <p:ph idx="1"/>
-          </p:nvPr>
-        </p:nvSpPr>
-        <p:spPr/>
-        <p:txBody>
-          <a:bodyPr/>
-          <a:lstStyle/>
-          <a:p>
-            <a:endParaRPr lang="pt-BR"/>
-          </a:p>
-        </p:txBody>
-      </p:sp>
-    </p:spTree>
-  </p:cSld>
-  <p:clrMapOvr>
-    <a:masterClrMapping/>
-  </p:clrMapOvr>
-</p:sld>
-</file>
-
-<file path=ppt/slides/slide15.xml><?xml version="1.0" encoding="utf-8"?>
-<p:sld xmlns:a="http://schemas.openxmlformats.org/drawingml/2006/main" xmlns:r="http://schemas.openxmlformats.org/officeDocument/2006/relationships" xmlns:p="http://schemas.openxmlformats.org/presentationml/2006/main">
-  <p:cSld>
-    <p:spTree>
-      <p:nvGrpSpPr>
-        <p:cNvPr id="1" name=""/>
-        <p:cNvGrpSpPr/>
-        <p:nvPr/>
-      </p:nvGrpSpPr>
-      <p:grpSpPr>
-        <a:xfrm>
-          <a:off x="0" y="0"/>
-          <a:ext cx="0" cy="0"/>
-          <a:chOff x="0" y="0"/>
-          <a:chExt cx="0" cy="0"/>
-        </a:xfrm>
-      </p:grpSpPr>
-      <p:sp>
-        <p:nvSpPr>
-          <p:cNvPr id="2" name="Título 1"/>
-          <p:cNvSpPr>
-            <a:spLocks noGrp="1"/>
-          </p:cNvSpPr>
-          <p:nvPr>
-            <p:ph type="title"/>
-          </p:nvPr>
-        </p:nvSpPr>
-        <p:spPr/>
-        <p:txBody>
-          <a:bodyPr/>
-          <a:lstStyle/>
-          <a:p>
-            <a:endParaRPr lang="pt-BR" dirty="0"/>
-          </a:p>
-        </p:txBody>
-      </p:sp>
-      <p:sp>
-        <p:nvSpPr>
-          <p:cNvPr id="4" name="Espaço Reservado para Conteúdo 3"/>
-          <p:cNvSpPr>
-            <a:spLocks noGrp="1"/>
-          </p:cNvSpPr>
-          <p:nvPr>
-            <p:ph idx="1"/>
-          </p:nvPr>
-        </p:nvSpPr>
-        <p:spPr/>
-        <p:txBody>
-          <a:bodyPr/>
-          <a:lstStyle/>
-          <a:p>
-            <a:endParaRPr lang="pt-BR"/>
-          </a:p>
-        </p:txBody>
-      </p:sp>
-    </p:spTree>
-  </p:cSld>
-  <p:clrMapOvr>
-    <a:masterClrMapping/>
-  </p:clrMapOvr>
-</p:sld>
-</file>
-
-<file path=ppt/slides/slide16.xml><?xml version="1.0" encoding="utf-8"?>
-<p:sld xmlns:a="http://schemas.openxmlformats.org/drawingml/2006/main" xmlns:r="http://schemas.openxmlformats.org/officeDocument/2006/relationships" xmlns:p="http://schemas.openxmlformats.org/presentationml/2006/main">
-  <p:cSld>
-    <p:spTree>
-      <p:nvGrpSpPr>
-        <p:cNvPr id="1" name=""/>
-        <p:cNvGrpSpPr/>
-        <p:nvPr/>
-      </p:nvGrpSpPr>
-      <p:grpSpPr>
-        <a:xfrm>
-          <a:off x="0" y="0"/>
-          <a:ext cx="0" cy="0"/>
-          <a:chOff x="0" y="0"/>
-          <a:chExt cx="0" cy="0"/>
-        </a:xfrm>
-      </p:grpSpPr>
-      <p:sp>
-        <p:nvSpPr>
-          <p:cNvPr id="2" name="Título 1"/>
-          <p:cNvSpPr>
-            <a:spLocks noGrp="1"/>
-          </p:cNvSpPr>
-          <p:nvPr>
-            <p:ph type="title"/>
-          </p:nvPr>
-        </p:nvSpPr>
-        <p:spPr/>
-        <p:txBody>
-          <a:bodyPr/>
-          <a:lstStyle/>
-          <a:p>
-            <a:endParaRPr lang="pt-BR" dirty="0"/>
-          </a:p>
-        </p:txBody>
-      </p:sp>
-      <p:sp>
-        <p:nvSpPr>
-          <p:cNvPr id="4" name="Espaço Reservado para Conteúdo 3"/>
-          <p:cNvSpPr>
-            <a:spLocks noGrp="1"/>
-          </p:cNvSpPr>
-          <p:nvPr>
-            <p:ph idx="1"/>
-          </p:nvPr>
-        </p:nvSpPr>
-        <p:spPr/>
-        <p:txBody>
-          <a:bodyPr/>
-          <a:lstStyle/>
-          <a:p>
-            <a:endParaRPr lang="pt-BR"/>
-          </a:p>
-        </p:txBody>
-      </p:sp>
-    </p:spTree>
-  </p:cSld>
-  <p:clrMapOvr>
-    <a:masterClrMapping/>
-  </p:clrMapOvr>
-</p:sld>
-</file>
-
-<file path=ppt/slides/slide17.xml><?xml version="1.0" encoding="utf-8"?>
-<p:sld xmlns:a="http://schemas.openxmlformats.org/drawingml/2006/main" xmlns:r="http://schemas.openxmlformats.org/officeDocument/2006/relationships" xmlns:p="http://schemas.openxmlformats.org/presentationml/2006/main">
-  <p:cSld>
-    <p:spTree>
-      <p:nvGrpSpPr>
-        <p:cNvPr id="1" name=""/>
-        <p:cNvGrpSpPr/>
-        <p:nvPr/>
-      </p:nvGrpSpPr>
-      <p:grpSpPr>
-        <a:xfrm>
-          <a:off x="0" y="0"/>
-          <a:ext cx="0" cy="0"/>
-          <a:chOff x="0" y="0"/>
-          <a:chExt cx="0" cy="0"/>
-        </a:xfrm>
-      </p:grpSpPr>
-      <p:sp>
-        <p:nvSpPr>
-          <p:cNvPr id="2" name="Título 1"/>
-          <p:cNvSpPr>
-            <a:spLocks noGrp="1"/>
-          </p:cNvSpPr>
-          <p:nvPr>
-            <p:ph type="title"/>
-          </p:nvPr>
-        </p:nvSpPr>
-        <p:spPr/>
-        <p:txBody>
-          <a:bodyPr/>
-          <a:lstStyle/>
-          <a:p>
-            <a:endParaRPr lang="pt-BR" dirty="0"/>
-          </a:p>
-        </p:txBody>
-      </p:sp>
-      <p:sp>
-        <p:nvSpPr>
-          <p:cNvPr id="3" name="Espaço Reservado para Conteúdo 2"/>
-          <p:cNvSpPr>
-            <a:spLocks noGrp="1"/>
-          </p:cNvSpPr>
-          <p:nvPr>
-            <p:ph idx="1"/>
-          </p:nvPr>
-        </p:nvSpPr>
-        <p:spPr/>
-        <p:txBody>
-          <a:bodyPr/>
-          <a:lstStyle/>
-          <a:p>
-            <a:pPr>
-              <a:buNone/>
-            </a:pPr>
-            <a:endParaRPr lang="pt-BR" dirty="0"/>
-          </a:p>
-        </p:txBody>
-      </p:sp>
-    </p:spTree>
-    <p:extLst>
-      <p:ext uri="{BB962C8B-B14F-4D97-AF65-F5344CB8AC3E}">
-        <p14:creationId xmlns="" xmlns:p14="http://schemas.microsoft.com/office/powerpoint/2010/main" val="2840771722"/>
-      </p:ext>
-    </p:extLst>
-  </p:cSld>
-  <p:clrMapOvr>
-    <a:masterClrMapping/>
-  </p:clrMapOvr>
-</p:sld>
-</file>
-
-<file path=ppt/slides/slide18.xml><?xml version="1.0" encoding="utf-8"?>
-<p:sld xmlns:a="http://schemas.openxmlformats.org/drawingml/2006/main" xmlns:r="http://schemas.openxmlformats.org/officeDocument/2006/relationships" xmlns:p="http://schemas.openxmlformats.org/presentationml/2006/main">
-  <p:cSld>
-    <p:spTree>
-      <p:nvGrpSpPr>
-        <p:cNvPr id="1" name="Shape 415"/>
-        <p:cNvGrpSpPr/>
-        <p:nvPr/>
-      </p:nvGrpSpPr>
-      <p:grpSpPr>
-        <a:xfrm>
-          <a:off x="0" y="0"/>
-          <a:ext cx="0" cy="0"/>
-          <a:chOff x="0" y="0"/>
-          <a:chExt cx="0" cy="0"/>
-        </a:xfrm>
-      </p:grpSpPr>
-      <p:sp>
-        <p:nvSpPr>
-          <p:cNvPr id="416" name="Shape 416"/>
-          <p:cNvSpPr txBox="1">
-            <a:spLocks noGrp="1"/>
-          </p:cNvSpPr>
-          <p:nvPr>
-            <p:ph type="title"/>
-          </p:nvPr>
-        </p:nvSpPr>
-        <p:spPr>
-          <a:prstGeom prst="rect">
-            <a:avLst/>
-          </a:prstGeom>
-        </p:spPr>
-        <p:txBody>
-          <a:bodyPr lIns="91425" tIns="91425" rIns="91425" bIns="91425" anchor="t" anchorCtr="0">
-            <a:noAutofit/>
-          </a:bodyPr>
-          <a:lstStyle/>
-          <a:p>
-            <a:pPr lvl="0">
-              <a:spcBef>
-                <a:spcPts val="0"/>
-              </a:spcBef>
-            </a:pPr>
-            <a:endParaRPr lang="en-US" dirty="0"/>
-          </a:p>
-        </p:txBody>
-      </p:sp>
-      <p:sp>
-        <p:nvSpPr>
-          <p:cNvPr id="4" name="Espaço Reservado para Conteúdo 3"/>
-          <p:cNvSpPr>
-            <a:spLocks noGrp="1"/>
-          </p:cNvSpPr>
-          <p:nvPr>
-            <p:ph idx="1"/>
-          </p:nvPr>
-        </p:nvSpPr>
-        <p:spPr/>
-        <p:txBody>
-          <a:bodyPr/>
-          <a:lstStyle/>
-          <a:p>
-            <a:endParaRPr lang="pt-BR"/>
-          </a:p>
-        </p:txBody>
-      </p:sp>
-    </p:spTree>
-  </p:cSld>
-  <p:clrMapOvr>
-    <a:masterClrMapping/>
-  </p:clrMapOvr>
-  <p:transition spd="slow">
-    <p:cut/>
-  </p:transition>
-  <p:timing>
-    <p:tnLst>
-      <p:par>
-        <p:cTn id="1" dur="indefinite" restart="never" nodeType="tmRoot"/>
-      </p:par>
-    </p:tnLst>
-  </p:timing>
-</p:sld>
-</file>
-
-<file path=ppt/slides/slide19.xml><?xml version="1.0" encoding="utf-8"?>
-<p:sld xmlns:a="http://schemas.openxmlformats.org/drawingml/2006/main" xmlns:r="http://schemas.openxmlformats.org/officeDocument/2006/relationships" xmlns:p="http://schemas.openxmlformats.org/presentationml/2006/main">
-  <p:cSld>
-    <p:spTree>
-      <p:nvGrpSpPr>
-        <p:cNvPr id="1" name=""/>
-        <p:cNvGrpSpPr/>
-        <p:nvPr/>
-      </p:nvGrpSpPr>
-      <p:grpSpPr>
-        <a:xfrm>
-          <a:off x="0" y="0"/>
-          <a:ext cx="0" cy="0"/>
-          <a:chOff x="0" y="0"/>
-          <a:chExt cx="0" cy="0"/>
-        </a:xfrm>
-      </p:grpSpPr>
-      <p:sp>
-        <p:nvSpPr>
           <p:cNvPr id="5" name="Título 4"/>
           <p:cNvSpPr>
             <a:spLocks noGrp="1"/>
@@ -18822,14 +18162,19 @@
             <p:ph type="ctrTitle"/>
           </p:nvPr>
         </p:nvSpPr>
-        <p:spPr/>
+        <p:spPr>
+          <a:xfrm>
+            <a:off x="685800" y="2276872"/>
+            <a:ext cx="7772400" cy="1470025"/>
+          </a:xfrm>
+        </p:spPr>
         <p:txBody>
           <a:bodyPr/>
           <a:lstStyle/>
           <a:p>
             <a:r>
               <a:rPr lang="pt-BR" dirty="0" smtClean="0"/>
-              <a:t>Fim</a:t>
+              <a:t>Obrigado.</a:t>
             </a:r>
             <a:endParaRPr lang="pt-BR" dirty="0"/>
           </a:p>
@@ -18901,11 +18246,7 @@
             <a:pPr lvl="0"/>
             <a:r>
               <a:rPr lang="pt-BR" sz="2400" b="1" dirty="0" smtClean="0"/>
-              <a:t>1. Entendendo </a:t>
-            </a:r>
-            <a:r>
-              <a:rPr lang="pt-BR" sz="2400" b="1" dirty="0" smtClean="0"/>
-              <a:t>os usuários</a:t>
+              <a:t>1. Entendendo os usuários</a:t>
             </a:r>
             <a:endParaRPr lang="pt-BR" sz="2400" dirty="0" smtClean="0"/>
           </a:p>
@@ -18931,11 +18272,7 @@
             </a:pPr>
             <a:r>
               <a:rPr lang="pt-BR" sz="2000" b="1" dirty="0" smtClean="0"/>
-              <a:t>Quais </a:t>
-            </a:r>
-            <a:r>
-              <a:rPr lang="pt-BR" sz="2000" b="1" dirty="0" smtClean="0"/>
-              <a:t>necessidades os usuários têm a ser supridas?</a:t>
+              <a:t>Quais necessidades os usuários têm a ser supridas?</a:t>
             </a:r>
             <a:endParaRPr lang="pt-BR" sz="2000" dirty="0" smtClean="0"/>
           </a:p>
@@ -18946,19 +18283,7 @@
             </a:pPr>
             <a:r>
               <a:rPr lang="pt-BR" sz="2000" dirty="0" smtClean="0"/>
-              <a:t>Acesso </a:t>
-            </a:r>
-            <a:r>
-              <a:rPr lang="pt-BR" sz="2000" dirty="0" smtClean="0"/>
-              <a:t>fácil e simplificado às funcionalidades, principalmente a agenda </a:t>
-            </a:r>
-            <a:r>
-              <a:rPr lang="pt-BR" sz="2000" dirty="0" smtClean="0"/>
-              <a:t>do dia/semana</a:t>
-            </a:r>
-            <a:r>
-              <a:rPr lang="pt-BR" sz="2000" dirty="0" smtClean="0"/>
-              <a:t>.</a:t>
+              <a:t>Acesso fácil e simplificado às funcionalidades, principalmente a agenda do dia/semana.</a:t>
             </a:r>
           </a:p>
           <a:p>
@@ -18968,11 +18293,7 @@
             </a:pPr>
             <a:r>
               <a:rPr lang="pt-BR" sz="2000" dirty="0" smtClean="0"/>
-              <a:t>Navegação </a:t>
-            </a:r>
-            <a:r>
-              <a:rPr lang="pt-BR" sz="2000" dirty="0" smtClean="0"/>
-              <a:t>intuitiva;</a:t>
+              <a:t>Navegação intuitiva;</a:t>
             </a:r>
           </a:p>
           <a:p>
@@ -18982,11 +18303,7 @@
             </a:pPr>
             <a:r>
               <a:rPr lang="pt-BR" sz="2000" dirty="0" smtClean="0"/>
-              <a:t>Atalhos </a:t>
-            </a:r>
-            <a:r>
-              <a:rPr lang="pt-BR" sz="2000" dirty="0" smtClean="0"/>
-              <a:t>para funcionalidades via teclado.</a:t>
+              <a:t>Atalhos para funcionalidades via teclado.</a:t>
             </a:r>
           </a:p>
           <a:p>
@@ -19001,11 +18318,7 @@
             </a:pPr>
             <a:r>
               <a:rPr lang="pt-BR" sz="2000" b="1" dirty="0" smtClean="0"/>
-              <a:t>O </a:t>
-            </a:r>
-            <a:r>
-              <a:rPr lang="pt-BR" sz="2000" b="1" dirty="0" smtClean="0"/>
-              <a:t>que os irrita ou decepciona?</a:t>
+              <a:t>O que os irrita ou decepciona?</a:t>
             </a:r>
             <a:endParaRPr lang="pt-BR" sz="2000" dirty="0" smtClean="0"/>
           </a:p>
@@ -19015,11 +18328,7 @@
             </a:pPr>
             <a:r>
               <a:rPr lang="pt-BR" sz="2000" dirty="0" smtClean="0"/>
-              <a:t>-	Atualmente </a:t>
-            </a:r>
-            <a:r>
-              <a:rPr lang="pt-BR" sz="2000" dirty="0" smtClean="0"/>
-              <a:t>a usuária não possui um sistema informatizado.</a:t>
+              <a:t>-	Atualmente a usuária não possui um sistema informatizado.</a:t>
             </a:r>
           </a:p>
           <a:p>
@@ -19034,11 +18343,7 @@
             </a:pPr>
             <a:r>
               <a:rPr lang="pt-BR" sz="2000" b="1" dirty="0" smtClean="0"/>
-              <a:t>O </a:t>
-            </a:r>
-            <a:r>
-              <a:rPr lang="pt-BR" sz="2000" b="1" dirty="0" smtClean="0"/>
-              <a:t>que os motiva a usar este produto?	</a:t>
+              <a:t>O que os motiva a usar este produto?	</a:t>
             </a:r>
             <a:endParaRPr lang="pt-BR" sz="2000" dirty="0" smtClean="0"/>
           </a:p>
@@ -19049,11 +18354,7 @@
             </a:pPr>
             <a:r>
               <a:rPr lang="pt-BR" sz="2000" dirty="0" smtClean="0"/>
-              <a:t>Governança </a:t>
-            </a:r>
-            <a:r>
-              <a:rPr lang="pt-BR" sz="2000" dirty="0" smtClean="0"/>
-              <a:t>das informações geradas pela empresa.</a:t>
+              <a:t>Governança das informações geradas pela empresa.</a:t>
             </a:r>
           </a:p>
           <a:p>
@@ -19063,11 +18364,7 @@
             </a:pPr>
             <a:r>
               <a:rPr lang="pt-BR" sz="2000" dirty="0" smtClean="0"/>
-              <a:t>Facilidade </a:t>
-            </a:r>
-            <a:r>
-              <a:rPr lang="pt-BR" sz="2000" dirty="0" smtClean="0"/>
-              <a:t>de acesso e manipulação dos registros.</a:t>
+              <a:t>Facilidade de acesso e manipulação dos registros.</a:t>
             </a:r>
           </a:p>
           <a:p>
@@ -19181,11 +18478,7 @@
             </a:pPr>
             <a:r>
               <a:rPr lang="pt-BR" sz="2000" b="1" dirty="0" smtClean="0"/>
-              <a:t>Identifique </a:t>
-            </a:r>
-            <a:r>
-              <a:rPr lang="pt-BR" sz="2000" b="1" dirty="0" smtClean="0"/>
-              <a:t>padrões de comportamentos dos usuários;</a:t>
+              <a:t>Identifique padrões de comportamentos dos usuários;</a:t>
             </a:r>
             <a:r>
               <a:rPr lang="pt-BR" sz="1800" b="1" dirty="0" smtClean="0"/>
@@ -19199,11 +18492,7 @@
             </a:pPr>
             <a:r>
               <a:rPr lang="pt-BR" sz="1800" dirty="0" smtClean="0"/>
-              <a:t>-	Todos </a:t>
-            </a:r>
-            <a:r>
-              <a:rPr lang="pt-BR" sz="1800" dirty="0" smtClean="0"/>
-              <a:t>os usuários do sistema possuem noções básicas de informática.</a:t>
+              <a:t>-	Todos os usuários do sistema possuem noções básicas de informática.</a:t>
             </a:r>
           </a:p>
           <a:p>
@@ -19212,11 +18501,7 @@
             </a:pPr>
             <a:r>
               <a:rPr lang="pt-BR" sz="1800" dirty="0" smtClean="0"/>
-              <a:t>-	Proprietária</a:t>
-            </a:r>
-            <a:r>
-              <a:rPr lang="pt-BR" sz="1800" dirty="0" smtClean="0"/>
-              <a:t>: Facilidade de acesso às informações da agenda e dos pacientes.</a:t>
+              <a:t>-	Proprietária: Facilidade de acesso às informações da agenda e dos pacientes.</a:t>
             </a:r>
           </a:p>
           <a:p>
@@ -19225,11 +18510,7 @@
             </a:pPr>
             <a:r>
               <a:rPr lang="pt-BR" sz="1800" dirty="0" smtClean="0"/>
-              <a:t>-	Secretária</a:t>
-            </a:r>
-            <a:r>
-              <a:rPr lang="pt-BR" sz="1800" dirty="0" smtClean="0"/>
-              <a:t>: Facilidade de acesso à agenda e manutenção das informações cadastrais.</a:t>
+              <a:t>-	Secretária: Facilidade de acesso à agenda e manutenção das informações cadastrais.</a:t>
             </a:r>
           </a:p>
           <a:p>
@@ -19244,11 +18525,7 @@
             </a:pPr>
             <a:r>
               <a:rPr lang="pt-BR" sz="2000" b="1" dirty="0" smtClean="0"/>
-              <a:t>Agrupe </a:t>
-            </a:r>
-            <a:r>
-              <a:rPr lang="pt-BR" sz="2000" b="1" dirty="0" smtClean="0"/>
-              <a:t>os usuários com base nos padrões;</a:t>
+              <a:t>Agrupe os usuários com base nos padrões;</a:t>
             </a:r>
             <a:endParaRPr lang="pt-BR" sz="2000" dirty="0" smtClean="0"/>
           </a:p>
@@ -19258,11 +18535,7 @@
             </a:pPr>
             <a:r>
               <a:rPr lang="pt-BR" sz="1800" dirty="0" smtClean="0"/>
-              <a:t>-	Grupo </a:t>
-            </a:r>
-            <a:r>
-              <a:rPr lang="pt-BR" sz="1800" dirty="0" smtClean="0"/>
-              <a:t>A (administrador)</a:t>
+              <a:t>-	Grupo A (administrador)</a:t>
             </a:r>
           </a:p>
           <a:p>
@@ -19272,15 +18545,7 @@
             </a:pPr>
             <a:r>
               <a:rPr lang="pt-BR" sz="1800" dirty="0" smtClean="0"/>
-              <a:t>Grupo </a:t>
-            </a:r>
-            <a:r>
-              <a:rPr lang="pt-BR" sz="1800" dirty="0" smtClean="0"/>
-              <a:t>B (secretária</a:t>
-            </a:r>
-            <a:r>
-              <a:rPr lang="pt-BR" sz="1800" dirty="0" smtClean="0"/>
-              <a:t>)</a:t>
+              <a:t>Grupo B (secretária)</a:t>
             </a:r>
           </a:p>
           <a:p>
@@ -19295,11 +18560,7 @@
             </a:pPr>
             <a:r>
               <a:rPr lang="pt-BR" sz="2000" b="1" dirty="0" smtClean="0"/>
-              <a:t>Especifique </a:t>
-            </a:r>
-            <a:r>
-              <a:rPr lang="pt-BR" sz="2000" b="1" dirty="0" smtClean="0"/>
-              <a:t>as características de cada grupo;</a:t>
+              <a:t>Especifique as características de cada grupo;</a:t>
             </a:r>
           </a:p>
           <a:p>
@@ -19308,11 +18569,7 @@
             </a:pPr>
             <a:r>
               <a:rPr lang="pt-BR" sz="1800" dirty="0" smtClean="0"/>
-              <a:t>-	Grupo </a:t>
-            </a:r>
-            <a:r>
-              <a:rPr lang="pt-BR" sz="1800" dirty="0" smtClean="0"/>
-              <a:t>A: Facilidade na consulta e manutenção do prontuário dos pacientes, gestão da agenda e visualização de relatórios financeiros.</a:t>
+              <a:t>-	Grupo A: Facilidade na consulta e manutenção do prontuário dos pacientes, gestão da agenda e visualização de relatórios financeiros.</a:t>
             </a:r>
           </a:p>
           <a:p>
@@ -19321,11 +18578,7 @@
             </a:pPr>
             <a:r>
               <a:rPr lang="pt-BR" sz="1800" dirty="0" smtClean="0"/>
-              <a:t>-	Grupo </a:t>
-            </a:r>
-            <a:r>
-              <a:rPr lang="pt-BR" sz="1800" dirty="0" smtClean="0"/>
-              <a:t>B: Facilidade para gerir informações administrativas, relacionadas à manutenção dos registros e contato com os pacientes/clientes. </a:t>
+              <a:t>-	Grupo B: Facilidade para gerir informações administrativas, relacionadas à manutenção dos registros e contato com os pacientes/clientes. </a:t>
             </a:r>
           </a:p>
           <a:p>
@@ -19340,11 +18593,7 @@
             </a:pPr>
             <a:r>
               <a:rPr lang="pt-BR" sz="1800" b="1" dirty="0" smtClean="0"/>
-              <a:t>Dê </a:t>
-            </a:r>
-            <a:r>
-              <a:rPr lang="pt-BR" sz="1800" b="1" dirty="0" smtClean="0"/>
-              <a:t>um nome para cada grupo.</a:t>
+              <a:t>Dê um nome para cada grupo.</a:t>
             </a:r>
             <a:endParaRPr lang="pt-BR" sz="1800" dirty="0" smtClean="0"/>
           </a:p>
@@ -19354,11 +18603,7 @@
             </a:pPr>
             <a:r>
               <a:rPr lang="pt-BR" sz="1800" dirty="0" smtClean="0"/>
-              <a:t>-	Grupo </a:t>
-            </a:r>
-            <a:r>
-              <a:rPr lang="pt-BR" sz="1800" dirty="0" smtClean="0"/>
-              <a:t>Administrador</a:t>
+              <a:t>-	Grupo Administrador</a:t>
             </a:r>
           </a:p>
           <a:p>
@@ -19367,11 +18612,7 @@
             </a:pPr>
             <a:r>
               <a:rPr lang="pt-BR" sz="1800" dirty="0" smtClean="0"/>
-              <a:t>-	Grupo </a:t>
-            </a:r>
-            <a:r>
-              <a:rPr lang="pt-BR" sz="1800" dirty="0" smtClean="0"/>
-              <a:t>Secretária.</a:t>
+              <a:t>-	Grupo Secretária.</a:t>
             </a:r>
           </a:p>
           <a:p>
@@ -19394,7 +18635,7 @@
     </p:spTree>
     <p:extLst>
       <p:ext uri="{BB962C8B-B14F-4D97-AF65-F5344CB8AC3E}">
-        <p14:creationId xmlns="" xmlns:p14="http://schemas.microsoft.com/office/powerpoint/2010/main" val="1228785724"/>
+        <p14:creationId xmlns:p14="http://schemas.microsoft.com/office/powerpoint/2010/main" val="1228785724"/>
       </p:ext>
     </p:extLst>
   </p:cSld>
@@ -19446,11 +18687,7 @@
             <a:pPr lvl="0"/>
             <a:r>
               <a:rPr lang="pt-BR" sz="2400" b="1" dirty="0" smtClean="0"/>
-              <a:t>3. Entender </a:t>
-            </a:r>
-            <a:r>
-              <a:rPr lang="pt-BR" sz="2400" b="1" dirty="0" smtClean="0"/>
-              <a:t>o Ecossistema</a:t>
+              <a:t>3. Entender o Ecossistema</a:t>
             </a:r>
             <a:r>
               <a:rPr lang="pt-BR" sz="2400" dirty="0" smtClean="0"/>
@@ -20295,7 +19532,7 @@
     </p:spTree>
     <p:extLst>
       <p:ext uri="{BB962C8B-B14F-4D97-AF65-F5344CB8AC3E}">
-        <p14:creationId xmlns="" xmlns:p14="http://schemas.microsoft.com/office/powerpoint/2010/main" val="1181728234"/>
+        <p14:creationId xmlns:p14="http://schemas.microsoft.com/office/powerpoint/2010/main" val="1181728234"/>
       </p:ext>
     </p:extLst>
   </p:cSld>
@@ -20390,11 +19627,7 @@
             </a:pPr>
             <a:r>
               <a:rPr lang="pt-BR" sz="1600" b="1" dirty="0" smtClean="0"/>
-              <a:t>Olhe </a:t>
-            </a:r>
-            <a:r>
-              <a:rPr lang="pt-BR" sz="1600" b="1" dirty="0" smtClean="0"/>
-              <a:t>para as </a:t>
+              <a:t>Olhe para as </a:t>
             </a:r>
             <a:r>
               <a:rPr lang="pt-BR" sz="1600" b="1" dirty="0" err="1" smtClean="0"/>
@@ -20402,15 +19635,7 @@
             </a:r>
             <a:r>
               <a:rPr lang="pt-BR" sz="1600" b="1" dirty="0" smtClean="0"/>
-              <a:t> e para o contexto e pense nas etapas </a:t>
-            </a:r>
-            <a:r>
-              <a:rPr lang="pt-BR" sz="1600" b="1" dirty="0" smtClean="0"/>
-              <a:t>que envolvem </a:t>
-            </a:r>
-            <a:r>
-              <a:rPr lang="pt-BR" sz="1600" b="1" dirty="0" smtClean="0"/>
-              <a:t>sua jornada;</a:t>
+              <a:t> e para o contexto e pense nas etapas que envolvem sua jornada;</a:t>
             </a:r>
             <a:endParaRPr lang="pt-BR" sz="1600" dirty="0" smtClean="0"/>
           </a:p>
@@ -20427,11 +19652,7 @@
           <a:p>
             <a:r>
               <a:rPr lang="pt-BR" b="1" dirty="0" smtClean="0"/>
-              <a:t>Fase I - Cadastro de </a:t>
-            </a:r>
-            <a:r>
-              <a:rPr lang="pt-BR" b="1" dirty="0" smtClean="0"/>
-              <a:t>funcionário/usuário/paciente/empresa/parceria</a:t>
+              <a:t>Fase I - Cadastro de funcionário/usuário/paciente/empresa/parceria</a:t>
             </a:r>
           </a:p>
           <a:p>
@@ -20440,15 +19661,7 @@
             </a:pPr>
             <a:r>
               <a:rPr lang="pt-BR" dirty="0" smtClean="0"/>
-              <a:t>-	Objetivo</a:t>
-            </a:r>
-            <a:r>
-              <a:rPr lang="pt-BR" dirty="0" smtClean="0"/>
-              <a:t>: A usuária necessita realizar o cadastro dos funcionários, usuários do sistema com perfis de acessos, pacientes, empresas para as quais presta serviços e as parcerias que possui. Este é o início de sua jornada no sistema, realizar estes cadastros para que seja possível as demais ações</a:t>
-            </a:r>
-            <a:r>
-              <a:rPr lang="pt-BR" dirty="0" smtClean="0"/>
-              <a:t>.</a:t>
+              <a:t>-	Objetivo: A usuária necessita realizar o cadastro dos funcionários, usuários do sistema com perfis de acessos, pacientes, empresas para as quais presta serviços e as parcerias que possui. Este é o início de sua jornada no sistema, realizar estes cadastros para que seja possível as demais ações.</a:t>
             </a:r>
           </a:p>
           <a:p>
@@ -20457,11 +19670,7 @@
           <a:p>
             <a:r>
               <a:rPr lang="pt-BR" b="1" dirty="0" smtClean="0"/>
-              <a:t>Fase </a:t>
-            </a:r>
-            <a:r>
-              <a:rPr lang="pt-BR" b="1" dirty="0" smtClean="0"/>
-              <a:t>II - Agendamento de consulta/palestra</a:t>
+              <a:t>Fase II - Agendamento de consulta/palestra</a:t>
             </a:r>
           </a:p>
           <a:p>
@@ -20470,11 +19679,7 @@
             </a:pPr>
             <a:r>
               <a:rPr lang="pt-BR" dirty="0" smtClean="0"/>
-              <a:t>-	Objetivo</a:t>
-            </a:r>
-            <a:r>
-              <a:rPr lang="pt-BR" dirty="0" smtClean="0"/>
-              <a:t>: A partir do contado do paciente ou empresa há necessidade de verificar a agenda e realizar o agendamento para consulta ou palestra de acordo com a disponibilidade. </a:t>
+              <a:t>-	Objetivo: A partir do contado do paciente ou empresa há necessidade de verificar a agenda e realizar o agendamento para consulta ou palestra de acordo com a disponibilidade. </a:t>
             </a:r>
           </a:p>
           <a:p>
@@ -20483,11 +19688,7 @@
             </a:pPr>
             <a:r>
               <a:rPr lang="pt-BR" dirty="0" smtClean="0"/>
-              <a:t>		</a:t>
-            </a:r>
-            <a:r>
-              <a:rPr lang="pt-BR" dirty="0" smtClean="0"/>
-              <a:t>		</a:t>
+              <a:t>				</a:t>
             </a:r>
           </a:p>
           <a:p>
@@ -20501,7 +19702,7 @@
     </p:spTree>
     <p:extLst>
       <p:ext uri="{BB962C8B-B14F-4D97-AF65-F5344CB8AC3E}">
-        <p14:creationId xmlns="" xmlns:p14="http://schemas.microsoft.com/office/powerpoint/2010/main" val="3121921920"/>
+        <p14:creationId xmlns:p14="http://schemas.microsoft.com/office/powerpoint/2010/main" val="3121921920"/>
       </p:ext>
     </p:extLst>
   </p:cSld>
@@ -20592,15 +19793,19 @@
           <a:p>
             <a:r>
               <a:rPr lang="pt-BR" sz="2000" b="1" dirty="0" smtClean="0"/>
-              <a:t>Fase |</a:t>
-            </a:r>
-            <a:r>
-              <a:rPr lang="pt-BR" sz="2000" b="1" dirty="0" err="1" smtClean="0"/>
-              <a:t>||</a:t>
+              <a:t>Fase </a:t>
             </a:r>
             <a:r>
               <a:rPr lang="pt-BR" sz="2000" b="1" dirty="0" smtClean="0"/>
-              <a:t> - Pré-consulta</a:t>
+              <a:t>III </a:t>
+            </a:r>
+            <a:r>
+              <a:rPr lang="pt-BR" sz="2000" b="1" dirty="0" smtClean="0"/>
+              <a:t>- </a:t>
+            </a:r>
+            <a:r>
+              <a:rPr lang="pt-BR" sz="2000" b="1" dirty="0" smtClean="0"/>
+              <a:t>Pré-consulta</a:t>
             </a:r>
           </a:p>
           <a:p>
@@ -20610,13 +19815,8 @@
             </a:pPr>
             <a:r>
               <a:rPr lang="pt-BR" sz="2000" dirty="0" smtClean="0"/>
-              <a:t>Objetivo</a:t>
+              <a:t>Objetivo: Realizar a preparação para o acompanhamento de um paciente momentos antes da consulta. </a:t>
             </a:r>
-            <a:r>
-              <a:rPr lang="pt-BR" sz="2000" dirty="0" smtClean="0"/>
-              <a:t>: Realizar a preparação para o acompanhamento de um paciente momentos antes da consulta. </a:t>
-            </a:r>
-            <a:endParaRPr lang="pt-BR" sz="2000" dirty="0" smtClean="0"/>
           </a:p>
           <a:p>
             <a:pPr>
@@ -20627,11 +19827,7 @@
           <a:p>
             <a:r>
               <a:rPr lang="pt-BR" sz="2000" b="1" dirty="0" smtClean="0"/>
-              <a:t>Fase </a:t>
-            </a:r>
-            <a:r>
-              <a:rPr lang="pt-BR" sz="2000" b="1" dirty="0" smtClean="0"/>
-              <a:t>IV – Consulta</a:t>
+              <a:t>Fase IV – Consulta</a:t>
             </a:r>
           </a:p>
           <a:p>
@@ -20641,15 +19837,7 @@
             </a:pPr>
             <a:r>
               <a:rPr lang="pt-BR" sz="2000" dirty="0" smtClean="0"/>
-              <a:t>Objetivo</a:t>
-            </a:r>
-            <a:r>
-              <a:rPr lang="pt-BR" sz="2000" dirty="0" smtClean="0"/>
-              <a:t>: Realizar o atendimento clinico/ avaliação psicológica do paciente</a:t>
-            </a:r>
-            <a:r>
-              <a:rPr lang="pt-BR" sz="2000" dirty="0" smtClean="0"/>
-              <a:t>.</a:t>
+              <a:t>Objetivo: Realizar o atendimento clinico/ avaliação psicológica do paciente.</a:t>
             </a:r>
           </a:p>
           <a:p>
@@ -20672,15 +19860,7 @@
             </a:pPr>
             <a:r>
               <a:rPr lang="pt-BR" sz="2000" dirty="0" smtClean="0"/>
-              <a:t>Objetivo</a:t>
-            </a:r>
-            <a:r>
-              <a:rPr lang="pt-BR" sz="2000" dirty="0" smtClean="0"/>
-              <a:t>: Registrar o atendimento realizado com os pacientes no consultório, viabilizando a evolução do quadro clínico</a:t>
-            </a:r>
-            <a:r>
-              <a:rPr lang="pt-BR" sz="2000" dirty="0" smtClean="0"/>
-              <a:t>.</a:t>
+              <a:t>Objetivo: Registrar o atendimento realizado com os pacientes no consultório, viabilizando a evolução do quadro clínico.</a:t>
             </a:r>
           </a:p>
           <a:p>
@@ -20702,11 +19882,7 @@
             </a:pPr>
             <a:r>
               <a:rPr lang="pt-BR" sz="2000" dirty="0" smtClean="0"/>
-              <a:t>-	Objetivo</a:t>
-            </a:r>
-            <a:r>
-              <a:rPr lang="pt-BR" sz="2000" dirty="0" smtClean="0"/>
-              <a:t>: A partir de um atendimento realizado, seja ele de consulta ou palestra é necessário gerar a cobrança deste serviço prestado ao paciente ou empresa. </a:t>
+              <a:t>-	Objetivo: A partir de um atendimento realizado, seja ele de consulta ou palestra é necessário gerar a cobrança deste serviço prestado ao paciente ou empresa. </a:t>
             </a:r>
           </a:p>
           <a:p>
@@ -20717,7 +19893,7 @@
     </p:spTree>
     <p:extLst>
       <p:ext uri="{BB962C8B-B14F-4D97-AF65-F5344CB8AC3E}">
-        <p14:creationId xmlns="" xmlns:p14="http://schemas.microsoft.com/office/powerpoint/2010/main" val="564079460"/>
+        <p14:creationId xmlns:p14="http://schemas.microsoft.com/office/powerpoint/2010/main" val="564079460"/>
       </p:ext>
     </p:extLst>
   </p:cSld>
@@ -20841,7 +20017,7 @@
           <a:blip r:embed="rId2" cstate="print">
             <a:extLst>
               <a:ext uri="{28A0092B-C50C-407E-A947-70E740481C1C}">
-                <a14:useLocalDpi xmlns="" xmlns:wpc="http://schemas.microsoft.com/office/word/2010/wordprocessingCanvas" xmlns:mc="http://schemas.openxmlformats.org/markup-compatibility/2006" xmlns:o="urn:schemas-microsoft-com:office:office" xmlns:m="http://schemas.openxmlformats.org/officeDocument/2006/math" xmlns:v="urn:schemas-microsoft-com:vml" xmlns:wp14="http://schemas.microsoft.com/office/word/2010/wordprocessingDrawing" xmlns:wp="http://schemas.openxmlformats.org/drawingml/2006/wordprocessingDrawing" xmlns:w10="urn:schemas-microsoft-com:office:word" xmlns:w="http://schemas.openxmlformats.org/wordprocessingml/2006/main" xmlns:w14="http://schemas.microsoft.com/office/word/2010/wordml" xmlns:w15="http://schemas.microsoft.com/office/word/2012/wordml" xmlns:wpg="http://schemas.microsoft.com/office/word/2010/wordprocessingGroup" xmlns:wpi="http://schemas.microsoft.com/office/word/2010/wordprocessingInk" xmlns:wne="http://schemas.microsoft.com/office/word/2006/wordml" xmlns:wps="http://schemas.microsoft.com/office/word/2010/wordprocessingShape" xmlns:a14="http://schemas.microsoft.com/office/drawing/2010/main" xmlns:pic="http://schemas.openxmlformats.org/drawingml/2006/picture" xmlns:lc="http://schemas.openxmlformats.org/drawingml/2006/lockedCanvas" val="0"/>
+                <a14:useLocalDpi xmlns:a14="http://schemas.microsoft.com/office/drawing/2010/main" val="0"/>
               </a:ext>
             </a:extLst>
           </a:blip>
@@ -20863,7 +20039,7 @@
     </p:spTree>
     <p:extLst>
       <p:ext uri="{BB962C8B-B14F-4D97-AF65-F5344CB8AC3E}">
-        <p14:creationId xmlns="" xmlns:p14="http://schemas.microsoft.com/office/powerpoint/2010/main" val="2111244490"/>
+        <p14:creationId xmlns:p14="http://schemas.microsoft.com/office/powerpoint/2010/main" val="2111244490"/>
       </p:ext>
     </p:extLst>
   </p:cSld>
@@ -20915,11 +20091,7 @@
             <a:pPr lvl="0"/>
             <a:r>
               <a:rPr lang="pt-BR" sz="2400" b="1" dirty="0" smtClean="0"/>
-              <a:t>5. Gerando </a:t>
-            </a:r>
-            <a:r>
-              <a:rPr lang="pt-BR" sz="2400" b="1" dirty="0" smtClean="0"/>
-              <a:t>ideias</a:t>
+              <a:t>5. Gerando ideias</a:t>
             </a:r>
             <a:endParaRPr lang="pt-BR" sz="2400" dirty="0"/>
           </a:p>
@@ -20997,7 +20169,7 @@
     </p:spTree>
     <p:extLst>
       <p:ext uri="{BB962C8B-B14F-4D97-AF65-F5344CB8AC3E}">
-        <p14:creationId xmlns="" xmlns:p14="http://schemas.microsoft.com/office/powerpoint/2010/main" val="3105576421"/>
+        <p14:creationId xmlns:p14="http://schemas.microsoft.com/office/powerpoint/2010/main" val="3105576421"/>
       </p:ext>
     </p:extLst>
   </p:cSld>
@@ -21097,7 +20269,6 @@
               <a:rPr lang="pt-BR" sz="1100" b="1" dirty="0" smtClean="0"/>
               <a:t>    Priorize a estrutura dos grupos. </a:t>
             </a:r>
-            <a:endParaRPr lang="pt-BR" sz="1100" b="1" dirty="0" smtClean="0"/>
           </a:p>
           <a:p>
             <a:pPr>
@@ -21109,15 +20280,19 @@
       </p:sp>
       <p:graphicFrame>
         <p:nvGraphicFramePr>
-          <p:cNvPr id="5" name="Diagrama 4"/>
-          <p:cNvGraphicFramePr>
-            <a:graphicFrameLocks/>
-          </p:cNvGraphicFramePr>
-          <p:nvPr/>
+          <p:cNvPr id="6" name="Diagrama 5"/>
+          <p:cNvGraphicFramePr/>
+          <p:nvPr>
+            <p:extLst>
+              <p:ext uri="{D42A27DB-BD31-4B8C-83A1-F6EECF244321}">
+                <p14:modId xmlns:p14="http://schemas.microsoft.com/office/powerpoint/2010/main" val="1730003092"/>
+              </p:ext>
+            </p:extLst>
+          </p:nvPr>
         </p:nvGraphicFramePr>
         <p:xfrm>
-          <a:off x="539552" y="1268760"/>
-          <a:ext cx="7776058" cy="5789443"/>
+          <a:off x="611560" y="1844824"/>
+          <a:ext cx="8100000" cy="4896000"/>
         </p:xfrm>
         <a:graphic>
           <a:graphicData uri="http://schemas.openxmlformats.org/drawingml/2006/diagram">
@@ -21128,7 +20303,7 @@
     </p:spTree>
     <p:extLst>
       <p:ext uri="{BB962C8B-B14F-4D97-AF65-F5344CB8AC3E}">
-        <p14:creationId xmlns="" xmlns:p14="http://schemas.microsoft.com/office/powerpoint/2010/main" val="4074623860"/>
+        <p14:creationId xmlns:p14="http://schemas.microsoft.com/office/powerpoint/2010/main" val="4074623860"/>
       </p:ext>
     </p:extLst>
   </p:cSld>
@@ -21450,7 +20625,7 @@
   <a:extraClrSchemeLst/>
   <a:extLst>
     <a:ext uri="{05A4C25C-085E-4340-85A3-A5531E510DB2}">
-      <thm15:themeFamily xmlns="" xmlns:thm15="http://schemas.microsoft.com/office/thememl/2012/main" name="Impacta" id="{9DEE3D4C-7075-4EED-BE25-71DD8C403211}" vid="{301E77B6-CD37-4EBE-AE48-640047432F64}"/>
+      <thm15:themeFamily xmlns:thm15="http://schemas.microsoft.com/office/thememl/2012/main" name="Impacta" id="{9DEE3D4C-7075-4EED-BE25-71DD8C403211}" vid="{301E77B6-CD37-4EBE-AE48-640047432F64}"/>
     </a:ext>
   </a:extLst>
 </a:theme>
